--- a/reports/figures/edit-desindex-panel-figures-new.pptx
+++ b/reports/figures/edit-desindex-panel-figures-new.pptx
@@ -236,7 +236,7 @@
           <a:p>
             <a:fld id="{CEB57C05-9606-4C2E-9455-9A368AB37763}" type="datetimeFigureOut">
               <a:rPr lang="en-GB" smtClean="0"/>
-              <a:t>13/03/2024</a:t>
+              <a:t>15/03/2024</a:t>
             </a:fld>
             <a:endParaRPr lang="en-GB"/>
           </a:p>
@@ -813,7 +813,7 @@
           <a:p>
             <a:fld id="{846CE7D5-CF57-46EF-B807-FDD0502418D4}" type="datetimeFigureOut">
               <a:rPr lang="en-GB" smtClean="0"/>
-              <a:t>13/03/2024</a:t>
+              <a:t>15/03/2024</a:t>
             </a:fld>
             <a:endParaRPr lang="en-GB"/>
           </a:p>
@@ -983,7 +983,7 @@
           <a:p>
             <a:fld id="{846CE7D5-CF57-46EF-B807-FDD0502418D4}" type="datetimeFigureOut">
               <a:rPr lang="en-GB" smtClean="0"/>
-              <a:t>13/03/2024</a:t>
+              <a:t>15/03/2024</a:t>
             </a:fld>
             <a:endParaRPr lang="en-GB"/>
           </a:p>
@@ -1163,7 +1163,7 @@
           <a:p>
             <a:fld id="{846CE7D5-CF57-46EF-B807-FDD0502418D4}" type="datetimeFigureOut">
               <a:rPr lang="en-GB" smtClean="0"/>
-              <a:t>13/03/2024</a:t>
+              <a:t>15/03/2024</a:t>
             </a:fld>
             <a:endParaRPr lang="en-GB"/>
           </a:p>
@@ -1333,7 +1333,7 @@
           <a:p>
             <a:fld id="{846CE7D5-CF57-46EF-B807-FDD0502418D4}" type="datetimeFigureOut">
               <a:rPr lang="en-GB" smtClean="0"/>
-              <a:t>13/03/2024</a:t>
+              <a:t>15/03/2024</a:t>
             </a:fld>
             <a:endParaRPr lang="en-GB"/>
           </a:p>
@@ -1577,7 +1577,7 @@
           <a:p>
             <a:fld id="{846CE7D5-CF57-46EF-B807-FDD0502418D4}" type="datetimeFigureOut">
               <a:rPr lang="en-GB" smtClean="0"/>
-              <a:t>13/03/2024</a:t>
+              <a:t>15/03/2024</a:t>
             </a:fld>
             <a:endParaRPr lang="en-GB"/>
           </a:p>
@@ -1809,7 +1809,7 @@
           <a:p>
             <a:fld id="{846CE7D5-CF57-46EF-B807-FDD0502418D4}" type="datetimeFigureOut">
               <a:rPr lang="en-GB" smtClean="0"/>
-              <a:t>13/03/2024</a:t>
+              <a:t>15/03/2024</a:t>
             </a:fld>
             <a:endParaRPr lang="en-GB"/>
           </a:p>
@@ -2176,7 +2176,7 @@
           <a:p>
             <a:fld id="{846CE7D5-CF57-46EF-B807-FDD0502418D4}" type="datetimeFigureOut">
               <a:rPr lang="en-GB" smtClean="0"/>
-              <a:t>13/03/2024</a:t>
+              <a:t>15/03/2024</a:t>
             </a:fld>
             <a:endParaRPr lang="en-GB"/>
           </a:p>
@@ -2294,7 +2294,7 @@
           <a:p>
             <a:fld id="{846CE7D5-CF57-46EF-B807-FDD0502418D4}" type="datetimeFigureOut">
               <a:rPr lang="en-GB" smtClean="0"/>
-              <a:t>13/03/2024</a:t>
+              <a:t>15/03/2024</a:t>
             </a:fld>
             <a:endParaRPr lang="en-GB"/>
           </a:p>
@@ -2389,7 +2389,7 @@
           <a:p>
             <a:fld id="{846CE7D5-CF57-46EF-B807-FDD0502418D4}" type="datetimeFigureOut">
               <a:rPr lang="en-GB" smtClean="0"/>
-              <a:t>13/03/2024</a:t>
+              <a:t>15/03/2024</a:t>
             </a:fld>
             <a:endParaRPr lang="en-GB"/>
           </a:p>
@@ -2666,7 +2666,7 @@
           <a:p>
             <a:fld id="{846CE7D5-CF57-46EF-B807-FDD0502418D4}" type="datetimeFigureOut">
               <a:rPr lang="en-GB" smtClean="0"/>
-              <a:t>13/03/2024</a:t>
+              <a:t>15/03/2024</a:t>
             </a:fld>
             <a:endParaRPr lang="en-GB"/>
           </a:p>
@@ -2923,7 +2923,7 @@
           <a:p>
             <a:fld id="{846CE7D5-CF57-46EF-B807-FDD0502418D4}" type="datetimeFigureOut">
               <a:rPr lang="en-GB" smtClean="0"/>
-              <a:t>13/03/2024</a:t>
+              <a:t>15/03/2024</a:t>
             </a:fld>
             <a:endParaRPr lang="en-GB"/>
           </a:p>
@@ -3136,7 +3136,7 @@
           <a:p>
             <a:fld id="{846CE7D5-CF57-46EF-B807-FDD0502418D4}" type="datetimeFigureOut">
               <a:rPr lang="en-GB" smtClean="0"/>
-              <a:t>13/03/2024</a:t>
+              <a:t>15/03/2024</a:t>
             </a:fld>
             <a:endParaRPr lang="en-GB"/>
           </a:p>
@@ -7460,16 +7460,10 @@
           <a:lstStyle/>
           <a:p>
             <a:r>
-              <a:rPr lang="en-GB" sz="407" dirty="0" err="1">
-                <a:latin typeface="Helvetica" pitchFamily="2" charset="0"/>
-              </a:rPr>
-              <a:t>GenAI</a:t>
-            </a:r>
-            <a:r>
               <a:rPr lang="en-GB" sz="407" dirty="0">
                 <a:latin typeface="Helvetica" pitchFamily="2" charset="0"/>
               </a:rPr>
-              <a:t> applicable to ≥ 75% of tasks; there is no interaction; only internal administrative staff</a:t>
+              <a:t>GenAI applicable to ≥ 75% of tasks; there is no interaction; only internal administrative staff</a:t>
             </a:r>
           </a:p>
         </p:txBody>
@@ -7503,16 +7497,10 @@
           <a:lstStyle/>
           <a:p>
             <a:r>
-              <a:rPr lang="en-GB" sz="407" dirty="0" err="1">
-                <a:latin typeface="Helvetica" pitchFamily="2" charset="0"/>
-              </a:rPr>
-              <a:t>GenAI</a:t>
-            </a:r>
-            <a:r>
               <a:rPr lang="en-GB" sz="407" dirty="0">
                 <a:latin typeface="Helvetica" pitchFamily="2" charset="0"/>
               </a:rPr>
-              <a:t> applicable to ≥ 50% of tasks; some interaction;</a:t>
+              <a:t>GenAI applicable to ≥ 50% of tasks; some interaction;</a:t>
             </a:r>
           </a:p>
           <a:p>
@@ -7554,16 +7542,10 @@
           <a:lstStyle/>
           <a:p>
             <a:r>
-              <a:rPr lang="en-GB" sz="407" dirty="0" err="1">
-                <a:latin typeface="Helvetica" pitchFamily="2" charset="0"/>
-              </a:rPr>
-              <a:t>GenAI</a:t>
-            </a:r>
-            <a:r>
               <a:rPr lang="en-GB" sz="407" dirty="0">
                 <a:latin typeface="Helvetica" pitchFamily="2" charset="0"/>
               </a:rPr>
-              <a:t> applicable to &lt; 50% of tasks; some/high degree of interaction; internal administrative staff or tribunal</a:t>
+              <a:t>GenAI applicable to &lt; 50% of tasks; some/high degree of interaction; internal administrative staff or tribunal</a:t>
             </a:r>
           </a:p>
         </p:txBody>
@@ -7597,16 +7579,10 @@
           <a:lstStyle/>
           <a:p>
             <a:r>
-              <a:rPr lang="en-GB" sz="407" dirty="0" err="1">
-                <a:latin typeface="Helvetica" pitchFamily="2" charset="0"/>
-              </a:rPr>
-              <a:t>GenAI</a:t>
-            </a:r>
-            <a:r>
               <a:rPr lang="en-GB" sz="407" dirty="0">
                 <a:latin typeface="Helvetica" pitchFamily="2" charset="0"/>
               </a:rPr>
-              <a:t> applicable to &lt; 50% of tasks; high degree of interaction; internal administrative staff and tribunal</a:t>
+              <a:t>GenAI applicable to &lt; 50% of tasks; high degree of interaction; internal administrative staff and tribunal</a:t>
             </a:r>
           </a:p>
         </p:txBody>
@@ -12187,678 +12163,6 @@
           <a:chExt cx="0" cy="0"/>
         </a:xfrm>
       </p:grpSpPr>
-      <p:pic>
-        <p:nvPicPr>
-          <p:cNvPr id="5" name="Picture 4">
-            <a:extLst>
-              <a:ext uri="{FF2B5EF4-FFF2-40B4-BE49-F238E27FC236}">
-                <a16:creationId xmlns:a16="http://schemas.microsoft.com/office/drawing/2014/main" id="{A90DFD8D-B810-9BA1-6AC0-ABC8B857082B}"/>
-              </a:ext>
-            </a:extLst>
-          </p:cNvPr>
-          <p:cNvPicPr>
-            <a:picLocks noChangeAspect="1"/>
-          </p:cNvPicPr>
-          <p:nvPr/>
-        </p:nvPicPr>
-        <p:blipFill>
-          <a:blip r:embed="rId3"/>
-          <a:stretch>
-            <a:fillRect/>
-          </a:stretch>
-        </p:blipFill>
-        <p:spPr>
-          <a:xfrm>
-            <a:off x="4253610" y="2534858"/>
-            <a:ext cx="2077977" cy="1531987"/>
-          </a:xfrm>
-          <a:prstGeom prst="rect">
-            <a:avLst/>
-          </a:prstGeom>
-        </p:spPr>
-      </p:pic>
-      <p:sp>
-        <p:nvSpPr>
-          <p:cNvPr id="104" name="Rectangle 103"/>
-          <p:cNvSpPr/>
-          <p:nvPr/>
-        </p:nvSpPr>
-        <p:spPr>
-          <a:xfrm>
-            <a:off x="3323037" y="5725170"/>
-            <a:ext cx="1875164" cy="498581"/>
-          </a:xfrm>
-          <a:prstGeom prst="rect">
-            <a:avLst/>
-          </a:prstGeom>
-          <a:solidFill>
-            <a:srgbClr val="5395A7"/>
-          </a:solidFill>
-          <a:ln w="9525">
-            <a:solidFill>
-              <a:schemeClr val="tx1"/>
-            </a:solidFill>
-          </a:ln>
-        </p:spPr>
-        <p:style>
-          <a:lnRef idx="2">
-            <a:schemeClr val="accent1">
-              <a:shade val="50000"/>
-            </a:schemeClr>
-          </a:lnRef>
-          <a:fillRef idx="1">
-            <a:schemeClr val="accent1"/>
-          </a:fillRef>
-          <a:effectRef idx="0">
-            <a:schemeClr val="accent1"/>
-          </a:effectRef>
-          <a:fontRef idx="minor">
-            <a:schemeClr val="lt1"/>
-          </a:fontRef>
-        </p:style>
-        <p:txBody>
-          <a:bodyPr rtlCol="0" anchor="ctr"/>
-          <a:lstStyle/>
-          <a:p>
-            <a:pPr algn="ctr"/>
-            <a:endParaRPr lang="en-GB" sz="543" b="1" dirty="0">
-              <a:solidFill>
-                <a:schemeClr val="tx1">
-                  <a:lumMod val="85000"/>
-                  <a:lumOff val="15000"/>
-                </a:schemeClr>
-              </a:solidFill>
-              <a:latin typeface="Helvetica" panose="020B0604020202020204" pitchFamily="34" charset="0"/>
-              <a:cs typeface="Helvetica" panose="020B0604020202020204" pitchFamily="34" charset="0"/>
-            </a:endParaRPr>
-          </a:p>
-        </p:txBody>
-      </p:sp>
-      <p:sp>
-        <p:nvSpPr>
-          <p:cNvPr id="101" name="TextBox 100"/>
-          <p:cNvSpPr txBox="1"/>
-          <p:nvPr/>
-        </p:nvSpPr>
-        <p:spPr>
-          <a:xfrm>
-            <a:off x="3256752" y="5686861"/>
-            <a:ext cx="2035847" cy="579326"/>
-          </a:xfrm>
-          <a:prstGeom prst="rect">
-            <a:avLst/>
-          </a:prstGeom>
-          <a:noFill/>
-        </p:spPr>
-        <p:txBody>
-          <a:bodyPr wrap="square" rtlCol="0">
-            <a:spAutoFit/>
-          </a:bodyPr>
-          <a:lstStyle/>
-          <a:p>
-            <a:r>
-              <a:rPr lang="en-GB" sz="452" dirty="0">
-                <a:solidFill>
-                  <a:schemeClr val="bg1"/>
-                </a:solidFill>
-                <a:latin typeface="Helvetica" panose="020B0604020202020204" pitchFamily="34" charset="0"/>
-                <a:cs typeface="Helvetica" panose="020B0604020202020204" pitchFamily="34" charset="0"/>
-              </a:rPr>
-              <a:t>• Apply for a standard visitor visa</a:t>
-            </a:r>
-          </a:p>
-          <a:p>
-            <a:r>
-              <a:rPr lang="en-GB" sz="452" dirty="0">
-                <a:solidFill>
-                  <a:schemeClr val="bg1"/>
-                </a:solidFill>
-                <a:latin typeface="Helvetica" panose="020B0604020202020204" pitchFamily="34" charset="0"/>
-                <a:cs typeface="Helvetica" panose="020B0604020202020204" pitchFamily="34" charset="0"/>
-              </a:rPr>
-              <a:t>• Claim attendance allowance</a:t>
-            </a:r>
-          </a:p>
-          <a:p>
-            <a:r>
-              <a:rPr lang="en-GB" sz="452" dirty="0">
-                <a:solidFill>
-                  <a:schemeClr val="bg1"/>
-                </a:solidFill>
-                <a:latin typeface="Helvetica" panose="020B0604020202020204" pitchFamily="34" charset="0"/>
-                <a:cs typeface="Helvetica" panose="020B0604020202020204" pitchFamily="34" charset="0"/>
-              </a:rPr>
-              <a:t>• National security vetting service</a:t>
-            </a:r>
-          </a:p>
-          <a:p>
-            <a:r>
-              <a:rPr lang="en-GB" sz="452" dirty="0">
-                <a:solidFill>
-                  <a:schemeClr val="bg1"/>
-                </a:solidFill>
-                <a:latin typeface="Helvetica" panose="020B0604020202020204" pitchFamily="34" charset="0"/>
-                <a:cs typeface="Helvetica" panose="020B0604020202020204" pitchFamily="34" charset="0"/>
-              </a:rPr>
-              <a:t>• Register for combined heat and power quality assurance and submit </a:t>
-            </a:r>
-          </a:p>
-          <a:p>
-            <a:r>
-              <a:rPr lang="en-GB" sz="452" dirty="0">
-                <a:solidFill>
-                  <a:schemeClr val="bg1"/>
-                </a:solidFill>
-                <a:latin typeface="Helvetica" panose="020B0604020202020204" pitchFamily="34" charset="0"/>
-                <a:cs typeface="Helvetica" panose="020B0604020202020204" pitchFamily="34" charset="0"/>
-              </a:rPr>
-              <a:t>   installation data</a:t>
-            </a:r>
-          </a:p>
-          <a:p>
-            <a:r>
-              <a:rPr lang="en-GB" sz="452" dirty="0">
-                <a:solidFill>
-                  <a:schemeClr val="bg1"/>
-                </a:solidFill>
-                <a:latin typeface="Helvetica" panose="020B0604020202020204" pitchFamily="34" charset="0"/>
-                <a:cs typeface="Helvetica" panose="020B0604020202020204" pitchFamily="34" charset="0"/>
-              </a:rPr>
-              <a:t>• Get help with funeral costs (funeral expenses payment)</a:t>
-            </a:r>
-          </a:p>
-          <a:p>
-            <a:endParaRPr lang="en-GB" sz="452" dirty="0">
-              <a:latin typeface="Helvetica" panose="020B0604020202020204" pitchFamily="34" charset="0"/>
-              <a:cs typeface="Helvetica" panose="020B0604020202020204" pitchFamily="34" charset="0"/>
-            </a:endParaRPr>
-          </a:p>
-        </p:txBody>
-      </p:sp>
-      <p:sp>
-        <p:nvSpPr>
-          <p:cNvPr id="89" name="Rectangle 88"/>
-          <p:cNvSpPr/>
-          <p:nvPr/>
-        </p:nvSpPr>
-        <p:spPr>
-          <a:xfrm>
-            <a:off x="3322878" y="5224227"/>
-            <a:ext cx="1875326" cy="502041"/>
-          </a:xfrm>
-          <a:prstGeom prst="rect">
-            <a:avLst/>
-          </a:prstGeom>
-          <a:solidFill>
-            <a:srgbClr val="407280"/>
-          </a:solidFill>
-          <a:ln w="9525">
-            <a:solidFill>
-              <a:schemeClr val="tx1"/>
-            </a:solidFill>
-          </a:ln>
-        </p:spPr>
-        <p:style>
-          <a:lnRef idx="2">
-            <a:schemeClr val="accent1">
-              <a:shade val="50000"/>
-            </a:schemeClr>
-          </a:lnRef>
-          <a:fillRef idx="1">
-            <a:schemeClr val="accent1"/>
-          </a:fillRef>
-          <a:effectRef idx="0">
-            <a:schemeClr val="accent1"/>
-          </a:effectRef>
-          <a:fontRef idx="minor">
-            <a:schemeClr val="lt1"/>
-          </a:fontRef>
-        </p:style>
-        <p:txBody>
-          <a:bodyPr rtlCol="0" anchor="ctr"/>
-          <a:lstStyle/>
-          <a:p>
-            <a:pPr algn="ctr"/>
-            <a:endParaRPr lang="en-GB" sz="543" b="1" dirty="0">
-              <a:solidFill>
-                <a:schemeClr val="tx1">
-                  <a:lumMod val="85000"/>
-                  <a:lumOff val="15000"/>
-                </a:schemeClr>
-              </a:solidFill>
-              <a:latin typeface="Helvetica" panose="020B0604020202020204" pitchFamily="34" charset="0"/>
-              <a:cs typeface="Helvetica" panose="020B0604020202020204" pitchFamily="34" charset="0"/>
-            </a:endParaRPr>
-          </a:p>
-        </p:txBody>
-      </p:sp>
-      <p:sp>
-        <p:nvSpPr>
-          <p:cNvPr id="96" name="TextBox 95"/>
-          <p:cNvSpPr txBox="1"/>
-          <p:nvPr/>
-        </p:nvSpPr>
-        <p:spPr>
-          <a:xfrm>
-            <a:off x="4189680" y="5188495"/>
-            <a:ext cx="1471331" cy="788036"/>
-          </a:xfrm>
-          <a:prstGeom prst="rect">
-            <a:avLst/>
-          </a:prstGeom>
-          <a:noFill/>
-        </p:spPr>
-        <p:txBody>
-          <a:bodyPr wrap="square" rtlCol="0">
-            <a:spAutoFit/>
-          </a:bodyPr>
-          <a:lstStyle/>
-          <a:p>
-            <a:r>
-              <a:rPr lang="en-GB" sz="452" dirty="0">
-                <a:solidFill>
-                  <a:schemeClr val="bg1"/>
-                </a:solidFill>
-                <a:latin typeface="Helvetica" panose="020B0604020202020204" pitchFamily="34" charset="0"/>
-                <a:cs typeface="Helvetica" panose="020B0604020202020204" pitchFamily="34" charset="0"/>
-              </a:rPr>
-              <a:t>• Apply for a skilled worker visa</a:t>
-            </a:r>
-          </a:p>
-          <a:p>
-            <a:r>
-              <a:rPr lang="en-GB" sz="452" dirty="0">
-                <a:solidFill>
-                  <a:schemeClr val="bg1"/>
-                </a:solidFill>
-                <a:latin typeface="Helvetica" panose="020B0604020202020204" pitchFamily="34" charset="0"/>
-                <a:cs typeface="Helvetica" panose="020B0604020202020204" pitchFamily="34" charset="0"/>
-              </a:rPr>
-              <a:t>• Apply for a criminal record check</a:t>
-            </a:r>
-          </a:p>
-          <a:p>
-            <a:r>
-              <a:rPr lang="en-GB" sz="452" dirty="0">
-                <a:solidFill>
-                  <a:schemeClr val="bg1"/>
-                </a:solidFill>
-                <a:latin typeface="Helvetica" panose="020B0604020202020204" pitchFamily="34" charset="0"/>
-                <a:cs typeface="Helvetica" panose="020B0604020202020204" pitchFamily="34" charset="0"/>
-              </a:rPr>
-              <a:t>• Apply for a student visa</a:t>
-            </a:r>
-          </a:p>
-          <a:p>
-            <a:r>
-              <a:rPr lang="en-GB" sz="452" dirty="0">
-                <a:solidFill>
-                  <a:schemeClr val="bg1"/>
-                </a:solidFill>
-                <a:latin typeface="Helvetica" panose="020B0604020202020204" pitchFamily="34" charset="0"/>
-                <a:cs typeface="Helvetica" panose="020B0604020202020204" pitchFamily="34" charset="0"/>
-              </a:rPr>
-              <a:t>• Biomass suppliers list</a:t>
-            </a:r>
-          </a:p>
-          <a:p>
-            <a:r>
-              <a:rPr lang="en-GB" sz="452" dirty="0">
-                <a:solidFill>
-                  <a:schemeClr val="bg1"/>
-                </a:solidFill>
-                <a:latin typeface="Helvetica" panose="020B0604020202020204" pitchFamily="34" charset="0"/>
-                <a:cs typeface="Helvetica" panose="020B0604020202020204" pitchFamily="34" charset="0"/>
-              </a:rPr>
-              <a:t>• Claim disability living allowance</a:t>
-            </a:r>
-          </a:p>
-          <a:p>
-            <a:r>
-              <a:rPr lang="en-GB" sz="452" dirty="0">
-                <a:solidFill>
-                  <a:schemeClr val="bg1"/>
-                </a:solidFill>
-                <a:latin typeface="Helvetica" panose="020B0604020202020204" pitchFamily="34" charset="0"/>
-                <a:cs typeface="Helvetica" panose="020B0604020202020204" pitchFamily="34" charset="0"/>
-              </a:rPr>
-              <a:t>• Claim maternity allowance</a:t>
-            </a:r>
-          </a:p>
-          <a:p>
-            <a:r>
-              <a:rPr lang="en-GB" sz="452" dirty="0">
-                <a:solidFill>
-                  <a:schemeClr val="bg1"/>
-                </a:solidFill>
-                <a:latin typeface="Helvetica" panose="020B0604020202020204" pitchFamily="34" charset="0"/>
-                <a:cs typeface="Helvetica" panose="020B0604020202020204" pitchFamily="34" charset="0"/>
-              </a:rPr>
-              <a:t>• King’s award for enterprise</a:t>
-            </a:r>
-          </a:p>
-          <a:p>
-            <a:endParaRPr lang="en-GB" sz="452" dirty="0">
-              <a:solidFill>
-                <a:schemeClr val="bg1"/>
-              </a:solidFill>
-              <a:latin typeface="Helvetica" panose="020B0604020202020204" pitchFamily="34" charset="0"/>
-              <a:cs typeface="Helvetica" panose="020B0604020202020204" pitchFamily="34" charset="0"/>
-            </a:endParaRPr>
-          </a:p>
-          <a:p>
-            <a:endParaRPr lang="en-GB" sz="452" dirty="0">
-              <a:solidFill>
-                <a:schemeClr val="bg1"/>
-              </a:solidFill>
-              <a:latin typeface="Helvetica" panose="020B0604020202020204" pitchFamily="34" charset="0"/>
-              <a:cs typeface="Helvetica" panose="020B0604020202020204" pitchFamily="34" charset="0"/>
-            </a:endParaRPr>
-          </a:p>
-          <a:p>
-            <a:endParaRPr lang="en-GB" sz="452" dirty="0">
-              <a:solidFill>
-                <a:schemeClr val="bg1"/>
-              </a:solidFill>
-              <a:latin typeface="Helvetica" panose="020B0604020202020204" pitchFamily="34" charset="0"/>
-              <a:cs typeface="Helvetica" panose="020B0604020202020204" pitchFamily="34" charset="0"/>
-            </a:endParaRPr>
-          </a:p>
-        </p:txBody>
-      </p:sp>
-      <p:sp>
-        <p:nvSpPr>
-          <p:cNvPr id="80" name="TextBox 79"/>
-          <p:cNvSpPr txBox="1"/>
-          <p:nvPr/>
-        </p:nvSpPr>
-        <p:spPr>
-          <a:xfrm>
-            <a:off x="3258649" y="5188125"/>
-            <a:ext cx="1368596" cy="648896"/>
-          </a:xfrm>
-          <a:prstGeom prst="rect">
-            <a:avLst/>
-          </a:prstGeom>
-          <a:noFill/>
-        </p:spPr>
-        <p:txBody>
-          <a:bodyPr wrap="square" rtlCol="0">
-            <a:spAutoFit/>
-          </a:bodyPr>
-          <a:lstStyle/>
-          <a:p>
-            <a:r>
-              <a:rPr lang="en-GB" sz="452" dirty="0">
-                <a:solidFill>
-                  <a:schemeClr val="bg1"/>
-                </a:solidFill>
-                <a:latin typeface="Helvetica" panose="020B0604020202020204" pitchFamily="34" charset="0"/>
-                <a:cs typeface="Helvetica" panose="020B0604020202020204" pitchFamily="34" charset="0"/>
-              </a:rPr>
-              <a:t>• Apply for an access to work grant</a:t>
-            </a:r>
-          </a:p>
-          <a:p>
-            <a:r>
-              <a:rPr lang="en-GB" sz="452" dirty="0">
-                <a:solidFill>
-                  <a:schemeClr val="bg1"/>
-                </a:solidFill>
-                <a:latin typeface="Helvetica" panose="020B0604020202020204" pitchFamily="34" charset="0"/>
-                <a:cs typeface="Helvetica" panose="020B0604020202020204" pitchFamily="34" charset="0"/>
-              </a:rPr>
-              <a:t>• Apply for legal aid</a:t>
-            </a:r>
-          </a:p>
-          <a:p>
-            <a:r>
-              <a:rPr lang="en-GB" sz="452" dirty="0">
-                <a:solidFill>
-                  <a:schemeClr val="bg1"/>
-                </a:solidFill>
-                <a:latin typeface="Helvetica" panose="020B0604020202020204" pitchFamily="34" charset="0"/>
-                <a:cs typeface="Helvetica" panose="020B0604020202020204" pitchFamily="34" charset="0"/>
-              </a:rPr>
-              <a:t>• Apply for photo ID to vote</a:t>
-            </a:r>
-          </a:p>
-          <a:p>
-            <a:r>
-              <a:rPr lang="en-GB" sz="452" dirty="0">
-                <a:solidFill>
-                  <a:schemeClr val="bg1"/>
-                </a:solidFill>
-                <a:latin typeface="Helvetica" panose="020B0604020202020204" pitchFamily="34" charset="0"/>
-                <a:cs typeface="Helvetica" panose="020B0604020202020204" pitchFamily="34" charset="0"/>
-              </a:rPr>
-              <a:t>• Apply for pension credit</a:t>
-            </a:r>
-          </a:p>
-          <a:p>
-            <a:r>
-              <a:rPr lang="en-GB" sz="452" dirty="0">
-                <a:solidFill>
-                  <a:schemeClr val="bg1"/>
-                </a:solidFill>
-                <a:latin typeface="Helvetica" panose="020B0604020202020204" pitchFamily="34" charset="0"/>
-                <a:cs typeface="Helvetica" panose="020B0604020202020204" pitchFamily="34" charset="0"/>
-              </a:rPr>
-              <a:t>• Apply for deceased military record</a:t>
-            </a:r>
-          </a:p>
-          <a:p>
-            <a:r>
-              <a:rPr lang="en-GB" sz="452" dirty="0">
-                <a:solidFill>
-                  <a:schemeClr val="bg1"/>
-                </a:solidFill>
-                <a:latin typeface="Helvetica" panose="020B0604020202020204" pitchFamily="34" charset="0"/>
-                <a:cs typeface="Helvetica" panose="020B0604020202020204" pitchFamily="34" charset="0"/>
-              </a:rPr>
-              <a:t>• Apply for new style employment</a:t>
-            </a:r>
-          </a:p>
-          <a:p>
-            <a:r>
-              <a:rPr lang="en-GB" sz="452" dirty="0">
-                <a:solidFill>
-                  <a:schemeClr val="bg1"/>
-                </a:solidFill>
-                <a:latin typeface="Helvetica" panose="020B0604020202020204" pitchFamily="34" charset="0"/>
-                <a:cs typeface="Helvetica" panose="020B0604020202020204" pitchFamily="34" charset="0"/>
-              </a:rPr>
-              <a:t>• Apply for bereavement support </a:t>
-            </a:r>
-          </a:p>
-          <a:p>
-            <a:endParaRPr lang="en-GB" sz="452" dirty="0">
-              <a:solidFill>
-                <a:schemeClr val="bg1"/>
-              </a:solidFill>
-              <a:latin typeface="Helvetica" panose="020B0604020202020204" pitchFamily="34" charset="0"/>
-              <a:cs typeface="Helvetica" panose="020B0604020202020204" pitchFamily="34" charset="0"/>
-            </a:endParaRPr>
-          </a:p>
-        </p:txBody>
-      </p:sp>
-      <p:sp>
-        <p:nvSpPr>
-          <p:cNvPr id="69" name="Rectangle 68"/>
-          <p:cNvSpPr/>
-          <p:nvPr/>
-        </p:nvSpPr>
-        <p:spPr>
-          <a:xfrm>
-            <a:off x="2050204" y="5222847"/>
-            <a:ext cx="1272683" cy="503620"/>
-          </a:xfrm>
-          <a:prstGeom prst="rect">
-            <a:avLst/>
-          </a:prstGeom>
-          <a:solidFill>
-            <a:srgbClr val="FFF2B3"/>
-          </a:solidFill>
-          <a:ln w="9525">
-            <a:solidFill>
-              <a:schemeClr val="tx1"/>
-            </a:solidFill>
-          </a:ln>
-        </p:spPr>
-        <p:style>
-          <a:lnRef idx="2">
-            <a:schemeClr val="accent1">
-              <a:shade val="50000"/>
-            </a:schemeClr>
-          </a:lnRef>
-          <a:fillRef idx="1">
-            <a:schemeClr val="accent1"/>
-          </a:fillRef>
-          <a:effectRef idx="0">
-            <a:schemeClr val="accent1"/>
-          </a:effectRef>
-          <a:fontRef idx="minor">
-            <a:schemeClr val="lt1"/>
-          </a:fontRef>
-        </p:style>
-        <p:txBody>
-          <a:bodyPr rtlCol="0" anchor="ctr"/>
-          <a:lstStyle/>
-          <a:p>
-            <a:pPr algn="ctr"/>
-            <a:r>
-              <a:rPr lang="en-GB" sz="543" b="1" dirty="0">
-                <a:solidFill>
-                  <a:schemeClr val="tx1">
-                    <a:lumMod val="85000"/>
-                    <a:lumOff val="15000"/>
-                  </a:schemeClr>
-                </a:solidFill>
-                <a:latin typeface="Helvetica" panose="020B0604020202020204" pitchFamily="34" charset="0"/>
-                <a:cs typeface="Helvetica" panose="020B0604020202020204" pitchFamily="34" charset="0"/>
-              </a:rPr>
-              <a:t>Medium potential for </a:t>
-            </a:r>
-            <a:r>
-              <a:rPr lang="en-GB" sz="543" b="1" dirty="0" err="1">
-                <a:solidFill>
-                  <a:schemeClr val="tx1">
-                    <a:lumMod val="85000"/>
-                    <a:lumOff val="15000"/>
-                  </a:schemeClr>
-                </a:solidFill>
-                <a:latin typeface="Helvetica" panose="020B0604020202020204" pitchFamily="34" charset="0"/>
-                <a:cs typeface="Helvetica" panose="020B0604020202020204" pitchFamily="34" charset="0"/>
-              </a:rPr>
-              <a:t>GenAI</a:t>
-            </a:r>
-            <a:endParaRPr lang="en-GB" sz="543" b="1" dirty="0">
-              <a:solidFill>
-                <a:schemeClr val="tx1">
-                  <a:lumMod val="85000"/>
-                  <a:lumOff val="15000"/>
-                </a:schemeClr>
-              </a:solidFill>
-              <a:latin typeface="Helvetica" panose="020B0604020202020204" pitchFamily="34" charset="0"/>
-              <a:cs typeface="Helvetica" panose="020B0604020202020204" pitchFamily="34" charset="0"/>
-            </a:endParaRPr>
-          </a:p>
-        </p:txBody>
-      </p:sp>
-      <p:sp>
-        <p:nvSpPr>
-          <p:cNvPr id="75" name="Rectangle 74"/>
-          <p:cNvSpPr/>
-          <p:nvPr/>
-        </p:nvSpPr>
-        <p:spPr>
-          <a:xfrm>
-            <a:off x="5198203" y="4788107"/>
-            <a:ext cx="1067676" cy="437399"/>
-          </a:xfrm>
-          <a:prstGeom prst="rect">
-            <a:avLst/>
-          </a:prstGeom>
-          <a:solidFill>
-            <a:srgbClr val="EFEFEF"/>
-          </a:solidFill>
-          <a:ln w="9525">
-            <a:solidFill>
-              <a:schemeClr val="tx1"/>
-            </a:solidFill>
-          </a:ln>
-        </p:spPr>
-        <p:style>
-          <a:lnRef idx="2">
-            <a:schemeClr val="accent1">
-              <a:shade val="50000"/>
-            </a:schemeClr>
-          </a:lnRef>
-          <a:fillRef idx="1">
-            <a:schemeClr val="accent1"/>
-          </a:fillRef>
-          <a:effectRef idx="0">
-            <a:schemeClr val="accent1"/>
-          </a:effectRef>
-          <a:fontRef idx="minor">
-            <a:schemeClr val="lt1"/>
-          </a:fontRef>
-        </p:style>
-        <p:txBody>
-          <a:bodyPr rtlCol="0" anchor="ctr"/>
-          <a:lstStyle/>
-          <a:p>
-            <a:pPr algn="ctr"/>
-            <a:endParaRPr lang="en-GB" sz="407" b="1" dirty="0">
-              <a:solidFill>
-                <a:schemeClr val="tx1">
-                  <a:lumMod val="85000"/>
-                  <a:lumOff val="15000"/>
-                </a:schemeClr>
-              </a:solidFill>
-              <a:latin typeface="Helvetica" panose="020B0604020202020204" pitchFamily="34" charset="0"/>
-              <a:cs typeface="Helvetica" panose="020B0604020202020204" pitchFamily="34" charset="0"/>
-            </a:endParaRPr>
-          </a:p>
-        </p:txBody>
-      </p:sp>
-      <p:sp>
-        <p:nvSpPr>
-          <p:cNvPr id="7" name="TextBox 6">
-            <a:extLst>
-              <a:ext uri="{FF2B5EF4-FFF2-40B4-BE49-F238E27FC236}">
-                <a16:creationId xmlns:a16="http://schemas.microsoft.com/office/drawing/2014/main" id="{7552D84B-D8B8-6333-6106-4A60D9E27F17}"/>
-              </a:ext>
-            </a:extLst>
-          </p:cNvPr>
-          <p:cNvSpPr txBox="1"/>
-          <p:nvPr/>
-        </p:nvSpPr>
-        <p:spPr>
-          <a:xfrm>
-            <a:off x="3933235" y="2397701"/>
-            <a:ext cx="268022" cy="232051"/>
-          </a:xfrm>
-          <a:prstGeom prst="rect">
-            <a:avLst/>
-          </a:prstGeom>
-          <a:noFill/>
-        </p:spPr>
-        <p:txBody>
-          <a:bodyPr wrap="none" rtlCol="0">
-            <a:spAutoFit/>
-          </a:bodyPr>
-          <a:lstStyle/>
-          <a:p>
-            <a:r>
-              <a:rPr lang="en-GB" sz="908" b="1" dirty="0">
-                <a:latin typeface="Helvetica" pitchFamily="2" charset="0"/>
-              </a:rPr>
-              <a:t>B</a:t>
-            </a:r>
-          </a:p>
-        </p:txBody>
-      </p:sp>
       <p:sp>
         <p:nvSpPr>
           <p:cNvPr id="8" name="TextBox 7">
@@ -12873,7 +12177,7 @@
         </p:nvSpPr>
         <p:spPr>
           <a:xfrm>
-            <a:off x="1852965" y="2395284"/>
+            <a:off x="913931" y="896420"/>
             <a:ext cx="268022" cy="232051"/>
           </a:xfrm>
           <a:prstGeom prst="rect">
@@ -12892,43 +12196,6 @@
                 <a:latin typeface="Helvetica" pitchFamily="2" charset="0"/>
               </a:rPr>
               <a:t>A</a:t>
-            </a:r>
-          </a:p>
-        </p:txBody>
-      </p:sp>
-      <p:sp>
-        <p:nvSpPr>
-          <p:cNvPr id="16" name="TextBox 15">
-            <a:extLst>
-              <a:ext uri="{FF2B5EF4-FFF2-40B4-BE49-F238E27FC236}">
-                <a16:creationId xmlns:a16="http://schemas.microsoft.com/office/drawing/2014/main" id="{6D44E15B-DB6C-219C-CF74-29806A9A29F7}"/>
-              </a:ext>
-            </a:extLst>
-          </p:cNvPr>
-          <p:cNvSpPr txBox="1"/>
-          <p:nvPr/>
-        </p:nvSpPr>
-        <p:spPr>
-          <a:xfrm>
-            <a:off x="1855781" y="4314085"/>
-            <a:ext cx="268022" cy="232051"/>
-          </a:xfrm>
-          <a:prstGeom prst="rect">
-            <a:avLst/>
-          </a:prstGeom>
-          <a:noFill/>
-        </p:spPr>
-        <p:txBody>
-          <a:bodyPr wrap="none" rtlCol="0">
-            <a:spAutoFit/>
-          </a:bodyPr>
-          <a:lstStyle/>
-          <a:p>
-            <a:r>
-              <a:rPr lang="en-GB" sz="908" b="1" dirty="0">
-                <a:latin typeface="Helvetica" pitchFamily="2" charset="0"/>
-              </a:rPr>
-              <a:t>C</a:t>
             </a:r>
           </a:p>
         </p:txBody>
@@ -12942,7 +12209,7 @@
           <p:nvPr/>
         </p:nvPicPr>
         <p:blipFill>
-          <a:blip r:embed="rId4">
+          <a:blip r:embed="rId3">
             <a:extLst>
               <a:ext uri="{28A0092B-C50C-407E-A947-70E740481C1C}">
                 <a14:useLocalDpi xmlns:a14="http://schemas.microsoft.com/office/drawing/2010/main" val="0"/>
@@ -12955,7 +12222,7 @@
         </p:blipFill>
         <p:spPr>
           <a:xfrm>
-            <a:off x="2051015" y="2571040"/>
+            <a:off x="1111981" y="1072176"/>
             <a:ext cx="1903990" cy="1669375"/>
           </a:xfrm>
           <a:prstGeom prst="rect">
@@ -12963,917 +12230,6 @@
           </a:prstGeom>
         </p:spPr>
       </p:pic>
-      <p:sp>
-        <p:nvSpPr>
-          <p:cNvPr id="26" name="TextBox 25">
-            <a:extLst>
-              <a:ext uri="{FF2B5EF4-FFF2-40B4-BE49-F238E27FC236}">
-                <a16:creationId xmlns:a16="http://schemas.microsoft.com/office/drawing/2014/main" id="{48A14326-E42E-B11D-29FB-16036A35C13B}"/>
-              </a:ext>
-            </a:extLst>
-          </p:cNvPr>
-          <p:cNvSpPr txBox="1"/>
-          <p:nvPr/>
-        </p:nvSpPr>
-        <p:spPr>
-          <a:xfrm>
-            <a:off x="2462979" y="4235075"/>
-            <a:ext cx="1179748" cy="182679"/>
-          </a:xfrm>
-          <a:prstGeom prst="rect">
-            <a:avLst/>
-          </a:prstGeom>
-          <a:noFill/>
-        </p:spPr>
-        <p:txBody>
-          <a:bodyPr wrap="square" rtlCol="0">
-            <a:spAutoFit/>
-          </a:bodyPr>
-          <a:lstStyle/>
-          <a:p>
-            <a:pPr algn="ctr"/>
-            <a:r>
-              <a:rPr lang="en-GB" sz="587" dirty="0">
-                <a:latin typeface="Helvetica" pitchFamily="2" charset="0"/>
-              </a:rPr>
-              <a:t>Task count group</a:t>
-            </a:r>
-          </a:p>
-        </p:txBody>
-      </p:sp>
-      <p:sp>
-        <p:nvSpPr>
-          <p:cNvPr id="53" name="Rectangle 52"/>
-          <p:cNvSpPr/>
-          <p:nvPr/>
-        </p:nvSpPr>
-        <p:spPr>
-          <a:xfrm>
-            <a:off x="5198203" y="4570692"/>
-            <a:ext cx="1067676" cy="218347"/>
-          </a:xfrm>
-          <a:prstGeom prst="rect">
-            <a:avLst/>
-          </a:prstGeom>
-          <a:solidFill>
-            <a:srgbClr val="BFBFBF"/>
-          </a:solidFill>
-          <a:ln w="9525">
-            <a:solidFill>
-              <a:schemeClr val="tx1"/>
-            </a:solidFill>
-          </a:ln>
-        </p:spPr>
-        <p:style>
-          <a:lnRef idx="2">
-            <a:schemeClr val="accent1">
-              <a:shade val="50000"/>
-            </a:schemeClr>
-          </a:lnRef>
-          <a:fillRef idx="1">
-            <a:schemeClr val="accent1"/>
-          </a:fillRef>
-          <a:effectRef idx="0">
-            <a:schemeClr val="accent1"/>
-          </a:effectRef>
-          <a:fontRef idx="minor">
-            <a:schemeClr val="lt1"/>
-          </a:fontRef>
-        </p:style>
-        <p:txBody>
-          <a:bodyPr rtlCol="0" anchor="ctr"/>
-          <a:lstStyle/>
-          <a:p>
-            <a:pPr algn="ctr"/>
-            <a:r>
-              <a:rPr lang="en-GB" sz="543" b="1" dirty="0">
-                <a:solidFill>
-                  <a:schemeClr val="tx1">
-                    <a:lumMod val="85000"/>
-                    <a:lumOff val="15000"/>
-                  </a:schemeClr>
-                </a:solidFill>
-                <a:latin typeface="Helvetica" panose="020B0604020202020204" pitchFamily="34" charset="0"/>
-                <a:cs typeface="Helvetica" panose="020B0604020202020204" pitchFamily="34" charset="0"/>
-              </a:rPr>
-              <a:t>Service topics</a:t>
-            </a:r>
-          </a:p>
-        </p:txBody>
-      </p:sp>
-      <p:sp>
-        <p:nvSpPr>
-          <p:cNvPr id="56" name="Rectangle 55"/>
-          <p:cNvSpPr/>
-          <p:nvPr/>
-        </p:nvSpPr>
-        <p:spPr>
-          <a:xfrm>
-            <a:off x="3322883" y="4570692"/>
-            <a:ext cx="1875323" cy="218347"/>
-          </a:xfrm>
-          <a:prstGeom prst="rect">
-            <a:avLst/>
-          </a:prstGeom>
-          <a:solidFill>
-            <a:srgbClr val="BFBFBF"/>
-          </a:solidFill>
-          <a:ln w="9525">
-            <a:solidFill>
-              <a:schemeClr val="tx1"/>
-            </a:solidFill>
-          </a:ln>
-        </p:spPr>
-        <p:style>
-          <a:lnRef idx="2">
-            <a:schemeClr val="accent1">
-              <a:shade val="50000"/>
-            </a:schemeClr>
-          </a:lnRef>
-          <a:fillRef idx="1">
-            <a:schemeClr val="accent1"/>
-          </a:fillRef>
-          <a:effectRef idx="0">
-            <a:schemeClr val="accent1"/>
-          </a:effectRef>
-          <a:fontRef idx="minor">
-            <a:schemeClr val="lt1"/>
-          </a:fontRef>
-        </p:style>
-        <p:txBody>
-          <a:bodyPr rtlCol="0" anchor="ctr"/>
-          <a:lstStyle/>
-          <a:p>
-            <a:pPr algn="ctr"/>
-            <a:endParaRPr lang="en-GB" sz="543" b="1" dirty="0">
-              <a:solidFill>
-                <a:schemeClr val="tx1">
-                  <a:lumMod val="85000"/>
-                  <a:lumOff val="15000"/>
-                </a:schemeClr>
-              </a:solidFill>
-              <a:latin typeface="Helvetica" panose="020B0604020202020204" pitchFamily="34" charset="0"/>
-              <a:cs typeface="Helvetica" panose="020B0604020202020204" pitchFamily="34" charset="0"/>
-            </a:endParaRPr>
-          </a:p>
-        </p:txBody>
-      </p:sp>
-      <p:sp>
-        <p:nvSpPr>
-          <p:cNvPr id="57" name="Rectangle 56"/>
-          <p:cNvSpPr/>
-          <p:nvPr/>
-        </p:nvSpPr>
-        <p:spPr>
-          <a:xfrm>
-            <a:off x="2050204" y="4789971"/>
-            <a:ext cx="1272683" cy="434389"/>
-          </a:xfrm>
-          <a:prstGeom prst="rect">
-            <a:avLst/>
-          </a:prstGeom>
-          <a:solidFill>
-            <a:srgbClr val="DCF2CA"/>
-          </a:solidFill>
-          <a:ln w="9525">
-            <a:solidFill>
-              <a:schemeClr val="tx1"/>
-            </a:solidFill>
-          </a:ln>
-        </p:spPr>
-        <p:style>
-          <a:lnRef idx="2">
-            <a:schemeClr val="accent1">
-              <a:shade val="50000"/>
-            </a:schemeClr>
-          </a:lnRef>
-          <a:fillRef idx="1">
-            <a:schemeClr val="accent1"/>
-          </a:fillRef>
-          <a:effectRef idx="0">
-            <a:schemeClr val="accent1"/>
-          </a:effectRef>
-          <a:fontRef idx="minor">
-            <a:schemeClr val="lt1"/>
-          </a:fontRef>
-        </p:style>
-        <p:txBody>
-          <a:bodyPr rtlCol="0" anchor="ctr"/>
-          <a:lstStyle/>
-          <a:p>
-            <a:pPr algn="ctr"/>
-            <a:r>
-              <a:rPr lang="en-GB" sz="543" b="1" dirty="0">
-                <a:solidFill>
-                  <a:schemeClr val="tx1">
-                    <a:lumMod val="85000"/>
-                    <a:lumOff val="15000"/>
-                  </a:schemeClr>
-                </a:solidFill>
-                <a:latin typeface="Helvetica" panose="020B0604020202020204" pitchFamily="34" charset="0"/>
-                <a:cs typeface="Helvetica" panose="020B0604020202020204" pitchFamily="34" charset="0"/>
-              </a:rPr>
-              <a:t>High potential for </a:t>
-            </a:r>
-          </a:p>
-          <a:p>
-            <a:pPr algn="ctr"/>
-            <a:r>
-              <a:rPr lang="en-GB" sz="543" b="1" dirty="0" err="1">
-                <a:solidFill>
-                  <a:schemeClr val="tx1">
-                    <a:lumMod val="85000"/>
-                    <a:lumOff val="15000"/>
-                  </a:schemeClr>
-                </a:solidFill>
-                <a:latin typeface="Helvetica" panose="020B0604020202020204" pitchFamily="34" charset="0"/>
-                <a:cs typeface="Helvetica" panose="020B0604020202020204" pitchFamily="34" charset="0"/>
-              </a:rPr>
-              <a:t>GenAI</a:t>
-            </a:r>
-            <a:endParaRPr lang="en-GB" sz="543" b="1" dirty="0">
-              <a:solidFill>
-                <a:schemeClr val="tx1">
-                  <a:lumMod val="85000"/>
-                  <a:lumOff val="15000"/>
-                </a:schemeClr>
-              </a:solidFill>
-              <a:latin typeface="Helvetica" panose="020B0604020202020204" pitchFamily="34" charset="0"/>
-              <a:cs typeface="Helvetica" panose="020B0604020202020204" pitchFamily="34" charset="0"/>
-            </a:endParaRPr>
-          </a:p>
-        </p:txBody>
-      </p:sp>
-      <p:sp>
-        <p:nvSpPr>
-          <p:cNvPr id="88" name="Rectangle 87"/>
-          <p:cNvSpPr/>
-          <p:nvPr/>
-        </p:nvSpPr>
-        <p:spPr>
-          <a:xfrm>
-            <a:off x="3322883" y="4788107"/>
-            <a:ext cx="1875323" cy="437399"/>
-          </a:xfrm>
-          <a:prstGeom prst="rect">
-            <a:avLst/>
-          </a:prstGeom>
-          <a:solidFill>
-            <a:srgbClr val="BFD8DF"/>
-          </a:solidFill>
-          <a:ln w="9525">
-            <a:solidFill>
-              <a:schemeClr val="tx1"/>
-            </a:solidFill>
-          </a:ln>
-        </p:spPr>
-        <p:style>
-          <a:lnRef idx="2">
-            <a:schemeClr val="accent1">
-              <a:shade val="50000"/>
-            </a:schemeClr>
-          </a:lnRef>
-          <a:fillRef idx="1">
-            <a:schemeClr val="accent1"/>
-          </a:fillRef>
-          <a:effectRef idx="0">
-            <a:schemeClr val="accent1"/>
-          </a:effectRef>
-          <a:fontRef idx="minor">
-            <a:schemeClr val="lt1"/>
-          </a:fontRef>
-        </p:style>
-        <p:txBody>
-          <a:bodyPr rtlCol="0" anchor="ctr"/>
-          <a:lstStyle/>
-          <a:p>
-            <a:pPr algn="ctr"/>
-            <a:endParaRPr lang="en-GB" sz="543" b="1" dirty="0">
-              <a:solidFill>
-                <a:schemeClr val="tx1">
-                  <a:lumMod val="85000"/>
-                  <a:lumOff val="15000"/>
-                </a:schemeClr>
-              </a:solidFill>
-              <a:latin typeface="Helvetica" panose="020B0604020202020204" pitchFamily="34" charset="0"/>
-              <a:cs typeface="Helvetica" panose="020B0604020202020204" pitchFamily="34" charset="0"/>
-            </a:endParaRPr>
-          </a:p>
-        </p:txBody>
-      </p:sp>
-      <p:sp>
-        <p:nvSpPr>
-          <p:cNvPr id="91" name="Rectangle 90"/>
-          <p:cNvSpPr/>
-          <p:nvPr/>
-        </p:nvSpPr>
-        <p:spPr>
-          <a:xfrm>
-            <a:off x="2050201" y="5725170"/>
-            <a:ext cx="1272683" cy="498581"/>
-          </a:xfrm>
-          <a:prstGeom prst="rect">
-            <a:avLst/>
-          </a:prstGeom>
-          <a:solidFill>
-            <a:srgbClr val="FFD5B5"/>
-          </a:solidFill>
-          <a:ln w="9525">
-            <a:solidFill>
-              <a:schemeClr val="tx1"/>
-            </a:solidFill>
-          </a:ln>
-        </p:spPr>
-        <p:style>
-          <a:lnRef idx="2">
-            <a:schemeClr val="accent1">
-              <a:shade val="50000"/>
-            </a:schemeClr>
-          </a:lnRef>
-          <a:fillRef idx="1">
-            <a:schemeClr val="accent1"/>
-          </a:fillRef>
-          <a:effectRef idx="0">
-            <a:schemeClr val="accent1"/>
-          </a:effectRef>
-          <a:fontRef idx="minor">
-            <a:schemeClr val="lt1"/>
-          </a:fontRef>
-        </p:style>
-        <p:txBody>
-          <a:bodyPr rtlCol="0" anchor="ctr"/>
-          <a:lstStyle/>
-          <a:p>
-            <a:pPr algn="ctr"/>
-            <a:r>
-              <a:rPr lang="en-GB" sz="543" b="1" dirty="0">
-                <a:solidFill>
-                  <a:schemeClr val="tx1">
-                    <a:lumMod val="85000"/>
-                    <a:lumOff val="15000"/>
-                  </a:schemeClr>
-                </a:solidFill>
-                <a:latin typeface="Helvetica" panose="020B0604020202020204" pitchFamily="34" charset="0"/>
-                <a:cs typeface="Helvetica" panose="020B0604020202020204" pitchFamily="34" charset="0"/>
-              </a:rPr>
-              <a:t>Low potential for</a:t>
-            </a:r>
-          </a:p>
-          <a:p>
-            <a:pPr algn="ctr"/>
-            <a:r>
-              <a:rPr lang="en-GB" sz="543" b="1" dirty="0" err="1">
-                <a:solidFill>
-                  <a:schemeClr val="tx1">
-                    <a:lumMod val="85000"/>
-                    <a:lumOff val="15000"/>
-                  </a:schemeClr>
-                </a:solidFill>
-                <a:latin typeface="Helvetica" panose="020B0604020202020204" pitchFamily="34" charset="0"/>
-                <a:cs typeface="Helvetica" panose="020B0604020202020204" pitchFamily="34" charset="0"/>
-              </a:rPr>
-              <a:t>GenAI</a:t>
-            </a:r>
-            <a:endParaRPr lang="en-GB" sz="543" b="1" dirty="0">
-              <a:solidFill>
-                <a:schemeClr val="tx1">
-                  <a:lumMod val="85000"/>
-                  <a:lumOff val="15000"/>
-                </a:schemeClr>
-              </a:solidFill>
-              <a:latin typeface="Helvetica" panose="020B0604020202020204" pitchFamily="34" charset="0"/>
-              <a:cs typeface="Helvetica" panose="020B0604020202020204" pitchFamily="34" charset="0"/>
-            </a:endParaRPr>
-          </a:p>
-        </p:txBody>
-      </p:sp>
-      <p:sp>
-        <p:nvSpPr>
-          <p:cNvPr id="98" name="TextBox 97"/>
-          <p:cNvSpPr txBox="1"/>
-          <p:nvPr/>
-        </p:nvSpPr>
-        <p:spPr>
-          <a:xfrm>
-            <a:off x="3294860" y="4784603"/>
-            <a:ext cx="1903346" cy="231474"/>
-          </a:xfrm>
-          <a:prstGeom prst="rect">
-            <a:avLst/>
-          </a:prstGeom>
-          <a:noFill/>
-        </p:spPr>
-        <p:txBody>
-          <a:bodyPr wrap="square" rtlCol="0">
-            <a:spAutoFit/>
-          </a:bodyPr>
-          <a:lstStyle/>
-          <a:p>
-            <a:r>
-              <a:rPr lang="en-GB" sz="452" dirty="0">
-                <a:latin typeface="Helvetica" panose="020B0604020202020204" pitchFamily="34" charset="0"/>
-                <a:cs typeface="Helvetica" panose="020B0604020202020204" pitchFamily="34" charset="0"/>
-              </a:rPr>
-              <a:t>• Register for an exemption from minimum energy efficiency </a:t>
-            </a:r>
-          </a:p>
-          <a:p>
-            <a:r>
-              <a:rPr lang="en-GB" sz="452" dirty="0">
-                <a:latin typeface="Helvetica" panose="020B0604020202020204" pitchFamily="34" charset="0"/>
-                <a:cs typeface="Helvetica" panose="020B0604020202020204" pitchFamily="34" charset="0"/>
-              </a:rPr>
-              <a:t>  standards for landlords</a:t>
-            </a:r>
-          </a:p>
-        </p:txBody>
-      </p:sp>
-      <p:sp>
-        <p:nvSpPr>
-          <p:cNvPr id="105" name="Rectangle 104"/>
-          <p:cNvSpPr/>
-          <p:nvPr/>
-        </p:nvSpPr>
-        <p:spPr>
-          <a:xfrm>
-            <a:off x="5198203" y="5229009"/>
-            <a:ext cx="1067676" cy="495950"/>
-          </a:xfrm>
-          <a:prstGeom prst="rect">
-            <a:avLst/>
-          </a:prstGeom>
-          <a:solidFill>
-            <a:srgbClr val="EFEFEF"/>
-          </a:solidFill>
-          <a:ln w="9525">
-            <a:solidFill>
-              <a:schemeClr val="tx1"/>
-            </a:solidFill>
-          </a:ln>
-        </p:spPr>
-        <p:style>
-          <a:lnRef idx="2">
-            <a:schemeClr val="accent1">
-              <a:shade val="50000"/>
-            </a:schemeClr>
-          </a:lnRef>
-          <a:fillRef idx="1">
-            <a:schemeClr val="accent1"/>
-          </a:fillRef>
-          <a:effectRef idx="0">
-            <a:schemeClr val="accent1"/>
-          </a:effectRef>
-          <a:fontRef idx="minor">
-            <a:schemeClr val="lt1"/>
-          </a:fontRef>
-        </p:style>
-        <p:txBody>
-          <a:bodyPr rtlCol="0" anchor="ctr"/>
-          <a:lstStyle/>
-          <a:p>
-            <a:pPr algn="ctr"/>
-            <a:endParaRPr lang="en-GB" sz="543" b="1" dirty="0">
-              <a:solidFill>
-                <a:schemeClr val="tx1">
-                  <a:lumMod val="85000"/>
-                  <a:lumOff val="15000"/>
-                </a:schemeClr>
-              </a:solidFill>
-              <a:latin typeface="Helvetica" panose="020B0604020202020204" pitchFamily="34" charset="0"/>
-              <a:cs typeface="Helvetica" panose="020B0604020202020204" pitchFamily="34" charset="0"/>
-            </a:endParaRPr>
-          </a:p>
-        </p:txBody>
-      </p:sp>
-      <p:sp>
-        <p:nvSpPr>
-          <p:cNvPr id="106" name="Rectangle 105"/>
-          <p:cNvSpPr/>
-          <p:nvPr/>
-        </p:nvSpPr>
-        <p:spPr>
-          <a:xfrm>
-            <a:off x="5198203" y="5728470"/>
-            <a:ext cx="1067676" cy="495950"/>
-          </a:xfrm>
-          <a:prstGeom prst="rect">
-            <a:avLst/>
-          </a:prstGeom>
-          <a:solidFill>
-            <a:srgbClr val="EFEFEF"/>
-          </a:solidFill>
-          <a:ln w="9525">
-            <a:solidFill>
-              <a:schemeClr val="tx1"/>
-            </a:solidFill>
-          </a:ln>
-        </p:spPr>
-        <p:style>
-          <a:lnRef idx="2">
-            <a:schemeClr val="accent1">
-              <a:shade val="50000"/>
-            </a:schemeClr>
-          </a:lnRef>
-          <a:fillRef idx="1">
-            <a:schemeClr val="accent1"/>
-          </a:fillRef>
-          <a:effectRef idx="0">
-            <a:schemeClr val="accent1"/>
-          </a:effectRef>
-          <a:fontRef idx="minor">
-            <a:schemeClr val="lt1"/>
-          </a:fontRef>
-        </p:style>
-        <p:txBody>
-          <a:bodyPr rtlCol="0" anchor="ctr"/>
-          <a:lstStyle/>
-          <a:p>
-            <a:pPr algn="ctr"/>
-            <a:endParaRPr lang="en-GB" sz="543" b="1" dirty="0">
-              <a:solidFill>
-                <a:schemeClr val="tx1">
-                  <a:lumMod val="85000"/>
-                  <a:lumOff val="15000"/>
-                </a:schemeClr>
-              </a:solidFill>
-              <a:latin typeface="Helvetica" panose="020B0604020202020204" pitchFamily="34" charset="0"/>
-              <a:cs typeface="Helvetica" panose="020B0604020202020204" pitchFamily="34" charset="0"/>
-            </a:endParaRPr>
-          </a:p>
-        </p:txBody>
-      </p:sp>
-      <p:sp>
-        <p:nvSpPr>
-          <p:cNvPr id="107" name="Rectangle 106"/>
-          <p:cNvSpPr/>
-          <p:nvPr/>
-        </p:nvSpPr>
-        <p:spPr>
-          <a:xfrm flipV="1">
-            <a:off x="2046612" y="4647248"/>
-            <a:ext cx="165093" cy="86672"/>
-          </a:xfrm>
-          <a:prstGeom prst="rect">
-            <a:avLst/>
-          </a:prstGeom>
-          <a:solidFill>
-            <a:srgbClr val="BFD8DF"/>
-          </a:solidFill>
-          <a:ln w="6350">
-            <a:solidFill>
-              <a:schemeClr val="tx1"/>
-            </a:solidFill>
-          </a:ln>
-        </p:spPr>
-        <p:style>
-          <a:lnRef idx="2">
-            <a:schemeClr val="accent1">
-              <a:shade val="50000"/>
-            </a:schemeClr>
-          </a:lnRef>
-          <a:fillRef idx="1">
-            <a:schemeClr val="accent1"/>
-          </a:fillRef>
-          <a:effectRef idx="0">
-            <a:schemeClr val="accent1"/>
-          </a:effectRef>
-          <a:fontRef idx="minor">
-            <a:schemeClr val="lt1"/>
-          </a:fontRef>
-        </p:style>
-        <p:txBody>
-          <a:bodyPr rtlCol="0" anchor="ctr"/>
-          <a:lstStyle/>
-          <a:p>
-            <a:pPr algn="ctr"/>
-            <a:endParaRPr lang="en-GB" sz="543" b="1" dirty="0">
-              <a:solidFill>
-                <a:schemeClr val="tx1">
-                  <a:lumMod val="85000"/>
-                  <a:lumOff val="15000"/>
-                </a:schemeClr>
-              </a:solidFill>
-              <a:latin typeface="Helvetica" panose="020B0604020202020204" pitchFamily="34" charset="0"/>
-              <a:cs typeface="Helvetica" panose="020B0604020202020204" pitchFamily="34" charset="0"/>
-            </a:endParaRPr>
-          </a:p>
-        </p:txBody>
-      </p:sp>
-      <p:sp>
-        <p:nvSpPr>
-          <p:cNvPr id="110" name="TextBox 109"/>
-          <p:cNvSpPr txBox="1"/>
-          <p:nvPr/>
-        </p:nvSpPr>
-        <p:spPr>
-          <a:xfrm>
-            <a:off x="2152266" y="4600968"/>
-            <a:ext cx="308098" cy="169277"/>
-          </a:xfrm>
-          <a:prstGeom prst="rect">
-            <a:avLst/>
-          </a:prstGeom>
-          <a:noFill/>
-        </p:spPr>
-        <p:txBody>
-          <a:bodyPr wrap="none" rtlCol="0">
-            <a:spAutoFit/>
-          </a:bodyPr>
-          <a:lstStyle/>
-          <a:p>
-            <a:r>
-              <a:rPr lang="en-GB" sz="500" dirty="0">
-                <a:latin typeface="Helvetica" panose="020B0604020202020204" pitchFamily="34" charset="0"/>
-                <a:cs typeface="Helvetica" panose="020B0604020202020204" pitchFamily="34" charset="0"/>
-              </a:rPr>
-              <a:t>n=1</a:t>
-            </a:r>
-            <a:r>
-              <a:rPr lang="en-GB" sz="452" dirty="0">
-                <a:latin typeface="Helvetica" panose="020B0604020202020204" pitchFamily="34" charset="0"/>
-                <a:cs typeface="Helvetica" panose="020B0604020202020204" pitchFamily="34" charset="0"/>
-              </a:rPr>
-              <a:t> </a:t>
-            </a:r>
-          </a:p>
-        </p:txBody>
-      </p:sp>
-      <p:sp>
-        <p:nvSpPr>
-          <p:cNvPr id="116" name="TextBox 115"/>
-          <p:cNvSpPr txBox="1"/>
-          <p:nvPr/>
-        </p:nvSpPr>
-        <p:spPr>
-          <a:xfrm>
-            <a:off x="1951691" y="4478178"/>
-            <a:ext cx="1071127" cy="169277"/>
-          </a:xfrm>
-          <a:prstGeom prst="rect">
-            <a:avLst/>
-          </a:prstGeom>
-          <a:noFill/>
-        </p:spPr>
-        <p:txBody>
-          <a:bodyPr wrap="none" rtlCol="0">
-            <a:spAutoFit/>
-          </a:bodyPr>
-          <a:lstStyle/>
-          <a:p>
-            <a:r>
-              <a:rPr lang="en-GB" sz="500" b="1" dirty="0">
-                <a:latin typeface="Helvetica" panose="020B0604020202020204" pitchFamily="34" charset="0"/>
-                <a:cs typeface="Helvetica" panose="020B0604020202020204" pitchFamily="34" charset="0"/>
-              </a:rPr>
-              <a:t>No. of organisations involved</a:t>
-            </a:r>
-          </a:p>
-        </p:txBody>
-      </p:sp>
-      <p:sp>
-        <p:nvSpPr>
-          <p:cNvPr id="117" name="TextBox 116"/>
-          <p:cNvSpPr txBox="1"/>
-          <p:nvPr/>
-        </p:nvSpPr>
-        <p:spPr>
-          <a:xfrm>
-            <a:off x="5145203" y="5689891"/>
-            <a:ext cx="1939546" cy="579326"/>
-          </a:xfrm>
-          <a:prstGeom prst="rect">
-            <a:avLst/>
-          </a:prstGeom>
-          <a:noFill/>
-        </p:spPr>
-        <p:txBody>
-          <a:bodyPr wrap="square" rtlCol="0">
-            <a:spAutoFit/>
-          </a:bodyPr>
-          <a:lstStyle/>
-          <a:p>
-            <a:r>
-              <a:rPr lang="en-GB" sz="452" dirty="0">
-                <a:latin typeface="Helvetica" panose="020B0604020202020204" pitchFamily="34" charset="0"/>
-                <a:cs typeface="Helvetica" panose="020B0604020202020204" pitchFamily="34" charset="0"/>
-              </a:rPr>
-              <a:t>• Benefits</a:t>
-            </a:r>
-          </a:p>
-          <a:p>
-            <a:r>
-              <a:rPr lang="en-GB" sz="452" dirty="0">
-                <a:latin typeface="Helvetica" panose="020B0604020202020204" pitchFamily="34" charset="0"/>
-                <a:cs typeface="Helvetica" panose="020B0604020202020204" pitchFamily="34" charset="0"/>
-              </a:rPr>
-              <a:t>• Business and self-employed</a:t>
-            </a:r>
-          </a:p>
-          <a:p>
-            <a:r>
-              <a:rPr lang="en-GB" sz="452" dirty="0">
-                <a:latin typeface="Helvetica" panose="020B0604020202020204" pitchFamily="34" charset="0"/>
-                <a:cs typeface="Helvetica" panose="020B0604020202020204" pitchFamily="34" charset="0"/>
-              </a:rPr>
-              <a:t>• Citizenship and living in the UK</a:t>
-            </a:r>
-          </a:p>
-          <a:p>
-            <a:r>
-              <a:rPr lang="en-GB" sz="452" dirty="0">
-                <a:latin typeface="Helvetica" panose="020B0604020202020204" pitchFamily="34" charset="0"/>
-                <a:cs typeface="Helvetica" panose="020B0604020202020204" pitchFamily="34" charset="0"/>
-              </a:rPr>
-              <a:t>• Crime, justice and the law</a:t>
-            </a:r>
-          </a:p>
-          <a:p>
-            <a:r>
-              <a:rPr lang="en-GB" sz="452" dirty="0">
-                <a:latin typeface="Helvetica" panose="020B0604020202020204" pitchFamily="34" charset="0"/>
-                <a:cs typeface="Helvetica" panose="020B0604020202020204" pitchFamily="34" charset="0"/>
-              </a:rPr>
-              <a:t>• Environment and countryside</a:t>
-            </a:r>
-          </a:p>
-          <a:p>
-            <a:r>
-              <a:rPr lang="en-GB" sz="452" dirty="0">
-                <a:latin typeface="Helvetica" panose="020B0604020202020204" pitchFamily="34" charset="0"/>
-                <a:cs typeface="Helvetica" panose="020B0604020202020204" pitchFamily="34" charset="0"/>
-              </a:rPr>
-              <a:t>• Visas and immigration</a:t>
-            </a:r>
-          </a:p>
-          <a:p>
-            <a:r>
-              <a:rPr lang="en-GB" sz="452" dirty="0">
-                <a:latin typeface="Helvetica" panose="020B0604020202020204" pitchFamily="34" charset="0"/>
-                <a:cs typeface="Helvetica" panose="020B0604020202020204" pitchFamily="34" charset="0"/>
-              </a:rPr>
-              <a:t>• Working, jobs and pensions</a:t>
-            </a:r>
-          </a:p>
-        </p:txBody>
-      </p:sp>
-      <p:sp>
-        <p:nvSpPr>
-          <p:cNvPr id="118" name="TextBox 117"/>
-          <p:cNvSpPr txBox="1"/>
-          <p:nvPr/>
-        </p:nvSpPr>
-        <p:spPr>
-          <a:xfrm>
-            <a:off x="5145203" y="5202213"/>
-            <a:ext cx="1939546" cy="440185"/>
-          </a:xfrm>
-          <a:prstGeom prst="rect">
-            <a:avLst/>
-          </a:prstGeom>
-          <a:noFill/>
-        </p:spPr>
-        <p:txBody>
-          <a:bodyPr wrap="square" rtlCol="0">
-            <a:spAutoFit/>
-          </a:bodyPr>
-          <a:lstStyle/>
-          <a:p>
-            <a:r>
-              <a:rPr lang="en-GB" sz="452" dirty="0">
-                <a:latin typeface="Helvetica" panose="020B0604020202020204" pitchFamily="34" charset="0"/>
-                <a:cs typeface="Helvetica" panose="020B0604020202020204" pitchFamily="34" charset="0"/>
-              </a:rPr>
-              <a:t>• Benefits</a:t>
-            </a:r>
-          </a:p>
-          <a:p>
-            <a:r>
-              <a:rPr lang="en-GB" sz="452" dirty="0">
-                <a:latin typeface="Helvetica" panose="020B0604020202020204" pitchFamily="34" charset="0"/>
-                <a:cs typeface="Helvetica" panose="020B0604020202020204" pitchFamily="34" charset="0"/>
-              </a:rPr>
-              <a:t>• Business and self-employed</a:t>
-            </a:r>
-          </a:p>
-          <a:p>
-            <a:r>
-              <a:rPr lang="en-GB" sz="452" dirty="0">
-                <a:latin typeface="Helvetica" panose="020B0604020202020204" pitchFamily="34" charset="0"/>
-                <a:cs typeface="Helvetica" panose="020B0604020202020204" pitchFamily="34" charset="0"/>
-              </a:rPr>
-              <a:t>• National security</a:t>
-            </a:r>
-          </a:p>
-          <a:p>
-            <a:r>
-              <a:rPr lang="en-GB" sz="452" dirty="0">
-                <a:latin typeface="Helvetica" panose="020B0604020202020204" pitchFamily="34" charset="0"/>
-                <a:cs typeface="Helvetica" panose="020B0604020202020204" pitchFamily="34" charset="0"/>
-              </a:rPr>
-              <a:t>• Visas and immigration</a:t>
-            </a:r>
-          </a:p>
-          <a:p>
-            <a:endParaRPr lang="en-GB" sz="452" dirty="0">
-              <a:latin typeface="Helvetica" panose="020B0604020202020204" pitchFamily="34" charset="0"/>
-              <a:cs typeface="Helvetica" panose="020B0604020202020204" pitchFamily="34" charset="0"/>
-            </a:endParaRPr>
-          </a:p>
-        </p:txBody>
-      </p:sp>
-      <p:sp>
-        <p:nvSpPr>
-          <p:cNvPr id="119" name="TextBox 118"/>
-          <p:cNvSpPr txBox="1"/>
-          <p:nvPr/>
-        </p:nvSpPr>
-        <p:spPr>
-          <a:xfrm>
-            <a:off x="5145203" y="4760080"/>
-            <a:ext cx="1939546" cy="231474"/>
-          </a:xfrm>
-          <a:prstGeom prst="rect">
-            <a:avLst/>
-          </a:prstGeom>
-          <a:noFill/>
-        </p:spPr>
-        <p:txBody>
-          <a:bodyPr wrap="square" rtlCol="0">
-            <a:spAutoFit/>
-          </a:bodyPr>
-          <a:lstStyle/>
-          <a:p>
-            <a:r>
-              <a:rPr lang="en-GB" sz="452" dirty="0">
-                <a:latin typeface="Helvetica" panose="020B0604020202020204" pitchFamily="34" charset="0"/>
-                <a:cs typeface="Helvetica" panose="020B0604020202020204" pitchFamily="34" charset="0"/>
-              </a:rPr>
-              <a:t>• Environment and countryside</a:t>
-            </a:r>
-          </a:p>
-          <a:p>
-            <a:endParaRPr lang="en-GB" sz="452" dirty="0">
-              <a:latin typeface="Helvetica" panose="020B0604020202020204" pitchFamily="34" charset="0"/>
-              <a:cs typeface="Helvetica" panose="020B0604020202020204" pitchFamily="34" charset="0"/>
-            </a:endParaRPr>
-          </a:p>
-        </p:txBody>
-      </p:sp>
-      <p:sp>
-        <p:nvSpPr>
-          <p:cNvPr id="2" name="TextBox 1"/>
-          <p:cNvSpPr txBox="1"/>
-          <p:nvPr/>
-        </p:nvSpPr>
-        <p:spPr>
-          <a:xfrm>
-            <a:off x="3426895" y="4553252"/>
-            <a:ext cx="1600470" cy="259430"/>
-          </a:xfrm>
-          <a:prstGeom prst="rect">
-            <a:avLst/>
-          </a:prstGeom>
-          <a:noFill/>
-        </p:spPr>
-        <p:txBody>
-          <a:bodyPr wrap="square" rtlCol="0">
-            <a:spAutoFit/>
-          </a:bodyPr>
-          <a:lstStyle/>
-          <a:p>
-            <a:pPr algn="ctr"/>
-            <a:r>
-              <a:rPr lang="en-GB" sz="543" b="1" dirty="0">
-                <a:solidFill>
-                  <a:schemeClr val="tx1">
-                    <a:lumMod val="85000"/>
-                    <a:lumOff val="15000"/>
-                  </a:schemeClr>
-                </a:solidFill>
-                <a:latin typeface="Helvetica" panose="020B0604020202020204" pitchFamily="34" charset="0"/>
-                <a:cs typeface="Helvetica" panose="020B0604020202020204" pitchFamily="34" charset="0"/>
-              </a:rPr>
-              <a:t>Low-automatable priority services suitable</a:t>
-            </a:r>
-          </a:p>
-          <a:p>
-            <a:pPr algn="ctr"/>
-            <a:r>
-              <a:rPr lang="en-GB" sz="543" b="1" dirty="0">
-                <a:solidFill>
-                  <a:schemeClr val="tx1">
-                    <a:lumMod val="85000"/>
-                    <a:lumOff val="15000"/>
-                  </a:schemeClr>
-                </a:solidFill>
-                <a:latin typeface="Helvetica" panose="020B0604020202020204" pitchFamily="34" charset="0"/>
-                <a:cs typeface="Helvetica" panose="020B0604020202020204" pitchFamily="34" charset="0"/>
-              </a:rPr>
-              <a:t> for AI augmentation (AST &lt;0.75; n=20)</a:t>
-            </a:r>
-          </a:p>
-        </p:txBody>
-      </p:sp>
       <p:sp>
         <p:nvSpPr>
           <p:cNvPr id="67" name="TextBox 66">
@@ -13888,7 +12244,7 @@
         </p:nvSpPr>
         <p:spPr>
           <a:xfrm rot="16200000">
-            <a:off x="1375275" y="3158634"/>
+            <a:off x="436241" y="1659770"/>
             <a:ext cx="1179748" cy="200055"/>
           </a:xfrm>
           <a:prstGeom prst="rect">
@@ -13922,391 +12278,2381 @@
           </a:p>
         </p:txBody>
       </p:sp>
-      <p:sp>
-        <p:nvSpPr>
-          <p:cNvPr id="70" name="TextBox 69">
+      <p:grpSp>
+        <p:nvGrpSpPr>
+          <p:cNvPr id="11" name="Group 10">
             <a:extLst>
               <a:ext uri="{FF2B5EF4-FFF2-40B4-BE49-F238E27FC236}">
-                <a16:creationId xmlns:a16="http://schemas.microsoft.com/office/drawing/2014/main" id="{48A14326-E42E-B11D-29FB-16036A35C13B}"/>
+                <a16:creationId xmlns:a16="http://schemas.microsoft.com/office/drawing/2014/main" id="{C42C7D3A-56B8-4FD7-A1E3-7891D909EF8A}"/>
               </a:ext>
             </a:extLst>
           </p:cNvPr>
-          <p:cNvSpPr txBox="1"/>
+          <p:cNvGrpSpPr/>
           <p:nvPr/>
-        </p:nvSpPr>
-        <p:spPr>
-          <a:xfrm rot="16200000">
-            <a:off x="3538070" y="3125592"/>
-            <a:ext cx="1179748" cy="307777"/>
-          </a:xfrm>
-          <a:prstGeom prst="rect">
-            <a:avLst/>
-          </a:prstGeom>
-          <a:noFill/>
-        </p:spPr>
-        <p:txBody>
-          <a:bodyPr wrap="square" rtlCol="0">
-            <a:spAutoFit/>
-          </a:bodyPr>
-          <a:lstStyle/>
-          <a:p>
-            <a:pPr algn="ctr"/>
-            <a:r>
-              <a:rPr lang="en-GB" sz="700" dirty="0">
-                <a:latin typeface="HeiT" panose="020B0502000000000001" pitchFamily="34" charset="-120"/>
-                <a:ea typeface="HeiT" panose="020B0502000000000001" pitchFamily="34" charset="-120"/>
+        </p:nvGrpSpPr>
+        <p:grpSpPr>
+          <a:xfrm>
+            <a:off x="1126143" y="2912348"/>
+            <a:ext cx="5228968" cy="2040652"/>
+            <a:chOff x="1855781" y="4228565"/>
+            <a:chExt cx="5228968" cy="2040652"/>
+          </a:xfrm>
+        </p:grpSpPr>
+        <p:sp>
+          <p:nvSpPr>
+            <p:cNvPr id="104" name="Rectangle 103"/>
+            <p:cNvSpPr/>
+            <p:nvPr/>
+          </p:nvSpPr>
+          <p:spPr>
+            <a:xfrm>
+              <a:off x="3323037" y="5725170"/>
+              <a:ext cx="1875164" cy="498581"/>
+            </a:xfrm>
+            <a:prstGeom prst="rect">
+              <a:avLst/>
+            </a:prstGeom>
+            <a:solidFill>
+              <a:srgbClr val="5395A7"/>
+            </a:solidFill>
+            <a:ln w="9525">
+              <a:solidFill>
+                <a:schemeClr val="tx1"/>
+              </a:solidFill>
+            </a:ln>
+          </p:spPr>
+          <p:style>
+            <a:lnRef idx="2">
+              <a:schemeClr val="accent1">
+                <a:shade val="50000"/>
+              </a:schemeClr>
+            </a:lnRef>
+            <a:fillRef idx="1">
+              <a:schemeClr val="accent1"/>
+            </a:fillRef>
+            <a:effectRef idx="0">
+              <a:schemeClr val="accent1"/>
+            </a:effectRef>
+            <a:fontRef idx="minor">
+              <a:schemeClr val="lt1"/>
+            </a:fontRef>
+          </p:style>
+          <p:txBody>
+            <a:bodyPr rtlCol="0" anchor="ctr"/>
+            <a:lstStyle/>
+            <a:p>
+              <a:pPr algn="ctr"/>
+              <a:endParaRPr lang="en-GB" sz="543" b="1" dirty="0">
+                <a:solidFill>
+                  <a:schemeClr val="tx1">
+                    <a:lumMod val="85000"/>
+                    <a:lumOff val="15000"/>
+                  </a:schemeClr>
+                </a:solidFill>
+                <a:latin typeface="Helvetica" panose="020B0604020202020204" pitchFamily="34" charset="0"/>
                 <a:cs typeface="Helvetica" panose="020B0604020202020204" pitchFamily="34" charset="0"/>
-              </a:rPr>
-              <a:t>% Of total transaction volume affected</a:t>
-            </a:r>
-            <a:endParaRPr lang="en-GB" sz="700" baseline="-25000" dirty="0">
-              <a:latin typeface="HeiT" panose="020B0502000000000001" pitchFamily="34" charset="-120"/>
-              <a:ea typeface="HeiT" panose="020B0502000000000001" pitchFamily="34" charset="-120"/>
-              <a:cs typeface="Helvetica" panose="020B0604020202020204" pitchFamily="34" charset="0"/>
-            </a:endParaRPr>
-          </a:p>
-        </p:txBody>
-      </p:sp>
-      <p:sp>
-        <p:nvSpPr>
-          <p:cNvPr id="71" name="TextBox 70">
+              </a:endParaRPr>
+            </a:p>
+          </p:txBody>
+        </p:sp>
+        <p:sp>
+          <p:nvSpPr>
+            <p:cNvPr id="101" name="TextBox 100"/>
+            <p:cNvSpPr txBox="1"/>
+            <p:nvPr/>
+          </p:nvSpPr>
+          <p:spPr>
+            <a:xfrm>
+              <a:off x="3256752" y="5686861"/>
+              <a:ext cx="2035847" cy="579326"/>
+            </a:xfrm>
+            <a:prstGeom prst="rect">
+              <a:avLst/>
+            </a:prstGeom>
+            <a:noFill/>
+          </p:spPr>
+          <p:txBody>
+            <a:bodyPr wrap="square" rtlCol="0">
+              <a:spAutoFit/>
+            </a:bodyPr>
+            <a:lstStyle/>
+            <a:p>
+              <a:r>
+                <a:rPr lang="en-GB" sz="452" dirty="0">
+                  <a:solidFill>
+                    <a:schemeClr val="bg1"/>
+                  </a:solidFill>
+                  <a:latin typeface="Helvetica" panose="020B0604020202020204" pitchFamily="34" charset="0"/>
+                  <a:cs typeface="Helvetica" panose="020B0604020202020204" pitchFamily="34" charset="0"/>
+                </a:rPr>
+                <a:t>• Apply for a standard visitor visa</a:t>
+              </a:r>
+            </a:p>
+            <a:p>
+              <a:r>
+                <a:rPr lang="en-GB" sz="452" dirty="0">
+                  <a:solidFill>
+                    <a:schemeClr val="bg1"/>
+                  </a:solidFill>
+                  <a:latin typeface="Helvetica" panose="020B0604020202020204" pitchFamily="34" charset="0"/>
+                  <a:cs typeface="Helvetica" panose="020B0604020202020204" pitchFamily="34" charset="0"/>
+                </a:rPr>
+                <a:t>• Claim attendance allowance</a:t>
+              </a:r>
+            </a:p>
+            <a:p>
+              <a:r>
+                <a:rPr lang="en-GB" sz="452" dirty="0">
+                  <a:solidFill>
+                    <a:schemeClr val="bg1"/>
+                  </a:solidFill>
+                  <a:latin typeface="Helvetica" panose="020B0604020202020204" pitchFamily="34" charset="0"/>
+                  <a:cs typeface="Helvetica" panose="020B0604020202020204" pitchFamily="34" charset="0"/>
+                </a:rPr>
+                <a:t>• National security vetting service</a:t>
+              </a:r>
+            </a:p>
+            <a:p>
+              <a:r>
+                <a:rPr lang="en-GB" sz="452" dirty="0">
+                  <a:solidFill>
+                    <a:schemeClr val="bg1"/>
+                  </a:solidFill>
+                  <a:latin typeface="Helvetica" panose="020B0604020202020204" pitchFamily="34" charset="0"/>
+                  <a:cs typeface="Helvetica" panose="020B0604020202020204" pitchFamily="34" charset="0"/>
+                </a:rPr>
+                <a:t>• Register for combined heat and power quality assurance and submit </a:t>
+              </a:r>
+            </a:p>
+            <a:p>
+              <a:r>
+                <a:rPr lang="en-GB" sz="452" dirty="0">
+                  <a:solidFill>
+                    <a:schemeClr val="bg1"/>
+                  </a:solidFill>
+                  <a:latin typeface="Helvetica" panose="020B0604020202020204" pitchFamily="34" charset="0"/>
+                  <a:cs typeface="Helvetica" panose="020B0604020202020204" pitchFamily="34" charset="0"/>
+                </a:rPr>
+                <a:t>   installation data</a:t>
+              </a:r>
+            </a:p>
+            <a:p>
+              <a:r>
+                <a:rPr lang="en-GB" sz="452" dirty="0">
+                  <a:solidFill>
+                    <a:schemeClr val="bg1"/>
+                  </a:solidFill>
+                  <a:latin typeface="Helvetica" panose="020B0604020202020204" pitchFamily="34" charset="0"/>
+                  <a:cs typeface="Helvetica" panose="020B0604020202020204" pitchFamily="34" charset="0"/>
+                </a:rPr>
+                <a:t>• Get help with funeral costs (funeral expenses payment)</a:t>
+              </a:r>
+            </a:p>
+            <a:p>
+              <a:endParaRPr lang="en-GB" sz="452" dirty="0">
+                <a:latin typeface="Helvetica" panose="020B0604020202020204" pitchFamily="34" charset="0"/>
+                <a:cs typeface="Helvetica" panose="020B0604020202020204" pitchFamily="34" charset="0"/>
+              </a:endParaRPr>
+            </a:p>
+          </p:txBody>
+        </p:sp>
+        <p:sp>
+          <p:nvSpPr>
+            <p:cNvPr id="89" name="Rectangle 88"/>
+            <p:cNvSpPr/>
+            <p:nvPr/>
+          </p:nvSpPr>
+          <p:spPr>
+            <a:xfrm>
+              <a:off x="3322878" y="5224227"/>
+              <a:ext cx="1875326" cy="502041"/>
+            </a:xfrm>
+            <a:prstGeom prst="rect">
+              <a:avLst/>
+            </a:prstGeom>
+            <a:solidFill>
+              <a:srgbClr val="407280"/>
+            </a:solidFill>
+            <a:ln w="9525">
+              <a:solidFill>
+                <a:schemeClr val="tx1"/>
+              </a:solidFill>
+            </a:ln>
+          </p:spPr>
+          <p:style>
+            <a:lnRef idx="2">
+              <a:schemeClr val="accent1">
+                <a:shade val="50000"/>
+              </a:schemeClr>
+            </a:lnRef>
+            <a:fillRef idx="1">
+              <a:schemeClr val="accent1"/>
+            </a:fillRef>
+            <a:effectRef idx="0">
+              <a:schemeClr val="accent1"/>
+            </a:effectRef>
+            <a:fontRef idx="minor">
+              <a:schemeClr val="lt1"/>
+            </a:fontRef>
+          </p:style>
+          <p:txBody>
+            <a:bodyPr rtlCol="0" anchor="ctr"/>
+            <a:lstStyle/>
+            <a:p>
+              <a:pPr algn="ctr"/>
+              <a:endParaRPr lang="en-GB" sz="543" b="1" dirty="0">
+                <a:solidFill>
+                  <a:schemeClr val="tx1">
+                    <a:lumMod val="85000"/>
+                    <a:lumOff val="15000"/>
+                  </a:schemeClr>
+                </a:solidFill>
+                <a:latin typeface="Helvetica" panose="020B0604020202020204" pitchFamily="34" charset="0"/>
+                <a:cs typeface="Helvetica" panose="020B0604020202020204" pitchFamily="34" charset="0"/>
+              </a:endParaRPr>
+            </a:p>
+          </p:txBody>
+        </p:sp>
+        <p:sp>
+          <p:nvSpPr>
+            <p:cNvPr id="96" name="TextBox 95"/>
+            <p:cNvSpPr txBox="1"/>
+            <p:nvPr/>
+          </p:nvSpPr>
+          <p:spPr>
+            <a:xfrm>
+              <a:off x="4189680" y="5188495"/>
+              <a:ext cx="1471331" cy="788036"/>
+            </a:xfrm>
+            <a:prstGeom prst="rect">
+              <a:avLst/>
+            </a:prstGeom>
+            <a:noFill/>
+          </p:spPr>
+          <p:txBody>
+            <a:bodyPr wrap="square" rtlCol="0">
+              <a:spAutoFit/>
+            </a:bodyPr>
+            <a:lstStyle/>
+            <a:p>
+              <a:r>
+                <a:rPr lang="en-GB" sz="452" dirty="0">
+                  <a:solidFill>
+                    <a:schemeClr val="bg1"/>
+                  </a:solidFill>
+                  <a:latin typeface="Helvetica" panose="020B0604020202020204" pitchFamily="34" charset="0"/>
+                  <a:cs typeface="Helvetica" panose="020B0604020202020204" pitchFamily="34" charset="0"/>
+                </a:rPr>
+                <a:t>• Apply for a skilled worker visa</a:t>
+              </a:r>
+            </a:p>
+            <a:p>
+              <a:r>
+                <a:rPr lang="en-GB" sz="452" dirty="0">
+                  <a:solidFill>
+                    <a:schemeClr val="bg1"/>
+                  </a:solidFill>
+                  <a:latin typeface="Helvetica" panose="020B0604020202020204" pitchFamily="34" charset="0"/>
+                  <a:cs typeface="Helvetica" panose="020B0604020202020204" pitchFamily="34" charset="0"/>
+                </a:rPr>
+                <a:t>• Apply for a criminal record check</a:t>
+              </a:r>
+            </a:p>
+            <a:p>
+              <a:r>
+                <a:rPr lang="en-GB" sz="452" dirty="0">
+                  <a:solidFill>
+                    <a:schemeClr val="bg1"/>
+                  </a:solidFill>
+                  <a:latin typeface="Helvetica" panose="020B0604020202020204" pitchFamily="34" charset="0"/>
+                  <a:cs typeface="Helvetica" panose="020B0604020202020204" pitchFamily="34" charset="0"/>
+                </a:rPr>
+                <a:t>• Apply for a student visa</a:t>
+              </a:r>
+            </a:p>
+            <a:p>
+              <a:r>
+                <a:rPr lang="en-GB" sz="452" dirty="0">
+                  <a:solidFill>
+                    <a:schemeClr val="bg1"/>
+                  </a:solidFill>
+                  <a:latin typeface="Helvetica" panose="020B0604020202020204" pitchFamily="34" charset="0"/>
+                  <a:cs typeface="Helvetica" panose="020B0604020202020204" pitchFamily="34" charset="0"/>
+                </a:rPr>
+                <a:t>• Biomass suppliers list</a:t>
+              </a:r>
+            </a:p>
+            <a:p>
+              <a:r>
+                <a:rPr lang="en-GB" sz="452" dirty="0">
+                  <a:solidFill>
+                    <a:schemeClr val="bg1"/>
+                  </a:solidFill>
+                  <a:latin typeface="Helvetica" panose="020B0604020202020204" pitchFamily="34" charset="0"/>
+                  <a:cs typeface="Helvetica" panose="020B0604020202020204" pitchFamily="34" charset="0"/>
+                </a:rPr>
+                <a:t>• Claim disability living allowance</a:t>
+              </a:r>
+            </a:p>
+            <a:p>
+              <a:r>
+                <a:rPr lang="en-GB" sz="452" dirty="0">
+                  <a:solidFill>
+                    <a:schemeClr val="bg1"/>
+                  </a:solidFill>
+                  <a:latin typeface="Helvetica" panose="020B0604020202020204" pitchFamily="34" charset="0"/>
+                  <a:cs typeface="Helvetica" panose="020B0604020202020204" pitchFamily="34" charset="0"/>
+                </a:rPr>
+                <a:t>• Claim maternity allowance</a:t>
+              </a:r>
+            </a:p>
+            <a:p>
+              <a:r>
+                <a:rPr lang="en-GB" sz="452" dirty="0">
+                  <a:solidFill>
+                    <a:schemeClr val="bg1"/>
+                  </a:solidFill>
+                  <a:latin typeface="Helvetica" panose="020B0604020202020204" pitchFamily="34" charset="0"/>
+                  <a:cs typeface="Helvetica" panose="020B0604020202020204" pitchFamily="34" charset="0"/>
+                </a:rPr>
+                <a:t>• King’s award for enterprise</a:t>
+              </a:r>
+            </a:p>
+            <a:p>
+              <a:endParaRPr lang="en-GB" sz="452" dirty="0">
+                <a:solidFill>
+                  <a:schemeClr val="bg1"/>
+                </a:solidFill>
+                <a:latin typeface="Helvetica" panose="020B0604020202020204" pitchFamily="34" charset="0"/>
+                <a:cs typeface="Helvetica" panose="020B0604020202020204" pitchFamily="34" charset="0"/>
+              </a:endParaRPr>
+            </a:p>
+            <a:p>
+              <a:endParaRPr lang="en-GB" sz="452" dirty="0">
+                <a:solidFill>
+                  <a:schemeClr val="bg1"/>
+                </a:solidFill>
+                <a:latin typeface="Helvetica" panose="020B0604020202020204" pitchFamily="34" charset="0"/>
+                <a:cs typeface="Helvetica" panose="020B0604020202020204" pitchFamily="34" charset="0"/>
+              </a:endParaRPr>
+            </a:p>
+            <a:p>
+              <a:endParaRPr lang="en-GB" sz="452" dirty="0">
+                <a:solidFill>
+                  <a:schemeClr val="bg1"/>
+                </a:solidFill>
+                <a:latin typeface="Helvetica" panose="020B0604020202020204" pitchFamily="34" charset="0"/>
+                <a:cs typeface="Helvetica" panose="020B0604020202020204" pitchFamily="34" charset="0"/>
+              </a:endParaRPr>
+            </a:p>
+          </p:txBody>
+        </p:sp>
+        <p:sp>
+          <p:nvSpPr>
+            <p:cNvPr id="80" name="TextBox 79"/>
+            <p:cNvSpPr txBox="1"/>
+            <p:nvPr/>
+          </p:nvSpPr>
+          <p:spPr>
+            <a:xfrm>
+              <a:off x="3258649" y="5188125"/>
+              <a:ext cx="1368596" cy="648896"/>
+            </a:xfrm>
+            <a:prstGeom prst="rect">
+              <a:avLst/>
+            </a:prstGeom>
+            <a:noFill/>
+          </p:spPr>
+          <p:txBody>
+            <a:bodyPr wrap="square" rtlCol="0">
+              <a:spAutoFit/>
+            </a:bodyPr>
+            <a:lstStyle/>
+            <a:p>
+              <a:r>
+                <a:rPr lang="en-GB" sz="452" dirty="0">
+                  <a:solidFill>
+                    <a:schemeClr val="bg1"/>
+                  </a:solidFill>
+                  <a:latin typeface="Helvetica" panose="020B0604020202020204" pitchFamily="34" charset="0"/>
+                  <a:cs typeface="Helvetica" panose="020B0604020202020204" pitchFamily="34" charset="0"/>
+                </a:rPr>
+                <a:t>• Apply for an access to work grant</a:t>
+              </a:r>
+            </a:p>
+            <a:p>
+              <a:r>
+                <a:rPr lang="en-GB" sz="452" dirty="0">
+                  <a:solidFill>
+                    <a:schemeClr val="bg1"/>
+                  </a:solidFill>
+                  <a:latin typeface="Helvetica" panose="020B0604020202020204" pitchFamily="34" charset="0"/>
+                  <a:cs typeface="Helvetica" panose="020B0604020202020204" pitchFamily="34" charset="0"/>
+                </a:rPr>
+                <a:t>• Apply for legal aid</a:t>
+              </a:r>
+            </a:p>
+            <a:p>
+              <a:r>
+                <a:rPr lang="en-GB" sz="452" dirty="0">
+                  <a:solidFill>
+                    <a:schemeClr val="bg1"/>
+                  </a:solidFill>
+                  <a:latin typeface="Helvetica" panose="020B0604020202020204" pitchFamily="34" charset="0"/>
+                  <a:cs typeface="Helvetica" panose="020B0604020202020204" pitchFamily="34" charset="0"/>
+                </a:rPr>
+                <a:t>• Apply for photo ID to vote</a:t>
+              </a:r>
+            </a:p>
+            <a:p>
+              <a:r>
+                <a:rPr lang="en-GB" sz="452" dirty="0">
+                  <a:solidFill>
+                    <a:schemeClr val="bg1"/>
+                  </a:solidFill>
+                  <a:latin typeface="Helvetica" panose="020B0604020202020204" pitchFamily="34" charset="0"/>
+                  <a:cs typeface="Helvetica" panose="020B0604020202020204" pitchFamily="34" charset="0"/>
+                </a:rPr>
+                <a:t>• Apply for pension credit</a:t>
+              </a:r>
+            </a:p>
+            <a:p>
+              <a:r>
+                <a:rPr lang="en-GB" sz="452" dirty="0">
+                  <a:solidFill>
+                    <a:schemeClr val="bg1"/>
+                  </a:solidFill>
+                  <a:latin typeface="Helvetica" panose="020B0604020202020204" pitchFamily="34" charset="0"/>
+                  <a:cs typeface="Helvetica" panose="020B0604020202020204" pitchFamily="34" charset="0"/>
+                </a:rPr>
+                <a:t>• Apply for deceased military record</a:t>
+              </a:r>
+            </a:p>
+            <a:p>
+              <a:r>
+                <a:rPr lang="en-GB" sz="452" dirty="0">
+                  <a:solidFill>
+                    <a:schemeClr val="bg1"/>
+                  </a:solidFill>
+                  <a:latin typeface="Helvetica" panose="020B0604020202020204" pitchFamily="34" charset="0"/>
+                  <a:cs typeface="Helvetica" panose="020B0604020202020204" pitchFamily="34" charset="0"/>
+                </a:rPr>
+                <a:t>• Apply for new style employment</a:t>
+              </a:r>
+            </a:p>
+            <a:p>
+              <a:r>
+                <a:rPr lang="en-GB" sz="452" dirty="0">
+                  <a:solidFill>
+                    <a:schemeClr val="bg1"/>
+                  </a:solidFill>
+                  <a:latin typeface="Helvetica" panose="020B0604020202020204" pitchFamily="34" charset="0"/>
+                  <a:cs typeface="Helvetica" panose="020B0604020202020204" pitchFamily="34" charset="0"/>
+                </a:rPr>
+                <a:t>• Apply for bereavement support </a:t>
+              </a:r>
+            </a:p>
+            <a:p>
+              <a:endParaRPr lang="en-GB" sz="452" dirty="0">
+                <a:solidFill>
+                  <a:schemeClr val="bg1"/>
+                </a:solidFill>
+                <a:latin typeface="Helvetica" panose="020B0604020202020204" pitchFamily="34" charset="0"/>
+                <a:cs typeface="Helvetica" panose="020B0604020202020204" pitchFamily="34" charset="0"/>
+              </a:endParaRPr>
+            </a:p>
+          </p:txBody>
+        </p:sp>
+        <p:sp>
+          <p:nvSpPr>
+            <p:cNvPr id="69" name="Rectangle 68"/>
+            <p:cNvSpPr/>
+            <p:nvPr/>
+          </p:nvSpPr>
+          <p:spPr>
+            <a:xfrm>
+              <a:off x="2050204" y="5222847"/>
+              <a:ext cx="1272683" cy="503620"/>
+            </a:xfrm>
+            <a:prstGeom prst="rect">
+              <a:avLst/>
+            </a:prstGeom>
+            <a:solidFill>
+              <a:srgbClr val="FFF2B3"/>
+            </a:solidFill>
+            <a:ln w="9525">
+              <a:solidFill>
+                <a:schemeClr val="tx1"/>
+              </a:solidFill>
+            </a:ln>
+          </p:spPr>
+          <p:style>
+            <a:lnRef idx="2">
+              <a:schemeClr val="accent1">
+                <a:shade val="50000"/>
+              </a:schemeClr>
+            </a:lnRef>
+            <a:fillRef idx="1">
+              <a:schemeClr val="accent1"/>
+            </a:fillRef>
+            <a:effectRef idx="0">
+              <a:schemeClr val="accent1"/>
+            </a:effectRef>
+            <a:fontRef idx="minor">
+              <a:schemeClr val="lt1"/>
+            </a:fontRef>
+          </p:style>
+          <p:txBody>
+            <a:bodyPr rtlCol="0" anchor="ctr"/>
+            <a:lstStyle/>
+            <a:p>
+              <a:pPr algn="ctr"/>
+              <a:r>
+                <a:rPr lang="en-GB" sz="543" b="1" dirty="0">
+                  <a:solidFill>
+                    <a:schemeClr val="tx1">
+                      <a:lumMod val="85000"/>
+                      <a:lumOff val="15000"/>
+                    </a:schemeClr>
+                  </a:solidFill>
+                  <a:latin typeface="Helvetica" panose="020B0604020202020204" pitchFamily="34" charset="0"/>
+                  <a:cs typeface="Helvetica" panose="020B0604020202020204" pitchFamily="34" charset="0"/>
+                </a:rPr>
+                <a:t>Medium potential for GenAI</a:t>
+              </a:r>
+            </a:p>
+          </p:txBody>
+        </p:sp>
+        <p:sp>
+          <p:nvSpPr>
+            <p:cNvPr id="75" name="Rectangle 74"/>
+            <p:cNvSpPr/>
+            <p:nvPr/>
+          </p:nvSpPr>
+          <p:spPr>
+            <a:xfrm>
+              <a:off x="5198203" y="4788107"/>
+              <a:ext cx="1067676" cy="437399"/>
+            </a:xfrm>
+            <a:prstGeom prst="rect">
+              <a:avLst/>
+            </a:prstGeom>
+            <a:solidFill>
+              <a:srgbClr val="EFEFEF"/>
+            </a:solidFill>
+            <a:ln w="9525">
+              <a:solidFill>
+                <a:schemeClr val="tx1"/>
+              </a:solidFill>
+            </a:ln>
+          </p:spPr>
+          <p:style>
+            <a:lnRef idx="2">
+              <a:schemeClr val="accent1">
+                <a:shade val="50000"/>
+              </a:schemeClr>
+            </a:lnRef>
+            <a:fillRef idx="1">
+              <a:schemeClr val="accent1"/>
+            </a:fillRef>
+            <a:effectRef idx="0">
+              <a:schemeClr val="accent1"/>
+            </a:effectRef>
+            <a:fontRef idx="minor">
+              <a:schemeClr val="lt1"/>
+            </a:fontRef>
+          </p:style>
+          <p:txBody>
+            <a:bodyPr rtlCol="0" anchor="ctr"/>
+            <a:lstStyle/>
+            <a:p>
+              <a:pPr algn="ctr"/>
+              <a:endParaRPr lang="en-GB" sz="407" b="1" dirty="0">
+                <a:solidFill>
+                  <a:schemeClr val="tx1">
+                    <a:lumMod val="85000"/>
+                    <a:lumOff val="15000"/>
+                  </a:schemeClr>
+                </a:solidFill>
+                <a:latin typeface="Helvetica" panose="020B0604020202020204" pitchFamily="34" charset="0"/>
+                <a:cs typeface="Helvetica" panose="020B0604020202020204" pitchFamily="34" charset="0"/>
+              </a:endParaRPr>
+            </a:p>
+          </p:txBody>
+        </p:sp>
+        <p:sp>
+          <p:nvSpPr>
+            <p:cNvPr id="16" name="TextBox 15">
+              <a:extLst>
+                <a:ext uri="{FF2B5EF4-FFF2-40B4-BE49-F238E27FC236}">
+                  <a16:creationId xmlns:a16="http://schemas.microsoft.com/office/drawing/2014/main" id="{6D44E15B-DB6C-219C-CF74-29806A9A29F7}"/>
+                </a:ext>
+              </a:extLst>
+            </p:cNvPr>
+            <p:cNvSpPr txBox="1"/>
+            <p:nvPr/>
+          </p:nvSpPr>
+          <p:spPr>
+            <a:xfrm>
+              <a:off x="1855781" y="4314085"/>
+              <a:ext cx="268022" cy="232051"/>
+            </a:xfrm>
+            <a:prstGeom prst="rect">
+              <a:avLst/>
+            </a:prstGeom>
+            <a:noFill/>
+          </p:spPr>
+          <p:txBody>
+            <a:bodyPr wrap="none" rtlCol="0">
+              <a:spAutoFit/>
+            </a:bodyPr>
+            <a:lstStyle/>
+            <a:p>
+              <a:r>
+                <a:rPr lang="en-GB" sz="908" b="1" dirty="0">
+                  <a:latin typeface="Helvetica" pitchFamily="2" charset="0"/>
+                </a:rPr>
+                <a:t>C</a:t>
+              </a:r>
+            </a:p>
+          </p:txBody>
+        </p:sp>
+        <p:sp>
+          <p:nvSpPr>
+            <p:cNvPr id="26" name="TextBox 25">
+              <a:extLst>
+                <a:ext uri="{FF2B5EF4-FFF2-40B4-BE49-F238E27FC236}">
+                  <a16:creationId xmlns:a16="http://schemas.microsoft.com/office/drawing/2014/main" id="{48A14326-E42E-B11D-29FB-16036A35C13B}"/>
+                </a:ext>
+              </a:extLst>
+            </p:cNvPr>
+            <p:cNvSpPr txBox="1"/>
+            <p:nvPr/>
+          </p:nvSpPr>
+          <p:spPr>
+            <a:xfrm>
+              <a:off x="2234610" y="4228565"/>
+              <a:ext cx="1179748" cy="182679"/>
+            </a:xfrm>
+            <a:prstGeom prst="rect">
+              <a:avLst/>
+            </a:prstGeom>
+            <a:noFill/>
+          </p:spPr>
+          <p:txBody>
+            <a:bodyPr wrap="square" rtlCol="0">
+              <a:spAutoFit/>
+            </a:bodyPr>
+            <a:lstStyle/>
+            <a:p>
+              <a:pPr algn="ctr"/>
+              <a:r>
+                <a:rPr lang="en-GB" sz="587" dirty="0">
+                  <a:latin typeface="Helvetica" pitchFamily="2" charset="0"/>
+                </a:rPr>
+                <a:t>Task count group</a:t>
+              </a:r>
+            </a:p>
+          </p:txBody>
+        </p:sp>
+        <p:sp>
+          <p:nvSpPr>
+            <p:cNvPr id="53" name="Rectangle 52"/>
+            <p:cNvSpPr/>
+            <p:nvPr/>
+          </p:nvSpPr>
+          <p:spPr>
+            <a:xfrm>
+              <a:off x="5198203" y="4570692"/>
+              <a:ext cx="1067676" cy="218347"/>
+            </a:xfrm>
+            <a:prstGeom prst="rect">
+              <a:avLst/>
+            </a:prstGeom>
+            <a:solidFill>
+              <a:srgbClr val="BFBFBF"/>
+            </a:solidFill>
+            <a:ln w="9525">
+              <a:solidFill>
+                <a:schemeClr val="tx1"/>
+              </a:solidFill>
+            </a:ln>
+          </p:spPr>
+          <p:style>
+            <a:lnRef idx="2">
+              <a:schemeClr val="accent1">
+                <a:shade val="50000"/>
+              </a:schemeClr>
+            </a:lnRef>
+            <a:fillRef idx="1">
+              <a:schemeClr val="accent1"/>
+            </a:fillRef>
+            <a:effectRef idx="0">
+              <a:schemeClr val="accent1"/>
+            </a:effectRef>
+            <a:fontRef idx="minor">
+              <a:schemeClr val="lt1"/>
+            </a:fontRef>
+          </p:style>
+          <p:txBody>
+            <a:bodyPr rtlCol="0" anchor="ctr"/>
+            <a:lstStyle/>
+            <a:p>
+              <a:pPr algn="ctr"/>
+              <a:r>
+                <a:rPr lang="en-GB" sz="543" b="1" dirty="0">
+                  <a:solidFill>
+                    <a:schemeClr val="tx1">
+                      <a:lumMod val="85000"/>
+                      <a:lumOff val="15000"/>
+                    </a:schemeClr>
+                  </a:solidFill>
+                  <a:latin typeface="Helvetica" panose="020B0604020202020204" pitchFamily="34" charset="0"/>
+                  <a:cs typeface="Helvetica" panose="020B0604020202020204" pitchFamily="34" charset="0"/>
+                </a:rPr>
+                <a:t>Service topics</a:t>
+              </a:r>
+            </a:p>
+          </p:txBody>
+        </p:sp>
+        <p:sp>
+          <p:nvSpPr>
+            <p:cNvPr id="56" name="Rectangle 55"/>
+            <p:cNvSpPr/>
+            <p:nvPr/>
+          </p:nvSpPr>
+          <p:spPr>
+            <a:xfrm>
+              <a:off x="3322883" y="4570692"/>
+              <a:ext cx="1875323" cy="218347"/>
+            </a:xfrm>
+            <a:prstGeom prst="rect">
+              <a:avLst/>
+            </a:prstGeom>
+            <a:solidFill>
+              <a:srgbClr val="BFBFBF"/>
+            </a:solidFill>
+            <a:ln w="9525">
+              <a:solidFill>
+                <a:schemeClr val="tx1"/>
+              </a:solidFill>
+            </a:ln>
+          </p:spPr>
+          <p:style>
+            <a:lnRef idx="2">
+              <a:schemeClr val="accent1">
+                <a:shade val="50000"/>
+              </a:schemeClr>
+            </a:lnRef>
+            <a:fillRef idx="1">
+              <a:schemeClr val="accent1"/>
+            </a:fillRef>
+            <a:effectRef idx="0">
+              <a:schemeClr val="accent1"/>
+            </a:effectRef>
+            <a:fontRef idx="minor">
+              <a:schemeClr val="lt1"/>
+            </a:fontRef>
+          </p:style>
+          <p:txBody>
+            <a:bodyPr rtlCol="0" anchor="ctr"/>
+            <a:lstStyle/>
+            <a:p>
+              <a:pPr algn="ctr"/>
+              <a:endParaRPr lang="en-GB" sz="543" b="1" dirty="0">
+                <a:solidFill>
+                  <a:schemeClr val="tx1">
+                    <a:lumMod val="85000"/>
+                    <a:lumOff val="15000"/>
+                  </a:schemeClr>
+                </a:solidFill>
+                <a:latin typeface="Helvetica" panose="020B0604020202020204" pitchFamily="34" charset="0"/>
+                <a:cs typeface="Helvetica" panose="020B0604020202020204" pitchFamily="34" charset="0"/>
+              </a:endParaRPr>
+            </a:p>
+          </p:txBody>
+        </p:sp>
+        <p:sp>
+          <p:nvSpPr>
+            <p:cNvPr id="57" name="Rectangle 56"/>
+            <p:cNvSpPr/>
+            <p:nvPr/>
+          </p:nvSpPr>
+          <p:spPr>
+            <a:xfrm>
+              <a:off x="2050204" y="4789971"/>
+              <a:ext cx="1272683" cy="434389"/>
+            </a:xfrm>
+            <a:prstGeom prst="rect">
+              <a:avLst/>
+            </a:prstGeom>
+            <a:solidFill>
+              <a:srgbClr val="DCF2CA"/>
+            </a:solidFill>
+            <a:ln w="9525">
+              <a:solidFill>
+                <a:schemeClr val="tx1"/>
+              </a:solidFill>
+            </a:ln>
+          </p:spPr>
+          <p:style>
+            <a:lnRef idx="2">
+              <a:schemeClr val="accent1">
+                <a:shade val="50000"/>
+              </a:schemeClr>
+            </a:lnRef>
+            <a:fillRef idx="1">
+              <a:schemeClr val="accent1"/>
+            </a:fillRef>
+            <a:effectRef idx="0">
+              <a:schemeClr val="accent1"/>
+            </a:effectRef>
+            <a:fontRef idx="minor">
+              <a:schemeClr val="lt1"/>
+            </a:fontRef>
+          </p:style>
+          <p:txBody>
+            <a:bodyPr rtlCol="0" anchor="ctr"/>
+            <a:lstStyle/>
+            <a:p>
+              <a:pPr algn="ctr"/>
+              <a:r>
+                <a:rPr lang="en-GB" sz="543" b="1" dirty="0">
+                  <a:solidFill>
+                    <a:schemeClr val="tx1">
+                      <a:lumMod val="85000"/>
+                      <a:lumOff val="15000"/>
+                    </a:schemeClr>
+                  </a:solidFill>
+                  <a:latin typeface="Helvetica" panose="020B0604020202020204" pitchFamily="34" charset="0"/>
+                  <a:cs typeface="Helvetica" panose="020B0604020202020204" pitchFamily="34" charset="0"/>
+                </a:rPr>
+                <a:t>High potential for </a:t>
+              </a:r>
+            </a:p>
+            <a:p>
+              <a:pPr algn="ctr"/>
+              <a:r>
+                <a:rPr lang="en-GB" sz="543" b="1" dirty="0">
+                  <a:solidFill>
+                    <a:schemeClr val="tx1">
+                      <a:lumMod val="85000"/>
+                      <a:lumOff val="15000"/>
+                    </a:schemeClr>
+                  </a:solidFill>
+                  <a:latin typeface="Helvetica" panose="020B0604020202020204" pitchFamily="34" charset="0"/>
+                  <a:cs typeface="Helvetica" panose="020B0604020202020204" pitchFamily="34" charset="0"/>
+                </a:rPr>
+                <a:t>GenAI</a:t>
+              </a:r>
+            </a:p>
+          </p:txBody>
+        </p:sp>
+        <p:sp>
+          <p:nvSpPr>
+            <p:cNvPr id="88" name="Rectangle 87"/>
+            <p:cNvSpPr/>
+            <p:nvPr/>
+          </p:nvSpPr>
+          <p:spPr>
+            <a:xfrm>
+              <a:off x="3322883" y="4788107"/>
+              <a:ext cx="1875323" cy="437399"/>
+            </a:xfrm>
+            <a:prstGeom prst="rect">
+              <a:avLst/>
+            </a:prstGeom>
+            <a:solidFill>
+              <a:srgbClr val="BFD8DF"/>
+            </a:solidFill>
+            <a:ln w="9525">
+              <a:solidFill>
+                <a:schemeClr val="tx1"/>
+              </a:solidFill>
+            </a:ln>
+          </p:spPr>
+          <p:style>
+            <a:lnRef idx="2">
+              <a:schemeClr val="accent1">
+                <a:shade val="50000"/>
+              </a:schemeClr>
+            </a:lnRef>
+            <a:fillRef idx="1">
+              <a:schemeClr val="accent1"/>
+            </a:fillRef>
+            <a:effectRef idx="0">
+              <a:schemeClr val="accent1"/>
+            </a:effectRef>
+            <a:fontRef idx="minor">
+              <a:schemeClr val="lt1"/>
+            </a:fontRef>
+          </p:style>
+          <p:txBody>
+            <a:bodyPr rtlCol="0" anchor="ctr"/>
+            <a:lstStyle/>
+            <a:p>
+              <a:pPr algn="ctr"/>
+              <a:endParaRPr lang="en-GB" sz="543" b="1" dirty="0">
+                <a:solidFill>
+                  <a:schemeClr val="tx1">
+                    <a:lumMod val="85000"/>
+                    <a:lumOff val="15000"/>
+                  </a:schemeClr>
+                </a:solidFill>
+                <a:latin typeface="Helvetica" panose="020B0604020202020204" pitchFamily="34" charset="0"/>
+                <a:cs typeface="Helvetica" panose="020B0604020202020204" pitchFamily="34" charset="0"/>
+              </a:endParaRPr>
+            </a:p>
+          </p:txBody>
+        </p:sp>
+        <p:sp>
+          <p:nvSpPr>
+            <p:cNvPr id="91" name="Rectangle 90"/>
+            <p:cNvSpPr/>
+            <p:nvPr/>
+          </p:nvSpPr>
+          <p:spPr>
+            <a:xfrm>
+              <a:off x="2050201" y="5725170"/>
+              <a:ext cx="1272683" cy="498581"/>
+            </a:xfrm>
+            <a:prstGeom prst="rect">
+              <a:avLst/>
+            </a:prstGeom>
+            <a:solidFill>
+              <a:srgbClr val="FFD5B5"/>
+            </a:solidFill>
+            <a:ln w="9525">
+              <a:solidFill>
+                <a:schemeClr val="tx1"/>
+              </a:solidFill>
+            </a:ln>
+          </p:spPr>
+          <p:style>
+            <a:lnRef idx="2">
+              <a:schemeClr val="accent1">
+                <a:shade val="50000"/>
+              </a:schemeClr>
+            </a:lnRef>
+            <a:fillRef idx="1">
+              <a:schemeClr val="accent1"/>
+            </a:fillRef>
+            <a:effectRef idx="0">
+              <a:schemeClr val="accent1"/>
+            </a:effectRef>
+            <a:fontRef idx="minor">
+              <a:schemeClr val="lt1"/>
+            </a:fontRef>
+          </p:style>
+          <p:txBody>
+            <a:bodyPr rtlCol="0" anchor="ctr"/>
+            <a:lstStyle/>
+            <a:p>
+              <a:pPr algn="ctr"/>
+              <a:r>
+                <a:rPr lang="en-GB" sz="543" b="1" dirty="0">
+                  <a:solidFill>
+                    <a:schemeClr val="tx1">
+                      <a:lumMod val="85000"/>
+                      <a:lumOff val="15000"/>
+                    </a:schemeClr>
+                  </a:solidFill>
+                  <a:latin typeface="Helvetica" panose="020B0604020202020204" pitchFamily="34" charset="0"/>
+                  <a:cs typeface="Helvetica" panose="020B0604020202020204" pitchFamily="34" charset="0"/>
+                </a:rPr>
+                <a:t>Low potential for</a:t>
+              </a:r>
+            </a:p>
+            <a:p>
+              <a:pPr algn="ctr"/>
+              <a:r>
+                <a:rPr lang="en-GB" sz="543" b="1" dirty="0">
+                  <a:solidFill>
+                    <a:schemeClr val="tx1">
+                      <a:lumMod val="85000"/>
+                      <a:lumOff val="15000"/>
+                    </a:schemeClr>
+                  </a:solidFill>
+                  <a:latin typeface="Helvetica" panose="020B0604020202020204" pitchFamily="34" charset="0"/>
+                  <a:cs typeface="Helvetica" panose="020B0604020202020204" pitchFamily="34" charset="0"/>
+                </a:rPr>
+                <a:t>GenAI</a:t>
+              </a:r>
+            </a:p>
+          </p:txBody>
+        </p:sp>
+        <p:sp>
+          <p:nvSpPr>
+            <p:cNvPr id="98" name="TextBox 97"/>
+            <p:cNvSpPr txBox="1"/>
+            <p:nvPr/>
+          </p:nvSpPr>
+          <p:spPr>
+            <a:xfrm>
+              <a:off x="3294860" y="4784603"/>
+              <a:ext cx="1903346" cy="231474"/>
+            </a:xfrm>
+            <a:prstGeom prst="rect">
+              <a:avLst/>
+            </a:prstGeom>
+            <a:noFill/>
+          </p:spPr>
+          <p:txBody>
+            <a:bodyPr wrap="square" rtlCol="0">
+              <a:spAutoFit/>
+            </a:bodyPr>
+            <a:lstStyle/>
+            <a:p>
+              <a:r>
+                <a:rPr lang="en-GB" sz="452" dirty="0">
+                  <a:latin typeface="Helvetica" panose="020B0604020202020204" pitchFamily="34" charset="0"/>
+                  <a:cs typeface="Helvetica" panose="020B0604020202020204" pitchFamily="34" charset="0"/>
+                </a:rPr>
+                <a:t>• Register for an exemption from minimum energy efficiency </a:t>
+              </a:r>
+            </a:p>
+            <a:p>
+              <a:r>
+                <a:rPr lang="en-GB" sz="452" dirty="0">
+                  <a:latin typeface="Helvetica" panose="020B0604020202020204" pitchFamily="34" charset="0"/>
+                  <a:cs typeface="Helvetica" panose="020B0604020202020204" pitchFamily="34" charset="0"/>
+                </a:rPr>
+                <a:t>  standards for landlords</a:t>
+              </a:r>
+            </a:p>
+          </p:txBody>
+        </p:sp>
+        <p:sp>
+          <p:nvSpPr>
+            <p:cNvPr id="105" name="Rectangle 104"/>
+            <p:cNvSpPr/>
+            <p:nvPr/>
+          </p:nvSpPr>
+          <p:spPr>
+            <a:xfrm>
+              <a:off x="5198203" y="5229009"/>
+              <a:ext cx="1067676" cy="495950"/>
+            </a:xfrm>
+            <a:prstGeom prst="rect">
+              <a:avLst/>
+            </a:prstGeom>
+            <a:solidFill>
+              <a:srgbClr val="EFEFEF"/>
+            </a:solidFill>
+            <a:ln w="9525">
+              <a:solidFill>
+                <a:schemeClr val="tx1"/>
+              </a:solidFill>
+            </a:ln>
+          </p:spPr>
+          <p:style>
+            <a:lnRef idx="2">
+              <a:schemeClr val="accent1">
+                <a:shade val="50000"/>
+              </a:schemeClr>
+            </a:lnRef>
+            <a:fillRef idx="1">
+              <a:schemeClr val="accent1"/>
+            </a:fillRef>
+            <a:effectRef idx="0">
+              <a:schemeClr val="accent1"/>
+            </a:effectRef>
+            <a:fontRef idx="minor">
+              <a:schemeClr val="lt1"/>
+            </a:fontRef>
+          </p:style>
+          <p:txBody>
+            <a:bodyPr rtlCol="0" anchor="ctr"/>
+            <a:lstStyle/>
+            <a:p>
+              <a:pPr algn="ctr"/>
+              <a:endParaRPr lang="en-GB" sz="543" b="1" dirty="0">
+                <a:solidFill>
+                  <a:schemeClr val="tx1">
+                    <a:lumMod val="85000"/>
+                    <a:lumOff val="15000"/>
+                  </a:schemeClr>
+                </a:solidFill>
+                <a:latin typeface="Helvetica" panose="020B0604020202020204" pitchFamily="34" charset="0"/>
+                <a:cs typeface="Helvetica" panose="020B0604020202020204" pitchFamily="34" charset="0"/>
+              </a:endParaRPr>
+            </a:p>
+          </p:txBody>
+        </p:sp>
+        <p:sp>
+          <p:nvSpPr>
+            <p:cNvPr id="106" name="Rectangle 105"/>
+            <p:cNvSpPr/>
+            <p:nvPr/>
+          </p:nvSpPr>
+          <p:spPr>
+            <a:xfrm>
+              <a:off x="5198203" y="5728470"/>
+              <a:ext cx="1067676" cy="495950"/>
+            </a:xfrm>
+            <a:prstGeom prst="rect">
+              <a:avLst/>
+            </a:prstGeom>
+            <a:solidFill>
+              <a:srgbClr val="EFEFEF"/>
+            </a:solidFill>
+            <a:ln w="9525">
+              <a:solidFill>
+                <a:schemeClr val="tx1"/>
+              </a:solidFill>
+            </a:ln>
+          </p:spPr>
+          <p:style>
+            <a:lnRef idx="2">
+              <a:schemeClr val="accent1">
+                <a:shade val="50000"/>
+              </a:schemeClr>
+            </a:lnRef>
+            <a:fillRef idx="1">
+              <a:schemeClr val="accent1"/>
+            </a:fillRef>
+            <a:effectRef idx="0">
+              <a:schemeClr val="accent1"/>
+            </a:effectRef>
+            <a:fontRef idx="minor">
+              <a:schemeClr val="lt1"/>
+            </a:fontRef>
+          </p:style>
+          <p:txBody>
+            <a:bodyPr rtlCol="0" anchor="ctr"/>
+            <a:lstStyle/>
+            <a:p>
+              <a:pPr algn="ctr"/>
+              <a:endParaRPr lang="en-GB" sz="543" b="1" dirty="0">
+                <a:solidFill>
+                  <a:schemeClr val="tx1">
+                    <a:lumMod val="85000"/>
+                    <a:lumOff val="15000"/>
+                  </a:schemeClr>
+                </a:solidFill>
+                <a:latin typeface="Helvetica" panose="020B0604020202020204" pitchFamily="34" charset="0"/>
+                <a:cs typeface="Helvetica" panose="020B0604020202020204" pitchFamily="34" charset="0"/>
+              </a:endParaRPr>
+            </a:p>
+          </p:txBody>
+        </p:sp>
+        <p:sp>
+          <p:nvSpPr>
+            <p:cNvPr id="107" name="Rectangle 106"/>
+            <p:cNvSpPr/>
+            <p:nvPr/>
+          </p:nvSpPr>
+          <p:spPr>
+            <a:xfrm flipV="1">
+              <a:off x="2046612" y="4647248"/>
+              <a:ext cx="165093" cy="86672"/>
+            </a:xfrm>
+            <a:prstGeom prst="rect">
+              <a:avLst/>
+            </a:prstGeom>
+            <a:solidFill>
+              <a:srgbClr val="BFD8DF"/>
+            </a:solidFill>
+            <a:ln w="6350">
+              <a:solidFill>
+                <a:schemeClr val="tx1"/>
+              </a:solidFill>
+            </a:ln>
+          </p:spPr>
+          <p:style>
+            <a:lnRef idx="2">
+              <a:schemeClr val="accent1">
+                <a:shade val="50000"/>
+              </a:schemeClr>
+            </a:lnRef>
+            <a:fillRef idx="1">
+              <a:schemeClr val="accent1"/>
+            </a:fillRef>
+            <a:effectRef idx="0">
+              <a:schemeClr val="accent1"/>
+            </a:effectRef>
+            <a:fontRef idx="minor">
+              <a:schemeClr val="lt1"/>
+            </a:fontRef>
+          </p:style>
+          <p:txBody>
+            <a:bodyPr rtlCol="0" anchor="ctr"/>
+            <a:lstStyle/>
+            <a:p>
+              <a:pPr algn="ctr"/>
+              <a:endParaRPr lang="en-GB" sz="543" b="1" dirty="0">
+                <a:solidFill>
+                  <a:schemeClr val="tx1">
+                    <a:lumMod val="85000"/>
+                    <a:lumOff val="15000"/>
+                  </a:schemeClr>
+                </a:solidFill>
+                <a:latin typeface="Helvetica" panose="020B0604020202020204" pitchFamily="34" charset="0"/>
+                <a:cs typeface="Helvetica" panose="020B0604020202020204" pitchFamily="34" charset="0"/>
+              </a:endParaRPr>
+            </a:p>
+          </p:txBody>
+        </p:sp>
+        <p:sp>
+          <p:nvSpPr>
+            <p:cNvPr id="110" name="TextBox 109"/>
+            <p:cNvSpPr txBox="1"/>
+            <p:nvPr/>
+          </p:nvSpPr>
+          <p:spPr>
+            <a:xfrm>
+              <a:off x="2152266" y="4600968"/>
+              <a:ext cx="308098" cy="169277"/>
+            </a:xfrm>
+            <a:prstGeom prst="rect">
+              <a:avLst/>
+            </a:prstGeom>
+            <a:noFill/>
+          </p:spPr>
+          <p:txBody>
+            <a:bodyPr wrap="none" rtlCol="0">
+              <a:spAutoFit/>
+            </a:bodyPr>
+            <a:lstStyle/>
+            <a:p>
+              <a:r>
+                <a:rPr lang="en-GB" sz="500" dirty="0">
+                  <a:latin typeface="Helvetica" panose="020B0604020202020204" pitchFamily="34" charset="0"/>
+                  <a:cs typeface="Helvetica" panose="020B0604020202020204" pitchFamily="34" charset="0"/>
+                </a:rPr>
+                <a:t>n=1</a:t>
+              </a:r>
+              <a:r>
+                <a:rPr lang="en-GB" sz="452" dirty="0">
+                  <a:latin typeface="Helvetica" panose="020B0604020202020204" pitchFamily="34" charset="0"/>
+                  <a:cs typeface="Helvetica" panose="020B0604020202020204" pitchFamily="34" charset="0"/>
+                </a:rPr>
+                <a:t> </a:t>
+              </a:r>
+            </a:p>
+          </p:txBody>
+        </p:sp>
+        <p:sp>
+          <p:nvSpPr>
+            <p:cNvPr id="116" name="TextBox 115"/>
+            <p:cNvSpPr txBox="1"/>
+            <p:nvPr/>
+          </p:nvSpPr>
+          <p:spPr>
+            <a:xfrm>
+              <a:off x="1951691" y="4478178"/>
+              <a:ext cx="1071127" cy="169277"/>
+            </a:xfrm>
+            <a:prstGeom prst="rect">
+              <a:avLst/>
+            </a:prstGeom>
+            <a:noFill/>
+          </p:spPr>
+          <p:txBody>
+            <a:bodyPr wrap="none" rtlCol="0">
+              <a:spAutoFit/>
+            </a:bodyPr>
+            <a:lstStyle/>
+            <a:p>
+              <a:r>
+                <a:rPr lang="en-GB" sz="500" b="1" dirty="0">
+                  <a:latin typeface="Helvetica" panose="020B0604020202020204" pitchFamily="34" charset="0"/>
+                  <a:cs typeface="Helvetica" panose="020B0604020202020204" pitchFamily="34" charset="0"/>
+                </a:rPr>
+                <a:t>No. of organisations involved</a:t>
+              </a:r>
+            </a:p>
+          </p:txBody>
+        </p:sp>
+        <p:sp>
+          <p:nvSpPr>
+            <p:cNvPr id="117" name="TextBox 116"/>
+            <p:cNvSpPr txBox="1"/>
+            <p:nvPr/>
+          </p:nvSpPr>
+          <p:spPr>
+            <a:xfrm>
+              <a:off x="5145203" y="5689891"/>
+              <a:ext cx="1939546" cy="579326"/>
+            </a:xfrm>
+            <a:prstGeom prst="rect">
+              <a:avLst/>
+            </a:prstGeom>
+            <a:noFill/>
+          </p:spPr>
+          <p:txBody>
+            <a:bodyPr wrap="square" rtlCol="0">
+              <a:spAutoFit/>
+            </a:bodyPr>
+            <a:lstStyle/>
+            <a:p>
+              <a:r>
+                <a:rPr lang="en-GB" sz="452" dirty="0">
+                  <a:latin typeface="Helvetica" panose="020B0604020202020204" pitchFamily="34" charset="0"/>
+                  <a:cs typeface="Helvetica" panose="020B0604020202020204" pitchFamily="34" charset="0"/>
+                </a:rPr>
+                <a:t>• Benefits</a:t>
+              </a:r>
+            </a:p>
+            <a:p>
+              <a:r>
+                <a:rPr lang="en-GB" sz="452" dirty="0">
+                  <a:latin typeface="Helvetica" panose="020B0604020202020204" pitchFamily="34" charset="0"/>
+                  <a:cs typeface="Helvetica" panose="020B0604020202020204" pitchFamily="34" charset="0"/>
+                </a:rPr>
+                <a:t>• Business and self-employed</a:t>
+              </a:r>
+            </a:p>
+            <a:p>
+              <a:r>
+                <a:rPr lang="en-GB" sz="452" dirty="0">
+                  <a:latin typeface="Helvetica" panose="020B0604020202020204" pitchFamily="34" charset="0"/>
+                  <a:cs typeface="Helvetica" panose="020B0604020202020204" pitchFamily="34" charset="0"/>
+                </a:rPr>
+                <a:t>• Citizenship and living in the UK</a:t>
+              </a:r>
+            </a:p>
+            <a:p>
+              <a:r>
+                <a:rPr lang="en-GB" sz="452" dirty="0">
+                  <a:latin typeface="Helvetica" panose="020B0604020202020204" pitchFamily="34" charset="0"/>
+                  <a:cs typeface="Helvetica" panose="020B0604020202020204" pitchFamily="34" charset="0"/>
+                </a:rPr>
+                <a:t>• Crime, justice and the law</a:t>
+              </a:r>
+            </a:p>
+            <a:p>
+              <a:r>
+                <a:rPr lang="en-GB" sz="452" dirty="0">
+                  <a:latin typeface="Helvetica" panose="020B0604020202020204" pitchFamily="34" charset="0"/>
+                  <a:cs typeface="Helvetica" panose="020B0604020202020204" pitchFamily="34" charset="0"/>
+                </a:rPr>
+                <a:t>• Environment and countryside</a:t>
+              </a:r>
+            </a:p>
+            <a:p>
+              <a:r>
+                <a:rPr lang="en-GB" sz="452" dirty="0">
+                  <a:latin typeface="Helvetica" panose="020B0604020202020204" pitchFamily="34" charset="0"/>
+                  <a:cs typeface="Helvetica" panose="020B0604020202020204" pitchFamily="34" charset="0"/>
+                </a:rPr>
+                <a:t>• Visas and immigration</a:t>
+              </a:r>
+            </a:p>
+            <a:p>
+              <a:r>
+                <a:rPr lang="en-GB" sz="452" dirty="0">
+                  <a:latin typeface="Helvetica" panose="020B0604020202020204" pitchFamily="34" charset="0"/>
+                  <a:cs typeface="Helvetica" panose="020B0604020202020204" pitchFamily="34" charset="0"/>
+                </a:rPr>
+                <a:t>• Working, jobs and pensions</a:t>
+              </a:r>
+            </a:p>
+          </p:txBody>
+        </p:sp>
+        <p:sp>
+          <p:nvSpPr>
+            <p:cNvPr id="118" name="TextBox 117"/>
+            <p:cNvSpPr txBox="1"/>
+            <p:nvPr/>
+          </p:nvSpPr>
+          <p:spPr>
+            <a:xfrm>
+              <a:off x="5145203" y="5202213"/>
+              <a:ext cx="1939546" cy="440185"/>
+            </a:xfrm>
+            <a:prstGeom prst="rect">
+              <a:avLst/>
+            </a:prstGeom>
+            <a:noFill/>
+          </p:spPr>
+          <p:txBody>
+            <a:bodyPr wrap="square" rtlCol="0">
+              <a:spAutoFit/>
+            </a:bodyPr>
+            <a:lstStyle/>
+            <a:p>
+              <a:r>
+                <a:rPr lang="en-GB" sz="452" dirty="0">
+                  <a:latin typeface="Helvetica" panose="020B0604020202020204" pitchFamily="34" charset="0"/>
+                  <a:cs typeface="Helvetica" panose="020B0604020202020204" pitchFamily="34" charset="0"/>
+                </a:rPr>
+                <a:t>• Benefits</a:t>
+              </a:r>
+            </a:p>
+            <a:p>
+              <a:r>
+                <a:rPr lang="en-GB" sz="452" dirty="0">
+                  <a:latin typeface="Helvetica" panose="020B0604020202020204" pitchFamily="34" charset="0"/>
+                  <a:cs typeface="Helvetica" panose="020B0604020202020204" pitchFamily="34" charset="0"/>
+                </a:rPr>
+                <a:t>• Business and self-employed</a:t>
+              </a:r>
+            </a:p>
+            <a:p>
+              <a:r>
+                <a:rPr lang="en-GB" sz="452" dirty="0">
+                  <a:latin typeface="Helvetica" panose="020B0604020202020204" pitchFamily="34" charset="0"/>
+                  <a:cs typeface="Helvetica" panose="020B0604020202020204" pitchFamily="34" charset="0"/>
+                </a:rPr>
+                <a:t>• National security</a:t>
+              </a:r>
+            </a:p>
+            <a:p>
+              <a:r>
+                <a:rPr lang="en-GB" sz="452" dirty="0">
+                  <a:latin typeface="Helvetica" panose="020B0604020202020204" pitchFamily="34" charset="0"/>
+                  <a:cs typeface="Helvetica" panose="020B0604020202020204" pitchFamily="34" charset="0"/>
+                </a:rPr>
+                <a:t>• Visas and immigration</a:t>
+              </a:r>
+            </a:p>
+            <a:p>
+              <a:endParaRPr lang="en-GB" sz="452" dirty="0">
+                <a:latin typeface="Helvetica" panose="020B0604020202020204" pitchFamily="34" charset="0"/>
+                <a:cs typeface="Helvetica" panose="020B0604020202020204" pitchFamily="34" charset="0"/>
+              </a:endParaRPr>
+            </a:p>
+          </p:txBody>
+        </p:sp>
+        <p:sp>
+          <p:nvSpPr>
+            <p:cNvPr id="119" name="TextBox 118"/>
+            <p:cNvSpPr txBox="1"/>
+            <p:nvPr/>
+          </p:nvSpPr>
+          <p:spPr>
+            <a:xfrm>
+              <a:off x="5145203" y="4760080"/>
+              <a:ext cx="1939546" cy="231474"/>
+            </a:xfrm>
+            <a:prstGeom prst="rect">
+              <a:avLst/>
+            </a:prstGeom>
+            <a:noFill/>
+          </p:spPr>
+          <p:txBody>
+            <a:bodyPr wrap="square" rtlCol="0">
+              <a:spAutoFit/>
+            </a:bodyPr>
+            <a:lstStyle/>
+            <a:p>
+              <a:r>
+                <a:rPr lang="en-GB" sz="452" dirty="0">
+                  <a:latin typeface="Helvetica" panose="020B0604020202020204" pitchFamily="34" charset="0"/>
+                  <a:cs typeface="Helvetica" panose="020B0604020202020204" pitchFamily="34" charset="0"/>
+                </a:rPr>
+                <a:t>• Environment and countryside</a:t>
+              </a:r>
+            </a:p>
+            <a:p>
+              <a:endParaRPr lang="en-GB" sz="452" dirty="0">
+                <a:latin typeface="Helvetica" panose="020B0604020202020204" pitchFamily="34" charset="0"/>
+                <a:cs typeface="Helvetica" panose="020B0604020202020204" pitchFamily="34" charset="0"/>
+              </a:endParaRPr>
+            </a:p>
+          </p:txBody>
+        </p:sp>
+        <p:sp>
+          <p:nvSpPr>
+            <p:cNvPr id="2" name="TextBox 1"/>
+            <p:cNvSpPr txBox="1"/>
+            <p:nvPr/>
+          </p:nvSpPr>
+          <p:spPr>
+            <a:xfrm>
+              <a:off x="3426895" y="4553252"/>
+              <a:ext cx="1600470" cy="259430"/>
+            </a:xfrm>
+            <a:prstGeom prst="rect">
+              <a:avLst/>
+            </a:prstGeom>
+            <a:noFill/>
+          </p:spPr>
+          <p:txBody>
+            <a:bodyPr wrap="square" rtlCol="0">
+              <a:spAutoFit/>
+            </a:bodyPr>
+            <a:lstStyle/>
+            <a:p>
+              <a:pPr algn="ctr"/>
+              <a:r>
+                <a:rPr lang="en-GB" sz="543" b="1" dirty="0">
+                  <a:solidFill>
+                    <a:schemeClr val="tx1">
+                      <a:lumMod val="85000"/>
+                      <a:lumOff val="15000"/>
+                    </a:schemeClr>
+                  </a:solidFill>
+                  <a:latin typeface="Helvetica" panose="020B0604020202020204" pitchFamily="34" charset="0"/>
+                  <a:cs typeface="Helvetica" panose="020B0604020202020204" pitchFamily="34" charset="0"/>
+                </a:rPr>
+                <a:t>Low-automatable priority services suitable</a:t>
+              </a:r>
+            </a:p>
+            <a:p>
+              <a:pPr algn="ctr"/>
+              <a:r>
+                <a:rPr lang="en-GB" sz="543" b="1" dirty="0">
+                  <a:solidFill>
+                    <a:schemeClr val="tx1">
+                      <a:lumMod val="85000"/>
+                      <a:lumOff val="15000"/>
+                    </a:schemeClr>
+                  </a:solidFill>
+                  <a:latin typeface="Helvetica" panose="020B0604020202020204" pitchFamily="34" charset="0"/>
+                  <a:cs typeface="Helvetica" panose="020B0604020202020204" pitchFamily="34" charset="0"/>
+                </a:rPr>
+                <a:t> for AI augmentation (AST &lt;0.75; n=20)</a:t>
+              </a:r>
+            </a:p>
+          </p:txBody>
+        </p:sp>
+        <p:sp>
+          <p:nvSpPr>
+            <p:cNvPr id="44" name="Rectangle 43"/>
+            <p:cNvSpPr/>
+            <p:nvPr/>
+          </p:nvSpPr>
+          <p:spPr>
+            <a:xfrm flipV="1">
+              <a:off x="2514699" y="4647248"/>
+              <a:ext cx="165093" cy="86672"/>
+            </a:xfrm>
+            <a:prstGeom prst="rect">
+              <a:avLst/>
+            </a:prstGeom>
+            <a:solidFill>
+              <a:srgbClr val="5395A7"/>
+            </a:solidFill>
+            <a:ln w="6350">
+              <a:solidFill>
+                <a:schemeClr val="tx1"/>
+              </a:solidFill>
+            </a:ln>
+          </p:spPr>
+          <p:style>
+            <a:lnRef idx="2">
+              <a:schemeClr val="accent1">
+                <a:shade val="50000"/>
+              </a:schemeClr>
+            </a:lnRef>
+            <a:fillRef idx="1">
+              <a:schemeClr val="accent1"/>
+            </a:fillRef>
+            <a:effectRef idx="0">
+              <a:schemeClr val="accent1"/>
+            </a:effectRef>
+            <a:fontRef idx="minor">
+              <a:schemeClr val="lt1"/>
+            </a:fontRef>
+          </p:style>
+          <p:txBody>
+            <a:bodyPr rtlCol="0" anchor="ctr"/>
+            <a:lstStyle/>
+            <a:p>
+              <a:pPr algn="ctr"/>
+              <a:endParaRPr lang="en-GB" sz="543" b="1" dirty="0">
+                <a:solidFill>
+                  <a:schemeClr val="tx1">
+                    <a:lumMod val="85000"/>
+                    <a:lumOff val="15000"/>
+                  </a:schemeClr>
+                </a:solidFill>
+                <a:latin typeface="Helvetica" panose="020B0604020202020204" pitchFamily="34" charset="0"/>
+                <a:cs typeface="Helvetica" panose="020B0604020202020204" pitchFamily="34" charset="0"/>
+              </a:endParaRPr>
+            </a:p>
+          </p:txBody>
+        </p:sp>
+        <p:sp>
+          <p:nvSpPr>
+            <p:cNvPr id="45" name="TextBox 44"/>
+            <p:cNvSpPr txBox="1"/>
+            <p:nvPr/>
+          </p:nvSpPr>
+          <p:spPr>
+            <a:xfrm>
+              <a:off x="2620353" y="4600968"/>
+              <a:ext cx="308098" cy="169277"/>
+            </a:xfrm>
+            <a:prstGeom prst="rect">
+              <a:avLst/>
+            </a:prstGeom>
+            <a:noFill/>
+          </p:spPr>
+          <p:txBody>
+            <a:bodyPr wrap="none" rtlCol="0">
+              <a:spAutoFit/>
+            </a:bodyPr>
+            <a:lstStyle/>
+            <a:p>
+              <a:r>
+                <a:rPr lang="en-GB" sz="500" dirty="0">
+                  <a:latin typeface="Helvetica" panose="020B0604020202020204" pitchFamily="34" charset="0"/>
+                  <a:cs typeface="Helvetica" panose="020B0604020202020204" pitchFamily="34" charset="0"/>
+                </a:rPr>
+                <a:t>n=4</a:t>
+              </a:r>
+              <a:r>
+                <a:rPr lang="en-GB" sz="452" dirty="0">
+                  <a:latin typeface="Helvetica" panose="020B0604020202020204" pitchFamily="34" charset="0"/>
+                  <a:cs typeface="Helvetica" panose="020B0604020202020204" pitchFamily="34" charset="0"/>
+                </a:rPr>
+                <a:t> </a:t>
+              </a:r>
+            </a:p>
+          </p:txBody>
+        </p:sp>
+        <p:sp>
+          <p:nvSpPr>
+            <p:cNvPr id="46" name="Rectangle 45"/>
+            <p:cNvSpPr/>
+            <p:nvPr/>
+          </p:nvSpPr>
+          <p:spPr>
+            <a:xfrm flipV="1">
+              <a:off x="2945908" y="4647248"/>
+              <a:ext cx="165093" cy="86672"/>
+            </a:xfrm>
+            <a:prstGeom prst="rect">
+              <a:avLst/>
+            </a:prstGeom>
+            <a:solidFill>
+              <a:srgbClr val="407280"/>
+            </a:solidFill>
+            <a:ln w="6350">
+              <a:solidFill>
+                <a:schemeClr val="tx1"/>
+              </a:solidFill>
+            </a:ln>
+          </p:spPr>
+          <p:style>
+            <a:lnRef idx="2">
+              <a:schemeClr val="accent1">
+                <a:shade val="50000"/>
+              </a:schemeClr>
+            </a:lnRef>
+            <a:fillRef idx="1">
+              <a:schemeClr val="accent1"/>
+            </a:fillRef>
+            <a:effectRef idx="0">
+              <a:schemeClr val="accent1"/>
+            </a:effectRef>
+            <a:fontRef idx="minor">
+              <a:schemeClr val="lt1"/>
+            </a:fontRef>
+          </p:style>
+          <p:txBody>
+            <a:bodyPr rtlCol="0" anchor="ctr"/>
+            <a:lstStyle/>
+            <a:p>
+              <a:pPr algn="ctr"/>
+              <a:endParaRPr lang="en-GB" sz="543" b="1" dirty="0">
+                <a:solidFill>
+                  <a:schemeClr val="tx1">
+                    <a:lumMod val="85000"/>
+                    <a:lumOff val="15000"/>
+                  </a:schemeClr>
+                </a:solidFill>
+                <a:latin typeface="Helvetica" panose="020B0604020202020204" pitchFamily="34" charset="0"/>
+                <a:cs typeface="Helvetica" panose="020B0604020202020204" pitchFamily="34" charset="0"/>
+              </a:endParaRPr>
+            </a:p>
+          </p:txBody>
+        </p:sp>
+        <p:sp>
+          <p:nvSpPr>
+            <p:cNvPr id="47" name="TextBox 46"/>
+            <p:cNvSpPr txBox="1"/>
+            <p:nvPr/>
+          </p:nvSpPr>
+          <p:spPr>
+            <a:xfrm>
+              <a:off x="3051562" y="4600968"/>
+              <a:ext cx="308098" cy="169277"/>
+            </a:xfrm>
+            <a:prstGeom prst="rect">
+              <a:avLst/>
+            </a:prstGeom>
+            <a:noFill/>
+          </p:spPr>
+          <p:txBody>
+            <a:bodyPr wrap="none" rtlCol="0">
+              <a:spAutoFit/>
+            </a:bodyPr>
+            <a:lstStyle/>
+            <a:p>
+              <a:r>
+                <a:rPr lang="en-GB" sz="500" dirty="0">
+                  <a:latin typeface="Helvetica" panose="020B0604020202020204" pitchFamily="34" charset="0"/>
+                  <a:cs typeface="Helvetica" panose="020B0604020202020204" pitchFamily="34" charset="0"/>
+                </a:rPr>
+                <a:t>n=7</a:t>
+              </a:r>
+              <a:r>
+                <a:rPr lang="en-GB" sz="452" dirty="0">
+                  <a:latin typeface="Helvetica" panose="020B0604020202020204" pitchFamily="34" charset="0"/>
+                  <a:cs typeface="Helvetica" panose="020B0604020202020204" pitchFamily="34" charset="0"/>
+                </a:rPr>
+                <a:t> </a:t>
+              </a:r>
+            </a:p>
+          </p:txBody>
+        </p:sp>
+      </p:grpSp>
+      <p:grpSp>
+        <p:nvGrpSpPr>
+          <p:cNvPr id="9" name="Group 8">
             <a:extLst>
               <a:ext uri="{FF2B5EF4-FFF2-40B4-BE49-F238E27FC236}">
-                <a16:creationId xmlns:a16="http://schemas.microsoft.com/office/drawing/2014/main" id="{48A14326-E42E-B11D-29FB-16036A35C13B}"/>
+                <a16:creationId xmlns:a16="http://schemas.microsoft.com/office/drawing/2014/main" id="{21E10B08-D28B-5340-C524-C13A5F86216B}"/>
               </a:ext>
             </a:extLst>
           </p:cNvPr>
-          <p:cNvSpPr txBox="1"/>
+          <p:cNvGrpSpPr/>
           <p:nvPr/>
-        </p:nvSpPr>
-        <p:spPr>
+        </p:nvGrpSpPr>
+        <p:grpSpPr>
           <a:xfrm>
-            <a:off x="4688660" y="4148637"/>
-            <a:ext cx="1179748" cy="184666"/>
-          </a:xfrm>
-          <a:prstGeom prst="rect">
-            <a:avLst/>
-          </a:prstGeom>
-          <a:noFill/>
-        </p:spPr>
-        <p:txBody>
-          <a:bodyPr wrap="square" rtlCol="0">
-            <a:spAutoFit/>
-          </a:bodyPr>
-          <a:lstStyle/>
-          <a:p>
-            <a:pPr algn="ctr"/>
-            <a:r>
-              <a:rPr lang="en-GB" sz="600" dirty="0">
-                <a:latin typeface="HeiT" panose="020B0502000000000001" pitchFamily="34" charset="-120"/>
+            <a:off x="3201865" y="899262"/>
+            <a:ext cx="2722265" cy="1935602"/>
+            <a:chOff x="3933235" y="2397701"/>
+            <a:chExt cx="2722265" cy="1935602"/>
+          </a:xfrm>
+        </p:grpSpPr>
+        <p:pic>
+          <p:nvPicPr>
+            <p:cNvPr id="5" name="Picture 4">
+              <a:extLst>
+                <a:ext uri="{FF2B5EF4-FFF2-40B4-BE49-F238E27FC236}">
+                  <a16:creationId xmlns:a16="http://schemas.microsoft.com/office/drawing/2014/main" id="{A90DFD8D-B810-9BA1-6AC0-ABC8B857082B}"/>
+                </a:ext>
+              </a:extLst>
+            </p:cNvPr>
+            <p:cNvPicPr>
+              <a:picLocks noChangeAspect="1"/>
+            </p:cNvPicPr>
+            <p:nvPr/>
+          </p:nvPicPr>
+          <p:blipFill>
+            <a:blip r:embed="rId4"/>
+            <a:stretch>
+              <a:fillRect/>
+            </a:stretch>
+          </p:blipFill>
+          <p:spPr>
+            <a:xfrm>
+              <a:off x="4253610" y="2534858"/>
+              <a:ext cx="2077977" cy="1531987"/>
+            </a:xfrm>
+            <a:prstGeom prst="rect">
+              <a:avLst/>
+            </a:prstGeom>
+          </p:spPr>
+        </p:pic>
+        <p:sp>
+          <p:nvSpPr>
+            <p:cNvPr id="7" name="TextBox 6">
+              <a:extLst>
+                <a:ext uri="{FF2B5EF4-FFF2-40B4-BE49-F238E27FC236}">
+                  <a16:creationId xmlns:a16="http://schemas.microsoft.com/office/drawing/2014/main" id="{7552D84B-D8B8-6333-6106-4A60D9E27F17}"/>
+                </a:ext>
+              </a:extLst>
+            </p:cNvPr>
+            <p:cNvSpPr txBox="1"/>
+            <p:nvPr/>
+          </p:nvSpPr>
+          <p:spPr>
+            <a:xfrm>
+              <a:off x="3933235" y="2397701"/>
+              <a:ext cx="268022" cy="232051"/>
+            </a:xfrm>
+            <a:prstGeom prst="rect">
+              <a:avLst/>
+            </a:prstGeom>
+            <a:noFill/>
+          </p:spPr>
+          <p:txBody>
+            <a:bodyPr wrap="none" rtlCol="0">
+              <a:spAutoFit/>
+            </a:bodyPr>
+            <a:lstStyle/>
+            <a:p>
+              <a:r>
+                <a:rPr lang="en-GB" sz="908" b="1" dirty="0">
+                  <a:latin typeface="Helvetica" pitchFamily="2" charset="0"/>
+                </a:rPr>
+                <a:t>B</a:t>
+              </a:r>
+            </a:p>
+          </p:txBody>
+        </p:sp>
+        <p:sp>
+          <p:nvSpPr>
+            <p:cNvPr id="70" name="TextBox 69">
+              <a:extLst>
+                <a:ext uri="{FF2B5EF4-FFF2-40B4-BE49-F238E27FC236}">
+                  <a16:creationId xmlns:a16="http://schemas.microsoft.com/office/drawing/2014/main" id="{48A14326-E42E-B11D-29FB-16036A35C13B}"/>
+                </a:ext>
+              </a:extLst>
+            </p:cNvPr>
+            <p:cNvSpPr txBox="1"/>
+            <p:nvPr/>
+          </p:nvSpPr>
+          <p:spPr>
+            <a:xfrm rot="16200000">
+              <a:off x="3549590" y="3084088"/>
+              <a:ext cx="1179748" cy="307777"/>
+            </a:xfrm>
+            <a:prstGeom prst="rect">
+              <a:avLst/>
+            </a:prstGeom>
+            <a:noFill/>
+          </p:spPr>
+          <p:txBody>
+            <a:bodyPr wrap="square" rtlCol="0">
+              <a:spAutoFit/>
+            </a:bodyPr>
+            <a:lstStyle/>
+            <a:p>
+              <a:pPr algn="ctr"/>
+              <a:r>
+                <a:rPr lang="en-GB" sz="700" dirty="0">
+                  <a:latin typeface="Helvetica" pitchFamily="2" charset="0"/>
+                  <a:ea typeface="HeiT" panose="020B0502000000000001" pitchFamily="34" charset="-120"/>
+                  <a:cs typeface="Helvetica" panose="020B0604020202020204" pitchFamily="34" charset="0"/>
+                </a:rPr>
+                <a:t>% of total transaction volume affected</a:t>
+              </a:r>
+              <a:endParaRPr lang="en-GB" sz="700" baseline="-25000" dirty="0">
+                <a:latin typeface="Helvetica" pitchFamily="2" charset="0"/>
                 <a:ea typeface="HeiT" panose="020B0502000000000001" pitchFamily="34" charset="-120"/>
                 <a:cs typeface="Helvetica" panose="020B0604020202020204" pitchFamily="34" charset="0"/>
-              </a:rPr>
-              <a:t>AST</a:t>
-            </a:r>
-            <a:r>
-              <a:rPr lang="en-GB" sz="600" baseline="-25000" dirty="0">
-                <a:latin typeface="HeiT" panose="020B0502000000000001" pitchFamily="34" charset="-120"/>
+              </a:endParaRPr>
+            </a:p>
+          </p:txBody>
+        </p:sp>
+        <p:sp>
+          <p:nvSpPr>
+            <p:cNvPr id="71" name="TextBox 70">
+              <a:extLst>
+                <a:ext uri="{FF2B5EF4-FFF2-40B4-BE49-F238E27FC236}">
+                  <a16:creationId xmlns:a16="http://schemas.microsoft.com/office/drawing/2014/main" id="{48A14326-E42E-B11D-29FB-16036A35C13B}"/>
+                </a:ext>
+              </a:extLst>
+            </p:cNvPr>
+            <p:cNvSpPr txBox="1"/>
+            <p:nvPr/>
+          </p:nvSpPr>
+          <p:spPr>
+            <a:xfrm>
+              <a:off x="4688660" y="4148637"/>
+              <a:ext cx="1179748" cy="184666"/>
+            </a:xfrm>
+            <a:prstGeom prst="rect">
+              <a:avLst/>
+            </a:prstGeom>
+            <a:noFill/>
+          </p:spPr>
+          <p:txBody>
+            <a:bodyPr wrap="square" rtlCol="0">
+              <a:spAutoFit/>
+            </a:bodyPr>
+            <a:lstStyle/>
+            <a:p>
+              <a:pPr algn="ctr"/>
+              <a:r>
+                <a:rPr lang="en-GB" sz="600" dirty="0">
+                  <a:latin typeface="HeiT" panose="020B0502000000000001" pitchFamily="34" charset="-120"/>
+                  <a:ea typeface="HeiT" panose="020B0502000000000001" pitchFamily="34" charset="-120"/>
+                  <a:cs typeface="Helvetica" panose="020B0604020202020204" pitchFamily="34" charset="0"/>
+                </a:rPr>
+                <a:t>AST</a:t>
+              </a:r>
+              <a:r>
+                <a:rPr lang="en-GB" sz="600" baseline="-25000" dirty="0">
+                  <a:latin typeface="HeiT" panose="020B0502000000000001" pitchFamily="34" charset="-120"/>
+                  <a:ea typeface="HeiT" panose="020B0502000000000001" pitchFamily="34" charset="-120"/>
+                  <a:cs typeface="Helvetica" panose="020B0604020202020204" pitchFamily="34" charset="0"/>
+                </a:rPr>
+                <a:t>k</a:t>
+              </a:r>
+            </a:p>
+          </p:txBody>
+        </p:sp>
+        <p:sp>
+          <p:nvSpPr>
+            <p:cNvPr id="73" name="TextBox 72">
+              <a:extLst>
+                <a:ext uri="{FF2B5EF4-FFF2-40B4-BE49-F238E27FC236}">
+                  <a16:creationId xmlns:a16="http://schemas.microsoft.com/office/drawing/2014/main" id="{48A14326-E42E-B11D-29FB-16036A35C13B}"/>
+                </a:ext>
+              </a:extLst>
+            </p:cNvPr>
+            <p:cNvSpPr txBox="1"/>
+            <p:nvPr/>
+          </p:nvSpPr>
+          <p:spPr>
+            <a:xfrm>
+              <a:off x="3988697" y="3651946"/>
+              <a:ext cx="1179748" cy="161583"/>
+            </a:xfrm>
+            <a:prstGeom prst="rect">
+              <a:avLst/>
+            </a:prstGeom>
+            <a:noFill/>
+          </p:spPr>
+          <p:txBody>
+            <a:bodyPr wrap="square" rtlCol="0">
+              <a:spAutoFit/>
+            </a:bodyPr>
+            <a:lstStyle/>
+            <a:p>
+              <a:pPr algn="ctr"/>
+              <a:r>
+                <a:rPr lang="en-GB" sz="450" dirty="0">
+                  <a:latin typeface="Helvetica" panose="020B0604020202020204" pitchFamily="34" charset="0"/>
+                  <a:ea typeface="HeiT" panose="020B0502000000000001" pitchFamily="34" charset="-120"/>
+                  <a:cs typeface="Helvetica" panose="020B0604020202020204" pitchFamily="34" charset="0"/>
+                </a:rPr>
+                <a:t>n=8</a:t>
+              </a:r>
+              <a:endParaRPr lang="en-GB" sz="450" baseline="-25000" dirty="0">
+                <a:latin typeface="Helvetica" panose="020B0604020202020204" pitchFamily="34" charset="0"/>
                 <a:ea typeface="HeiT" panose="020B0502000000000001" pitchFamily="34" charset="-120"/>
                 <a:cs typeface="Helvetica" panose="020B0604020202020204" pitchFamily="34" charset="0"/>
-              </a:rPr>
-              <a:t>k</a:t>
-            </a:r>
-          </a:p>
-        </p:txBody>
-      </p:sp>
-      <p:sp>
-        <p:nvSpPr>
-          <p:cNvPr id="73" name="TextBox 72">
+              </a:endParaRPr>
+            </a:p>
+          </p:txBody>
+        </p:sp>
+        <p:sp>
+          <p:nvSpPr>
+            <p:cNvPr id="74" name="TextBox 73">
+              <a:extLst>
+                <a:ext uri="{FF2B5EF4-FFF2-40B4-BE49-F238E27FC236}">
+                  <a16:creationId xmlns:a16="http://schemas.microsoft.com/office/drawing/2014/main" id="{48A14326-E42E-B11D-29FB-16036A35C13B}"/>
+                </a:ext>
+              </a:extLst>
+            </p:cNvPr>
+            <p:cNvSpPr txBox="1"/>
+            <p:nvPr/>
+          </p:nvSpPr>
+          <p:spPr>
+            <a:xfrm>
+              <a:off x="4364739" y="3718630"/>
+              <a:ext cx="1179748" cy="161583"/>
+            </a:xfrm>
+            <a:prstGeom prst="rect">
+              <a:avLst/>
+            </a:prstGeom>
+            <a:noFill/>
+          </p:spPr>
+          <p:txBody>
+            <a:bodyPr wrap="square" rtlCol="0">
+              <a:spAutoFit/>
+            </a:bodyPr>
+            <a:lstStyle/>
+            <a:p>
+              <a:pPr algn="ctr"/>
+              <a:r>
+                <a:rPr lang="en-GB" sz="450" dirty="0">
+                  <a:latin typeface="Helvetica" panose="020B0604020202020204" pitchFamily="34" charset="0"/>
+                  <a:ea typeface="HeiT" panose="020B0502000000000001" pitchFamily="34" charset="-120"/>
+                  <a:cs typeface="Helvetica" panose="020B0604020202020204" pitchFamily="34" charset="0"/>
+                </a:rPr>
+                <a:t>n=30</a:t>
+              </a:r>
+              <a:endParaRPr lang="en-GB" sz="450" baseline="-25000" dirty="0">
+                <a:latin typeface="Helvetica" panose="020B0604020202020204" pitchFamily="34" charset="0"/>
+                <a:ea typeface="HeiT" panose="020B0502000000000001" pitchFamily="34" charset="-120"/>
+                <a:cs typeface="Helvetica" panose="020B0604020202020204" pitchFamily="34" charset="0"/>
+              </a:endParaRPr>
+            </a:p>
+          </p:txBody>
+        </p:sp>
+        <p:sp>
+          <p:nvSpPr>
+            <p:cNvPr id="76" name="TextBox 75">
+              <a:extLst>
+                <a:ext uri="{FF2B5EF4-FFF2-40B4-BE49-F238E27FC236}">
+                  <a16:creationId xmlns:a16="http://schemas.microsoft.com/office/drawing/2014/main" id="{48A14326-E42E-B11D-29FB-16036A35C13B}"/>
+                </a:ext>
+              </a:extLst>
+            </p:cNvPr>
+            <p:cNvSpPr txBox="1"/>
+            <p:nvPr/>
+          </p:nvSpPr>
+          <p:spPr>
+            <a:xfrm>
+              <a:off x="4718797" y="3777066"/>
+              <a:ext cx="1179748" cy="161583"/>
+            </a:xfrm>
+            <a:prstGeom prst="rect">
+              <a:avLst/>
+            </a:prstGeom>
+            <a:noFill/>
+          </p:spPr>
+          <p:txBody>
+            <a:bodyPr wrap="square" rtlCol="0">
+              <a:spAutoFit/>
+            </a:bodyPr>
+            <a:lstStyle/>
+            <a:p>
+              <a:pPr algn="ctr"/>
+              <a:r>
+                <a:rPr lang="en-GB" sz="450" dirty="0">
+                  <a:latin typeface="Helvetica" panose="020B0604020202020204" pitchFamily="34" charset="0"/>
+                  <a:ea typeface="HeiT" panose="020B0502000000000001" pitchFamily="34" charset="-120"/>
+                  <a:cs typeface="Helvetica" panose="020B0604020202020204" pitchFamily="34" charset="0"/>
+                </a:rPr>
+                <a:t>n=47</a:t>
+              </a:r>
+              <a:endParaRPr lang="en-GB" sz="450" baseline="-25000" dirty="0">
+                <a:latin typeface="Helvetica" panose="020B0604020202020204" pitchFamily="34" charset="0"/>
+                <a:ea typeface="HeiT" panose="020B0502000000000001" pitchFamily="34" charset="-120"/>
+                <a:cs typeface="Helvetica" panose="020B0604020202020204" pitchFamily="34" charset="0"/>
+              </a:endParaRPr>
+            </a:p>
+          </p:txBody>
+        </p:sp>
+        <p:sp>
+          <p:nvSpPr>
+            <p:cNvPr id="77" name="TextBox 76">
+              <a:extLst>
+                <a:ext uri="{FF2B5EF4-FFF2-40B4-BE49-F238E27FC236}">
+                  <a16:creationId xmlns:a16="http://schemas.microsoft.com/office/drawing/2014/main" id="{48A14326-E42E-B11D-29FB-16036A35C13B}"/>
+                </a:ext>
+              </a:extLst>
+            </p:cNvPr>
+            <p:cNvSpPr txBox="1"/>
+            <p:nvPr/>
+          </p:nvSpPr>
+          <p:spPr>
+            <a:xfrm>
+              <a:off x="5106695" y="3584166"/>
+              <a:ext cx="1179748" cy="161583"/>
+            </a:xfrm>
+            <a:prstGeom prst="rect">
+              <a:avLst/>
+            </a:prstGeom>
+            <a:noFill/>
+          </p:spPr>
+          <p:txBody>
+            <a:bodyPr wrap="square" rtlCol="0">
+              <a:spAutoFit/>
+            </a:bodyPr>
+            <a:lstStyle/>
+            <a:p>
+              <a:pPr algn="ctr"/>
+              <a:r>
+                <a:rPr lang="en-GB" sz="450" dirty="0">
+                  <a:latin typeface="Helvetica" panose="020B0604020202020204" pitchFamily="34" charset="0"/>
+                  <a:ea typeface="HeiT" panose="020B0502000000000001" pitchFamily="34" charset="-120"/>
+                  <a:cs typeface="Helvetica" panose="020B0604020202020204" pitchFamily="34" charset="0"/>
+                </a:rPr>
+                <a:t>n=39</a:t>
+              </a:r>
+              <a:endParaRPr lang="en-GB" sz="450" baseline="-25000" dirty="0">
+                <a:latin typeface="Helvetica" panose="020B0604020202020204" pitchFamily="34" charset="0"/>
+                <a:ea typeface="HeiT" panose="020B0502000000000001" pitchFamily="34" charset="-120"/>
+                <a:cs typeface="Helvetica" panose="020B0604020202020204" pitchFamily="34" charset="0"/>
+              </a:endParaRPr>
+            </a:p>
+          </p:txBody>
+        </p:sp>
+        <p:sp>
+          <p:nvSpPr>
+            <p:cNvPr id="78" name="TextBox 77">
+              <a:extLst>
+                <a:ext uri="{FF2B5EF4-FFF2-40B4-BE49-F238E27FC236}">
+                  <a16:creationId xmlns:a16="http://schemas.microsoft.com/office/drawing/2014/main" id="{48A14326-E42E-B11D-29FB-16036A35C13B}"/>
+                </a:ext>
+              </a:extLst>
+            </p:cNvPr>
+            <p:cNvSpPr txBox="1"/>
+            <p:nvPr/>
+          </p:nvSpPr>
+          <p:spPr>
+            <a:xfrm>
+              <a:off x="5475752" y="2482113"/>
+              <a:ext cx="1179748" cy="161583"/>
+            </a:xfrm>
+            <a:prstGeom prst="rect">
+              <a:avLst/>
+            </a:prstGeom>
+            <a:noFill/>
+          </p:spPr>
+          <p:txBody>
+            <a:bodyPr wrap="square" rtlCol="0">
+              <a:spAutoFit/>
+            </a:bodyPr>
+            <a:lstStyle/>
+            <a:p>
+              <a:pPr algn="ctr"/>
+              <a:r>
+                <a:rPr lang="en-GB" sz="450" dirty="0">
+                  <a:latin typeface="Helvetica" panose="020B0604020202020204" pitchFamily="34" charset="0"/>
+                  <a:ea typeface="HeiT" panose="020B0502000000000001" pitchFamily="34" charset="-120"/>
+                  <a:cs typeface="Helvetica" panose="020B0604020202020204" pitchFamily="34" charset="0"/>
+                </a:rPr>
+                <a:t>n=70</a:t>
+              </a:r>
+              <a:endParaRPr lang="en-GB" sz="450" baseline="-25000" dirty="0">
+                <a:latin typeface="Helvetica" panose="020B0604020202020204" pitchFamily="34" charset="0"/>
+                <a:ea typeface="HeiT" panose="020B0502000000000001" pitchFamily="34" charset="-120"/>
+                <a:cs typeface="Helvetica" panose="020B0604020202020204" pitchFamily="34" charset="0"/>
+              </a:endParaRPr>
+            </a:p>
+          </p:txBody>
+        </p:sp>
+        <p:sp>
+          <p:nvSpPr>
+            <p:cNvPr id="43" name="Rectangle 42"/>
+            <p:cNvSpPr/>
+            <p:nvPr/>
+          </p:nvSpPr>
+          <p:spPr>
+            <a:xfrm flipV="1">
+              <a:off x="4457150" y="2693416"/>
+              <a:ext cx="190447" cy="53546"/>
+            </a:xfrm>
+            <a:prstGeom prst="rect">
+              <a:avLst/>
+            </a:prstGeom>
+            <a:solidFill>
+              <a:srgbClr val="414287"/>
+            </a:solidFill>
+            <a:ln w="6350">
+              <a:solidFill>
+                <a:schemeClr val="tx1"/>
+              </a:solidFill>
+            </a:ln>
+          </p:spPr>
+          <p:style>
+            <a:lnRef idx="2">
+              <a:schemeClr val="accent1">
+                <a:shade val="50000"/>
+              </a:schemeClr>
+            </a:lnRef>
+            <a:fillRef idx="1">
+              <a:schemeClr val="accent1"/>
+            </a:fillRef>
+            <a:effectRef idx="0">
+              <a:schemeClr val="accent1"/>
+            </a:effectRef>
+            <a:fontRef idx="minor">
+              <a:schemeClr val="lt1"/>
+            </a:fontRef>
+          </p:style>
+          <p:txBody>
+            <a:bodyPr rtlCol="0" anchor="ctr"/>
+            <a:lstStyle/>
+            <a:p>
+              <a:pPr algn="ctr"/>
+              <a:endParaRPr lang="en-GB" sz="543" b="1" dirty="0">
+                <a:solidFill>
+                  <a:schemeClr val="tx1">
+                    <a:lumMod val="85000"/>
+                    <a:lumOff val="15000"/>
+                  </a:schemeClr>
+                </a:solidFill>
+                <a:latin typeface="Helvetica" panose="020B0604020202020204" pitchFamily="34" charset="0"/>
+                <a:cs typeface="Helvetica" panose="020B0604020202020204" pitchFamily="34" charset="0"/>
+              </a:endParaRPr>
+            </a:p>
+          </p:txBody>
+        </p:sp>
+        <p:sp>
+          <p:nvSpPr>
+            <p:cNvPr id="48" name="Rectangle 47"/>
+            <p:cNvSpPr/>
+            <p:nvPr/>
+          </p:nvSpPr>
+          <p:spPr>
+            <a:xfrm flipV="1">
+              <a:off x="4457150" y="2802177"/>
+              <a:ext cx="190447" cy="53546"/>
+            </a:xfrm>
+            <a:prstGeom prst="rect">
+              <a:avLst/>
+            </a:prstGeom>
+            <a:solidFill>
+              <a:srgbClr val="FDE725"/>
+            </a:solidFill>
+            <a:ln w="6350">
+              <a:solidFill>
+                <a:schemeClr val="tx1"/>
+              </a:solidFill>
+            </a:ln>
+          </p:spPr>
+          <p:style>
+            <a:lnRef idx="2">
+              <a:schemeClr val="accent1">
+                <a:shade val="50000"/>
+              </a:schemeClr>
+            </a:lnRef>
+            <a:fillRef idx="1">
+              <a:schemeClr val="accent1"/>
+            </a:fillRef>
+            <a:effectRef idx="0">
+              <a:schemeClr val="accent1"/>
+            </a:effectRef>
+            <a:fontRef idx="minor">
+              <a:schemeClr val="lt1"/>
+            </a:fontRef>
+          </p:style>
+          <p:txBody>
+            <a:bodyPr rtlCol="0" anchor="ctr"/>
+            <a:lstStyle/>
+            <a:p>
+              <a:pPr algn="ctr"/>
+              <a:endParaRPr lang="en-GB" sz="543" b="1" dirty="0">
+                <a:solidFill>
+                  <a:schemeClr val="tx1">
+                    <a:lumMod val="85000"/>
+                    <a:lumOff val="15000"/>
+                  </a:schemeClr>
+                </a:solidFill>
+                <a:latin typeface="Helvetica" panose="020B0604020202020204" pitchFamily="34" charset="0"/>
+                <a:cs typeface="Helvetica" panose="020B0604020202020204" pitchFamily="34" charset="0"/>
+              </a:endParaRPr>
+            </a:p>
+          </p:txBody>
+        </p:sp>
+        <p:sp>
+          <p:nvSpPr>
+            <p:cNvPr id="49" name="TextBox 48"/>
+            <p:cNvSpPr txBox="1"/>
+            <p:nvPr/>
+          </p:nvSpPr>
+          <p:spPr>
+            <a:xfrm>
+              <a:off x="4617265" y="2637277"/>
+              <a:ext cx="1112805" cy="169277"/>
+            </a:xfrm>
+            <a:prstGeom prst="rect">
+              <a:avLst/>
+            </a:prstGeom>
+            <a:noFill/>
+          </p:spPr>
+          <p:txBody>
+            <a:bodyPr wrap="none" rtlCol="0">
+              <a:spAutoFit/>
+            </a:bodyPr>
+            <a:lstStyle/>
+            <a:p>
+              <a:r>
+                <a:rPr lang="en-GB" sz="500" dirty="0">
+                  <a:latin typeface="Helvetica" panose="020B0604020202020204" pitchFamily="34" charset="0"/>
+                  <a:cs typeface="Helvetica" panose="020B0604020202020204" pitchFamily="34" charset="0"/>
+                </a:rPr>
+                <a:t>Decision-based services (n=201)</a:t>
+              </a:r>
+              <a:endParaRPr lang="en-GB" sz="452" dirty="0">
+                <a:latin typeface="Helvetica" panose="020B0604020202020204" pitchFamily="34" charset="0"/>
+                <a:cs typeface="Helvetica" panose="020B0604020202020204" pitchFamily="34" charset="0"/>
+              </a:endParaRPr>
+            </a:p>
+          </p:txBody>
+        </p:sp>
+        <p:sp>
+          <p:nvSpPr>
+            <p:cNvPr id="50" name="TextBox 49"/>
+            <p:cNvSpPr txBox="1"/>
+            <p:nvPr/>
+          </p:nvSpPr>
+          <p:spPr>
+            <a:xfrm>
+              <a:off x="4617265" y="2749851"/>
+              <a:ext cx="745717" cy="169277"/>
+            </a:xfrm>
+            <a:prstGeom prst="rect">
+              <a:avLst/>
+            </a:prstGeom>
+            <a:noFill/>
+          </p:spPr>
+          <p:txBody>
+            <a:bodyPr wrap="none" rtlCol="0">
+              <a:spAutoFit/>
+            </a:bodyPr>
+            <a:lstStyle/>
+            <a:p>
+              <a:r>
+                <a:rPr lang="en-GB" sz="500" dirty="0">
+                  <a:latin typeface="Helvetica" panose="020B0604020202020204" pitchFamily="34" charset="0"/>
+                  <a:cs typeface="Helvetica" panose="020B0604020202020204" pitchFamily="34" charset="0"/>
+                </a:rPr>
+                <a:t>All services (n=377)</a:t>
+              </a:r>
+              <a:endParaRPr lang="en-GB" sz="452" dirty="0">
+                <a:latin typeface="Helvetica" panose="020B0604020202020204" pitchFamily="34" charset="0"/>
+                <a:cs typeface="Helvetica" panose="020B0604020202020204" pitchFamily="34" charset="0"/>
+              </a:endParaRPr>
+            </a:p>
+          </p:txBody>
+        </p:sp>
+      </p:grpSp>
+      <p:cxnSp>
+        <p:nvCxnSpPr>
+          <p:cNvPr id="3" name="Straight Connector 2">
             <a:extLst>
               <a:ext uri="{FF2B5EF4-FFF2-40B4-BE49-F238E27FC236}">
-                <a16:creationId xmlns:a16="http://schemas.microsoft.com/office/drawing/2014/main" id="{48A14326-E42E-B11D-29FB-16036A35C13B}"/>
+                <a16:creationId xmlns:a16="http://schemas.microsoft.com/office/drawing/2014/main" id="{BD3ADDD3-F846-8025-2534-52352E4C3849}"/>
               </a:ext>
             </a:extLst>
           </p:cNvPr>
-          <p:cNvSpPr txBox="1"/>
+          <p:cNvCxnSpPr>
+            <a:cxnSpLocks/>
+          </p:cNvCxnSpPr>
           <p:nvPr/>
-        </p:nvSpPr>
-        <p:spPr>
-          <a:xfrm>
-            <a:off x="3988697" y="3651946"/>
-            <a:ext cx="1179748" cy="161583"/>
-          </a:xfrm>
-          <a:prstGeom prst="rect">
+        </p:nvCxnSpPr>
+        <p:spPr>
+          <a:xfrm flipH="1" flipV="1">
+            <a:off x="4573063" y="1513444"/>
+            <a:ext cx="4238" cy="804257"/>
+          </a:xfrm>
+          <a:prstGeom prst="line">
             <a:avLst/>
           </a:prstGeom>
-          <a:noFill/>
-        </p:spPr>
-        <p:txBody>
-          <a:bodyPr wrap="square" rtlCol="0">
-            <a:spAutoFit/>
-          </a:bodyPr>
-          <a:lstStyle/>
-          <a:p>
-            <a:pPr algn="ctr"/>
-            <a:r>
-              <a:rPr lang="en-GB" sz="450" dirty="0">
-                <a:latin typeface="Helvetica" panose="020B0604020202020204" pitchFamily="34" charset="0"/>
-                <a:ea typeface="HeiT" panose="020B0502000000000001" pitchFamily="34" charset="-120"/>
-                <a:cs typeface="Helvetica" panose="020B0604020202020204" pitchFamily="34" charset="0"/>
-              </a:rPr>
-              <a:t>n=8</a:t>
-            </a:r>
-            <a:endParaRPr lang="en-GB" sz="450" baseline="-25000" dirty="0">
-              <a:latin typeface="Helvetica" panose="020B0604020202020204" pitchFamily="34" charset="0"/>
-              <a:ea typeface="HeiT" panose="020B0502000000000001" pitchFamily="34" charset="-120"/>
-              <a:cs typeface="Helvetica" panose="020B0604020202020204" pitchFamily="34" charset="0"/>
-            </a:endParaRPr>
-          </a:p>
-        </p:txBody>
-      </p:sp>
-      <p:sp>
-        <p:nvSpPr>
-          <p:cNvPr id="74" name="TextBox 73">
-            <a:extLst>
-              <a:ext uri="{FF2B5EF4-FFF2-40B4-BE49-F238E27FC236}">
-                <a16:creationId xmlns:a16="http://schemas.microsoft.com/office/drawing/2014/main" id="{48A14326-E42E-B11D-29FB-16036A35C13B}"/>
-              </a:ext>
-            </a:extLst>
-          </p:cNvPr>
-          <p:cNvSpPr txBox="1"/>
-          <p:nvPr/>
-        </p:nvSpPr>
-        <p:spPr>
-          <a:xfrm>
-            <a:off x="4364739" y="3718630"/>
-            <a:ext cx="1179748" cy="161583"/>
-          </a:xfrm>
-          <a:prstGeom prst="rect">
-            <a:avLst/>
-          </a:prstGeom>
-          <a:noFill/>
-        </p:spPr>
-        <p:txBody>
-          <a:bodyPr wrap="square" rtlCol="0">
-            <a:spAutoFit/>
-          </a:bodyPr>
-          <a:lstStyle/>
-          <a:p>
-            <a:pPr algn="ctr"/>
-            <a:r>
-              <a:rPr lang="en-GB" sz="450" dirty="0">
-                <a:latin typeface="Helvetica" panose="020B0604020202020204" pitchFamily="34" charset="0"/>
-                <a:ea typeface="HeiT" panose="020B0502000000000001" pitchFamily="34" charset="-120"/>
-                <a:cs typeface="Helvetica" panose="020B0604020202020204" pitchFamily="34" charset="0"/>
-              </a:rPr>
-              <a:t>n=30</a:t>
-            </a:r>
-            <a:endParaRPr lang="en-GB" sz="450" baseline="-25000" dirty="0">
-              <a:latin typeface="Helvetica" panose="020B0604020202020204" pitchFamily="34" charset="0"/>
-              <a:ea typeface="HeiT" panose="020B0502000000000001" pitchFamily="34" charset="-120"/>
-              <a:cs typeface="Helvetica" panose="020B0604020202020204" pitchFamily="34" charset="0"/>
-            </a:endParaRPr>
-          </a:p>
-        </p:txBody>
-      </p:sp>
-      <p:sp>
-        <p:nvSpPr>
-          <p:cNvPr id="76" name="TextBox 75">
-            <a:extLst>
-              <a:ext uri="{FF2B5EF4-FFF2-40B4-BE49-F238E27FC236}">
-                <a16:creationId xmlns:a16="http://schemas.microsoft.com/office/drawing/2014/main" id="{48A14326-E42E-B11D-29FB-16036A35C13B}"/>
-              </a:ext>
-            </a:extLst>
-          </p:cNvPr>
-          <p:cNvSpPr txBox="1"/>
-          <p:nvPr/>
-        </p:nvSpPr>
-        <p:spPr>
-          <a:xfrm>
-            <a:off x="4718797" y="3777066"/>
-            <a:ext cx="1179748" cy="161583"/>
-          </a:xfrm>
-          <a:prstGeom prst="rect">
-            <a:avLst/>
-          </a:prstGeom>
-          <a:noFill/>
-        </p:spPr>
-        <p:txBody>
-          <a:bodyPr wrap="square" rtlCol="0">
-            <a:spAutoFit/>
-          </a:bodyPr>
-          <a:lstStyle/>
-          <a:p>
-            <a:pPr algn="ctr"/>
-            <a:r>
-              <a:rPr lang="en-GB" sz="450" dirty="0">
-                <a:latin typeface="Helvetica" panose="020B0604020202020204" pitchFamily="34" charset="0"/>
-                <a:ea typeface="HeiT" panose="020B0502000000000001" pitchFamily="34" charset="-120"/>
-                <a:cs typeface="Helvetica" panose="020B0604020202020204" pitchFamily="34" charset="0"/>
-              </a:rPr>
-              <a:t>n=47</a:t>
-            </a:r>
-            <a:endParaRPr lang="en-GB" sz="450" baseline="-25000" dirty="0">
-              <a:latin typeface="Helvetica" panose="020B0604020202020204" pitchFamily="34" charset="0"/>
-              <a:ea typeface="HeiT" panose="020B0502000000000001" pitchFamily="34" charset="-120"/>
-              <a:cs typeface="Helvetica" panose="020B0604020202020204" pitchFamily="34" charset="0"/>
-            </a:endParaRPr>
-          </a:p>
-        </p:txBody>
-      </p:sp>
-      <p:sp>
-        <p:nvSpPr>
-          <p:cNvPr id="77" name="TextBox 76">
-            <a:extLst>
-              <a:ext uri="{FF2B5EF4-FFF2-40B4-BE49-F238E27FC236}">
-                <a16:creationId xmlns:a16="http://schemas.microsoft.com/office/drawing/2014/main" id="{48A14326-E42E-B11D-29FB-16036A35C13B}"/>
-              </a:ext>
-            </a:extLst>
-          </p:cNvPr>
-          <p:cNvSpPr txBox="1"/>
-          <p:nvPr/>
-        </p:nvSpPr>
-        <p:spPr>
-          <a:xfrm>
-            <a:off x="5106695" y="3584166"/>
-            <a:ext cx="1179748" cy="161583"/>
-          </a:xfrm>
-          <a:prstGeom prst="rect">
-            <a:avLst/>
-          </a:prstGeom>
-          <a:noFill/>
-        </p:spPr>
-        <p:txBody>
-          <a:bodyPr wrap="square" rtlCol="0">
-            <a:spAutoFit/>
-          </a:bodyPr>
-          <a:lstStyle/>
-          <a:p>
-            <a:pPr algn="ctr"/>
-            <a:r>
-              <a:rPr lang="en-GB" sz="450" dirty="0">
-                <a:latin typeface="Helvetica" panose="020B0604020202020204" pitchFamily="34" charset="0"/>
-                <a:ea typeface="HeiT" panose="020B0502000000000001" pitchFamily="34" charset="-120"/>
-                <a:cs typeface="Helvetica" panose="020B0604020202020204" pitchFamily="34" charset="0"/>
-              </a:rPr>
-              <a:t>n=39</a:t>
-            </a:r>
-            <a:endParaRPr lang="en-GB" sz="450" baseline="-25000" dirty="0">
-              <a:latin typeface="Helvetica" panose="020B0604020202020204" pitchFamily="34" charset="0"/>
-              <a:ea typeface="HeiT" panose="020B0502000000000001" pitchFamily="34" charset="-120"/>
-              <a:cs typeface="Helvetica" panose="020B0604020202020204" pitchFamily="34" charset="0"/>
-            </a:endParaRPr>
-          </a:p>
-        </p:txBody>
-      </p:sp>
-      <p:sp>
-        <p:nvSpPr>
-          <p:cNvPr id="78" name="TextBox 77">
-            <a:extLst>
-              <a:ext uri="{FF2B5EF4-FFF2-40B4-BE49-F238E27FC236}">
-                <a16:creationId xmlns:a16="http://schemas.microsoft.com/office/drawing/2014/main" id="{48A14326-E42E-B11D-29FB-16036A35C13B}"/>
-              </a:ext>
-            </a:extLst>
-          </p:cNvPr>
-          <p:cNvSpPr txBox="1"/>
-          <p:nvPr/>
-        </p:nvSpPr>
-        <p:spPr>
-          <a:xfrm>
-            <a:off x="5475752" y="2482113"/>
-            <a:ext cx="1179748" cy="161583"/>
-          </a:xfrm>
-          <a:prstGeom prst="rect">
-            <a:avLst/>
-          </a:prstGeom>
-          <a:noFill/>
-        </p:spPr>
-        <p:txBody>
-          <a:bodyPr wrap="square" rtlCol="0">
-            <a:spAutoFit/>
-          </a:bodyPr>
-          <a:lstStyle/>
-          <a:p>
-            <a:pPr algn="ctr"/>
-            <a:r>
-              <a:rPr lang="en-GB" sz="450" dirty="0">
-                <a:latin typeface="Helvetica" panose="020B0604020202020204" pitchFamily="34" charset="0"/>
-                <a:ea typeface="HeiT" panose="020B0502000000000001" pitchFamily="34" charset="-120"/>
-                <a:cs typeface="Helvetica" panose="020B0604020202020204" pitchFamily="34" charset="0"/>
-              </a:rPr>
-              <a:t>n=70</a:t>
-            </a:r>
-            <a:endParaRPr lang="en-GB" sz="450" baseline="-25000" dirty="0">
-              <a:latin typeface="Helvetica" panose="020B0604020202020204" pitchFamily="34" charset="0"/>
-              <a:ea typeface="HeiT" panose="020B0502000000000001" pitchFamily="34" charset="-120"/>
-              <a:cs typeface="Helvetica" panose="020B0604020202020204" pitchFamily="34" charset="0"/>
-            </a:endParaRPr>
-          </a:p>
-        </p:txBody>
-      </p:sp>
-      <p:sp>
-        <p:nvSpPr>
-          <p:cNvPr id="44" name="Rectangle 43"/>
-          <p:cNvSpPr/>
-          <p:nvPr/>
-        </p:nvSpPr>
-        <p:spPr>
-          <a:xfrm flipV="1">
-            <a:off x="2514699" y="4647248"/>
-            <a:ext cx="165093" cy="86672"/>
-          </a:xfrm>
-          <a:prstGeom prst="rect">
-            <a:avLst/>
-          </a:prstGeom>
-          <a:solidFill>
-            <a:srgbClr val="5395A7"/>
-          </a:solidFill>
           <a:ln w="6350">
             <a:solidFill>
               <a:schemeClr val="tx1"/>
             </a:solidFill>
+            <a:prstDash val="lgDash"/>
           </a:ln>
         </p:spPr>
         <p:style>
-          <a:lnRef idx="2">
-            <a:schemeClr val="accent1">
-              <a:shade val="50000"/>
-            </a:schemeClr>
+          <a:lnRef idx="1">
+            <a:schemeClr val="accent1"/>
           </a:lnRef>
-          <a:fillRef idx="1">
+          <a:fillRef idx="0">
             <a:schemeClr val="accent1"/>
           </a:fillRef>
           <a:effectRef idx="0">
             <a:schemeClr val="accent1"/>
           </a:effectRef>
           <a:fontRef idx="minor">
-            <a:schemeClr val="lt1"/>
+            <a:schemeClr val="tx1"/>
           </a:fontRef>
         </p:style>
-        <p:txBody>
-          <a:bodyPr rtlCol="0" anchor="ctr"/>
-          <a:lstStyle/>
-          <a:p>
-            <a:pPr algn="ctr"/>
-            <a:endParaRPr lang="en-GB" sz="543" b="1" dirty="0">
-              <a:solidFill>
-                <a:schemeClr val="tx1">
-                  <a:lumMod val="85000"/>
-                  <a:lumOff val="15000"/>
-                </a:schemeClr>
-              </a:solidFill>
-              <a:latin typeface="Helvetica" panose="020B0604020202020204" pitchFamily="34" charset="0"/>
-              <a:cs typeface="Helvetica" panose="020B0604020202020204" pitchFamily="34" charset="0"/>
-            </a:endParaRPr>
-          </a:p>
-        </p:txBody>
-      </p:sp>
-      <p:sp>
-        <p:nvSpPr>
-          <p:cNvPr id="45" name="TextBox 44"/>
+      </p:cxnSp>
+      <p:sp>
+        <p:nvSpPr>
+          <p:cNvPr id="13" name="TextBox 12">
+            <a:extLst>
+              <a:ext uri="{FF2B5EF4-FFF2-40B4-BE49-F238E27FC236}">
+                <a16:creationId xmlns:a16="http://schemas.microsoft.com/office/drawing/2014/main" id="{BC5F7D55-2C43-C176-1CB5-DC482901B310}"/>
+              </a:ext>
+            </a:extLst>
+          </p:cNvPr>
           <p:cNvSpPr txBox="1"/>
           <p:nvPr/>
         </p:nvSpPr>
         <p:spPr>
           <a:xfrm>
-            <a:off x="2620353" y="4600968"/>
-            <a:ext cx="308098" cy="169277"/>
+            <a:off x="4297727" y="831872"/>
+            <a:ext cx="1578071" cy="169277"/>
           </a:xfrm>
           <a:prstGeom prst="rect">
             <a:avLst/>
@@ -14314,65 +14660,63 @@
           <a:noFill/>
         </p:spPr>
         <p:txBody>
-          <a:bodyPr wrap="none" rtlCol="0">
+          <a:bodyPr wrap="square" rtlCol="0">
             <a:spAutoFit/>
           </a:bodyPr>
           <a:lstStyle/>
           <a:p>
+            <a:pPr algn="ctr"/>
             <a:r>
               <a:rPr lang="en-GB" sz="500" dirty="0">
                 <a:latin typeface="Helvetica" panose="020B0604020202020204" pitchFamily="34" charset="0"/>
                 <a:cs typeface="Helvetica" panose="020B0604020202020204" pitchFamily="34" charset="0"/>
               </a:rPr>
-              <a:t>n=4</a:t>
-            </a:r>
-            <a:r>
-              <a:rPr lang="en-GB" sz="452" dirty="0">
-                <a:latin typeface="Helvetica" panose="020B0604020202020204" pitchFamily="34" charset="0"/>
-                <a:cs typeface="Helvetica" panose="020B0604020202020204" pitchFamily="34" charset="0"/>
-              </a:rPr>
-              <a:t> </a:t>
-            </a:r>
-          </a:p>
-        </p:txBody>
-      </p:sp>
-      <p:sp>
-        <p:nvSpPr>
-          <p:cNvPr id="46" name="Rectangle 45"/>
+              <a:t>Share of routine tasks ≥ 75%</a:t>
+            </a:r>
+          </a:p>
+        </p:txBody>
+      </p:sp>
+      <p:sp>
+        <p:nvSpPr>
+          <p:cNvPr id="14" name="Left Brace 13">
+            <a:extLst>
+              <a:ext uri="{FF2B5EF4-FFF2-40B4-BE49-F238E27FC236}">
+                <a16:creationId xmlns:a16="http://schemas.microsoft.com/office/drawing/2014/main" id="{427820AA-926D-AD74-F37F-79CA70CB2FCD}"/>
+              </a:ext>
+            </a:extLst>
+          </p:cNvPr>
           <p:cNvSpPr/>
           <p:nvPr/>
         </p:nvSpPr>
         <p:spPr>
-          <a:xfrm flipV="1">
-            <a:off x="2945908" y="4647248"/>
-            <a:ext cx="165093" cy="86672"/>
-          </a:xfrm>
-          <a:prstGeom prst="rect">
-            <a:avLst/>
+          <a:xfrm rot="16200000">
+            <a:off x="5005739" y="2133483"/>
+            <a:ext cx="47754" cy="904629"/>
+          </a:xfrm>
+          <a:prstGeom prst="leftBrace">
+            <a:avLst>
+              <a:gd name="adj1" fmla="val 0"/>
+              <a:gd name="adj2" fmla="val 50911"/>
+            </a:avLst>
           </a:prstGeom>
-          <a:solidFill>
-            <a:srgbClr val="407280"/>
-          </a:solidFill>
-          <a:ln w="6350">
+          <a:ln w="12700">
             <a:solidFill>
               <a:schemeClr val="tx1"/>
             </a:solidFill>
           </a:ln>
         </p:spPr>
         <p:style>
-          <a:lnRef idx="2">
-            <a:schemeClr val="accent1">
-              <a:shade val="50000"/>
-            </a:schemeClr>
+          <a:lnRef idx="1">
+            <a:schemeClr val="accent1"/>
           </a:lnRef>
-          <a:fillRef idx="1">
+          <a:fillRef idx="0">
             <a:schemeClr val="accent1"/>
           </a:fillRef>
           <a:effectRef idx="0">
             <a:schemeClr val="accent1"/>
           </a:effectRef>
           <a:fontRef idx="minor">
-            <a:schemeClr val="lt1"/>
+            <a:schemeClr val="tx1"/>
           </a:fontRef>
         </p:style>
         <p:txBody>
@@ -14380,241 +14724,147 @@
           <a:lstStyle/>
           <a:p>
             <a:pPr algn="ctr"/>
-            <a:endParaRPr lang="en-GB" sz="543" b="1" dirty="0">
-              <a:solidFill>
-                <a:schemeClr val="tx1">
-                  <a:lumMod val="85000"/>
-                  <a:lumOff val="15000"/>
-                </a:schemeClr>
-              </a:solidFill>
-              <a:latin typeface="Helvetica" panose="020B0604020202020204" pitchFamily="34" charset="0"/>
-              <a:cs typeface="Helvetica" panose="020B0604020202020204" pitchFamily="34" charset="0"/>
-            </a:endParaRPr>
-          </a:p>
-        </p:txBody>
-      </p:sp>
-      <p:sp>
-        <p:nvSpPr>
-          <p:cNvPr id="47" name="TextBox 46"/>
-          <p:cNvSpPr txBox="1"/>
+            <a:endParaRPr lang="en-GB" sz="957"/>
+          </a:p>
+        </p:txBody>
+      </p:sp>
+      <p:cxnSp>
+        <p:nvCxnSpPr>
+          <p:cNvPr id="17" name="Straight Connector 16">
+            <a:extLst>
+              <a:ext uri="{FF2B5EF4-FFF2-40B4-BE49-F238E27FC236}">
+                <a16:creationId xmlns:a16="http://schemas.microsoft.com/office/drawing/2014/main" id="{092EC51C-8A94-2F87-367A-B9E5E2CC3ADB}"/>
+              </a:ext>
+            </a:extLst>
+          </p:cNvPr>
+          <p:cNvCxnSpPr>
+            <a:cxnSpLocks/>
+          </p:cNvCxnSpPr>
           <p:nvPr/>
-        </p:nvSpPr>
-        <p:spPr>
-          <a:xfrm>
-            <a:off x="3051562" y="4600968"/>
-            <a:ext cx="308098" cy="169277"/>
-          </a:xfrm>
-          <a:prstGeom prst="rect">
+        </p:nvCxnSpPr>
+        <p:spPr>
+          <a:xfrm flipH="1" flipV="1">
+            <a:off x="4572822" y="1318255"/>
+            <a:ext cx="1106" cy="175660"/>
+          </a:xfrm>
+          <a:prstGeom prst="line">
             <a:avLst/>
           </a:prstGeom>
-          <a:noFill/>
-        </p:spPr>
-        <p:txBody>
-          <a:bodyPr wrap="none" rtlCol="0">
-            <a:spAutoFit/>
-          </a:bodyPr>
-          <a:lstStyle/>
-          <a:p>
-            <a:r>
-              <a:rPr lang="en-GB" sz="500" dirty="0">
-                <a:latin typeface="Helvetica" panose="020B0604020202020204" pitchFamily="34" charset="0"/>
-                <a:cs typeface="Helvetica" panose="020B0604020202020204" pitchFamily="34" charset="0"/>
-              </a:rPr>
-              <a:t>n=7</a:t>
-            </a:r>
-            <a:r>
-              <a:rPr lang="en-GB" sz="452" dirty="0">
-                <a:latin typeface="Helvetica" panose="020B0604020202020204" pitchFamily="34" charset="0"/>
-                <a:cs typeface="Helvetica" panose="020B0604020202020204" pitchFamily="34" charset="0"/>
-              </a:rPr>
-              <a:t> </a:t>
-            </a:r>
-          </a:p>
-        </p:txBody>
-      </p:sp>
-      <p:sp>
-        <p:nvSpPr>
-          <p:cNvPr id="43" name="Rectangle 42"/>
-          <p:cNvSpPr/>
-          <p:nvPr/>
-        </p:nvSpPr>
-        <p:spPr>
-          <a:xfrm flipV="1">
-            <a:off x="4457150" y="2693416"/>
-            <a:ext cx="190447" cy="53546"/>
-          </a:xfrm>
-          <a:prstGeom prst="rect">
-            <a:avLst/>
-          </a:prstGeom>
-          <a:solidFill>
-            <a:srgbClr val="414287"/>
-          </a:solidFill>
           <a:ln w="6350">
             <a:solidFill>
               <a:schemeClr val="tx1"/>
             </a:solidFill>
+            <a:prstDash val="lgDash"/>
           </a:ln>
         </p:spPr>
         <p:style>
-          <a:lnRef idx="2">
-            <a:schemeClr val="accent1">
-              <a:shade val="50000"/>
-            </a:schemeClr>
+          <a:lnRef idx="1">
+            <a:schemeClr val="accent1"/>
           </a:lnRef>
-          <a:fillRef idx="1">
+          <a:fillRef idx="0">
             <a:schemeClr val="accent1"/>
           </a:fillRef>
           <a:effectRef idx="0">
             <a:schemeClr val="accent1"/>
           </a:effectRef>
           <a:fontRef idx="minor">
-            <a:schemeClr val="lt1"/>
+            <a:schemeClr val="tx1"/>
           </a:fontRef>
         </p:style>
-        <p:txBody>
-          <a:bodyPr rtlCol="0" anchor="ctr"/>
-          <a:lstStyle/>
-          <a:p>
-            <a:pPr algn="ctr"/>
-            <a:endParaRPr lang="en-GB" sz="543" b="1" dirty="0">
-              <a:solidFill>
-                <a:schemeClr val="tx1">
-                  <a:lumMod val="85000"/>
-                  <a:lumOff val="15000"/>
-                </a:schemeClr>
-              </a:solidFill>
-              <a:latin typeface="Helvetica" panose="020B0604020202020204" pitchFamily="34" charset="0"/>
-              <a:cs typeface="Helvetica" panose="020B0604020202020204" pitchFamily="34" charset="0"/>
-            </a:endParaRPr>
-          </a:p>
-        </p:txBody>
-      </p:sp>
-      <p:sp>
-        <p:nvSpPr>
-          <p:cNvPr id="48" name="Rectangle 47"/>
-          <p:cNvSpPr/>
+      </p:cxnSp>
+      <p:cxnSp>
+        <p:nvCxnSpPr>
+          <p:cNvPr id="20" name="Straight Connector 19">
+            <a:extLst>
+              <a:ext uri="{FF2B5EF4-FFF2-40B4-BE49-F238E27FC236}">
+                <a16:creationId xmlns:a16="http://schemas.microsoft.com/office/drawing/2014/main" id="{E58E4AA4-589B-2C34-2145-FA6CF4D783DA}"/>
+              </a:ext>
+            </a:extLst>
+          </p:cNvPr>
+          <p:cNvCxnSpPr>
+            <a:cxnSpLocks/>
+          </p:cNvCxnSpPr>
           <p:nvPr/>
-        </p:nvSpPr>
+        </p:nvCxnSpPr>
         <p:spPr>
           <a:xfrm flipV="1">
-            <a:off x="4457150" y="2802177"/>
-            <a:ext cx="190447" cy="53546"/>
-          </a:xfrm>
-          <a:prstGeom prst="rect">
+            <a:off x="4573928" y="1019492"/>
+            <a:ext cx="0" cy="65209"/>
+          </a:xfrm>
+          <a:prstGeom prst="line">
             <a:avLst/>
           </a:prstGeom>
-          <a:solidFill>
-            <a:srgbClr val="FDE725"/>
-          </a:solidFill>
           <a:ln w="6350">
             <a:solidFill>
               <a:schemeClr val="tx1"/>
             </a:solidFill>
+            <a:prstDash val="lgDash"/>
           </a:ln>
         </p:spPr>
         <p:style>
-          <a:lnRef idx="2">
-            <a:schemeClr val="accent1">
-              <a:shade val="50000"/>
-            </a:schemeClr>
+          <a:lnRef idx="1">
+            <a:schemeClr val="accent1"/>
           </a:lnRef>
-          <a:fillRef idx="1">
+          <a:fillRef idx="0">
             <a:schemeClr val="accent1"/>
           </a:fillRef>
           <a:effectRef idx="0">
             <a:schemeClr val="accent1"/>
           </a:effectRef>
           <a:fontRef idx="minor">
-            <a:schemeClr val="lt1"/>
+            <a:schemeClr val="tx1"/>
           </a:fontRef>
         </p:style>
+      </p:cxnSp>
+      <p:sp>
+        <p:nvSpPr>
+          <p:cNvPr id="22" name="Left Brace 21">
+            <a:extLst>
+              <a:ext uri="{FF2B5EF4-FFF2-40B4-BE49-F238E27FC236}">
+                <a16:creationId xmlns:a16="http://schemas.microsoft.com/office/drawing/2014/main" id="{A7C3998B-7A13-3B1C-451F-91A7F11E4A0D}"/>
+              </a:ext>
+            </a:extLst>
+          </p:cNvPr>
+          <p:cNvSpPr/>
+          <p:nvPr/>
+        </p:nvSpPr>
+        <p:spPr>
+          <a:xfrm rot="5400000">
+            <a:off x="5001259" y="533160"/>
+            <a:ext cx="47754" cy="904629"/>
+          </a:xfrm>
+          <a:prstGeom prst="leftBrace">
+            <a:avLst>
+              <a:gd name="adj1" fmla="val 0"/>
+              <a:gd name="adj2" fmla="val 50911"/>
+            </a:avLst>
+          </a:prstGeom>
+          <a:ln w="12700">
+            <a:solidFill>
+              <a:schemeClr val="tx1"/>
+            </a:solidFill>
+          </a:ln>
+        </p:spPr>
+        <p:style>
+          <a:lnRef idx="1">
+            <a:schemeClr val="accent1"/>
+          </a:lnRef>
+          <a:fillRef idx="0">
+            <a:schemeClr val="accent1"/>
+          </a:fillRef>
+          <a:effectRef idx="0">
+            <a:schemeClr val="accent1"/>
+          </a:effectRef>
+          <a:fontRef idx="minor">
+            <a:schemeClr val="tx1"/>
+          </a:fontRef>
+        </p:style>
         <p:txBody>
           <a:bodyPr rtlCol="0" anchor="ctr"/>
           <a:lstStyle/>
           <a:p>
             <a:pPr algn="ctr"/>
-            <a:endParaRPr lang="en-GB" sz="543" b="1" dirty="0">
-              <a:solidFill>
-                <a:schemeClr val="tx1">
-                  <a:lumMod val="85000"/>
-                  <a:lumOff val="15000"/>
-                </a:schemeClr>
-              </a:solidFill>
-              <a:latin typeface="Helvetica" panose="020B0604020202020204" pitchFamily="34" charset="0"/>
-              <a:cs typeface="Helvetica" panose="020B0604020202020204" pitchFamily="34" charset="0"/>
-            </a:endParaRPr>
-          </a:p>
-        </p:txBody>
-      </p:sp>
-      <p:sp>
-        <p:nvSpPr>
-          <p:cNvPr id="49" name="TextBox 48"/>
-          <p:cNvSpPr txBox="1"/>
-          <p:nvPr/>
-        </p:nvSpPr>
-        <p:spPr>
-          <a:xfrm>
-            <a:off x="4617265" y="2637277"/>
-            <a:ext cx="1055097" cy="169277"/>
-          </a:xfrm>
-          <a:prstGeom prst="rect">
-            <a:avLst/>
-          </a:prstGeom>
-          <a:noFill/>
-        </p:spPr>
-        <p:txBody>
-          <a:bodyPr wrap="none" rtlCol="0">
-            <a:spAutoFit/>
-          </a:bodyPr>
-          <a:lstStyle/>
-          <a:p>
-            <a:r>
-              <a:rPr lang="en-GB" sz="500" dirty="0">
-                <a:latin typeface="Helvetica" panose="020B0604020202020204" pitchFamily="34" charset="0"/>
-                <a:cs typeface="Helvetica" panose="020B0604020202020204" pitchFamily="34" charset="0"/>
-              </a:rPr>
-              <a:t>Transactional services (n=201)</a:t>
-            </a:r>
-            <a:endParaRPr lang="en-GB" sz="452" dirty="0">
-              <a:latin typeface="Helvetica" panose="020B0604020202020204" pitchFamily="34" charset="0"/>
-              <a:cs typeface="Helvetica" panose="020B0604020202020204" pitchFamily="34" charset="0"/>
-            </a:endParaRPr>
-          </a:p>
-        </p:txBody>
-      </p:sp>
-      <p:sp>
-        <p:nvSpPr>
-          <p:cNvPr id="50" name="TextBox 49"/>
-          <p:cNvSpPr txBox="1"/>
-          <p:nvPr/>
-        </p:nvSpPr>
-        <p:spPr>
-          <a:xfrm>
-            <a:off x="4617265" y="2749851"/>
-            <a:ext cx="745717" cy="169277"/>
-          </a:xfrm>
-          <a:prstGeom prst="rect">
-            <a:avLst/>
-          </a:prstGeom>
-          <a:noFill/>
-        </p:spPr>
-        <p:txBody>
-          <a:bodyPr wrap="none" rtlCol="0">
-            <a:spAutoFit/>
-          </a:bodyPr>
-          <a:lstStyle/>
-          <a:p>
-            <a:r>
-              <a:rPr lang="en-GB" sz="500" dirty="0">
-                <a:latin typeface="Helvetica" panose="020B0604020202020204" pitchFamily="34" charset="0"/>
-                <a:cs typeface="Helvetica" panose="020B0604020202020204" pitchFamily="34" charset="0"/>
-              </a:rPr>
-              <a:t>All services (n=377)</a:t>
-            </a:r>
-            <a:endParaRPr lang="en-GB" sz="452" dirty="0">
-              <a:latin typeface="Helvetica" panose="020B0604020202020204" pitchFamily="34" charset="0"/>
-              <a:cs typeface="Helvetica" panose="020B0604020202020204" pitchFamily="34" charset="0"/>
-            </a:endParaRPr>
+            <a:endParaRPr lang="en-GB" sz="957"/>
           </a:p>
         </p:txBody>
       </p:sp>
@@ -14737,7 +14987,7 @@
         </p:nvGraphicFramePr>
         <p:xfrm>
           <a:off x="1466300" y="2568454"/>
-          <a:ext cx="4432211" cy="5345912"/>
+          <a:ext cx="4432211" cy="5345911"/>
         </p:xfrm>
         <a:graphic>
           <a:graphicData uri="http://schemas.openxmlformats.org/drawingml/2006/table">
@@ -17202,6 +17452,26 @@
 </file>
 
 <file path=customXml/item1.xml><?xml version="1.0" encoding="utf-8"?>
+<?mso-contentType ?>
+<FormTemplates xmlns="http://schemas.microsoft.com/sharepoint/v3/contenttype/forms">
+  <Display>DocumentLibraryForm</Display>
+  <Edit>DocumentLibraryForm</Edit>
+  <New>DocumentLibraryForm</New>
+</FormTemplates>
+</file>
+
+<file path=customXml/item2.xml><?xml version="1.0" encoding="utf-8"?>
+<p:properties xmlns:p="http://schemas.microsoft.com/office/2006/metadata/properties" xmlns:xsi="http://www.w3.org/2001/XMLSchema-instance" xmlns:pc="http://schemas.microsoft.com/office/infopath/2007/PartnerControls">
+  <documentManagement>
+    <lcf76f155ced4ddcb4097134ff3c332f xmlns="d67fce5f-2f04-4f7c-8e45-1ec614d56b91">
+      <Terms xmlns="http://schemas.microsoft.com/office/infopath/2007/PartnerControls"/>
+    </lcf76f155ced4ddcb4097134ff3c332f>
+    <TaxCatchAll xmlns="5cad2852-fd11-4253-a5dd-38f1c2375401" xsi:nil="true"/>
+  </documentManagement>
+</p:properties>
+</file>
+
+<file path=customXml/item3.xml><?xml version="1.0" encoding="utf-8"?>
 <ct:contentTypeSchema xmlns:ct="http://schemas.microsoft.com/office/2006/metadata/contentType" xmlns:ma="http://schemas.microsoft.com/office/2006/metadata/properties/metaAttributes" ct:_="" ma:_="" ma:contentTypeName="Document" ma:contentTypeID="0x0101008F4ADA58BAB4BD43855D6AA36652C25E" ma:contentTypeVersion="15" ma:contentTypeDescription="Create a new document." ma:contentTypeScope="" ma:versionID="d717b84fdc7afb44ac1af755b7f54b18">
   <xsd:schema xmlns:xsd="http://www.w3.org/2001/XMLSchema" xmlns:xs="http://www.w3.org/2001/XMLSchema" xmlns:p="http://schemas.microsoft.com/office/2006/metadata/properties" xmlns:ns2="d67fce5f-2f04-4f7c-8e45-1ec614d56b91" xmlns:ns3="5cad2852-fd11-4253-a5dd-38f1c2375401" targetNamespace="http://schemas.microsoft.com/office/2006/metadata/properties" ma:root="true" ma:fieldsID="063b5eaed4ff6c1f68f3609159d276b6" ns2:_="" ns3:_="">
     <xsd:import namespace="d67fce5f-2f04-4f7c-8e45-1ec614d56b91"/>
@@ -17438,27 +17708,32 @@
 </ct:contentTypeSchema>
 </file>
 
-<file path=customXml/item2.xml><?xml version="1.0" encoding="utf-8"?>
-<?mso-contentType ?>
-<FormTemplates xmlns="http://schemas.microsoft.com/sharepoint/v3/contenttype/forms">
-  <Display>DocumentLibraryForm</Display>
-  <Edit>DocumentLibraryForm</Edit>
-  <New>DocumentLibraryForm</New>
-</FormTemplates>
+<file path=customXml/itemProps1.xml><?xml version="1.0" encoding="utf-8"?>
+<ds:datastoreItem xmlns:ds="http://schemas.openxmlformats.org/officeDocument/2006/customXml" ds:itemID="{C789930F-4919-4017-8038-D3ADC3BB80B1}">
+  <ds:schemaRefs>
+    <ds:schemaRef ds:uri="http://schemas.microsoft.com/sharepoint/v3/contenttype/forms"/>
+  </ds:schemaRefs>
+</ds:datastoreItem>
 </file>
 
-<file path=customXml/item3.xml><?xml version="1.0" encoding="utf-8"?>
-<p:properties xmlns:p="http://schemas.microsoft.com/office/2006/metadata/properties" xmlns:xsi="http://www.w3.org/2001/XMLSchema-instance" xmlns:pc="http://schemas.microsoft.com/office/infopath/2007/PartnerControls">
-  <documentManagement>
-    <lcf76f155ced4ddcb4097134ff3c332f xmlns="d67fce5f-2f04-4f7c-8e45-1ec614d56b91">
-      <Terms xmlns="http://schemas.microsoft.com/office/infopath/2007/PartnerControls"/>
-    </lcf76f155ced4ddcb4097134ff3c332f>
-    <TaxCatchAll xmlns="5cad2852-fd11-4253-a5dd-38f1c2375401" xsi:nil="true"/>
-  </documentManagement>
-</p:properties>
+<file path=customXml/itemProps2.xml><?xml version="1.0" encoding="utf-8"?>
+<ds:datastoreItem xmlns:ds="http://schemas.openxmlformats.org/officeDocument/2006/customXml" ds:itemID="{CB15E116-BD27-4B83-9379-B22A911FE43D}">
+  <ds:schemaRefs>
+    <ds:schemaRef ds:uri="http://purl.org/dc/terms/"/>
+    <ds:schemaRef ds:uri="5cad2852-fd11-4253-a5dd-38f1c2375401"/>
+    <ds:schemaRef ds:uri="http://purl.org/dc/elements/1.1/"/>
+    <ds:schemaRef ds:uri="http://schemas.openxmlformats.org/package/2006/metadata/core-properties"/>
+    <ds:schemaRef ds:uri="http://schemas.microsoft.com/office/2006/metadata/properties"/>
+    <ds:schemaRef ds:uri="http://schemas.microsoft.com/office/2006/documentManagement/types"/>
+    <ds:schemaRef ds:uri="http://schemas.microsoft.com/office/infopath/2007/PartnerControls"/>
+    <ds:schemaRef ds:uri="d67fce5f-2f04-4f7c-8e45-1ec614d56b91"/>
+    <ds:schemaRef ds:uri="http://www.w3.org/XML/1998/namespace"/>
+    <ds:schemaRef ds:uri="http://purl.org/dc/dcmitype/"/>
+  </ds:schemaRefs>
+</ds:datastoreItem>
 </file>
 
-<file path=customXml/itemProps1.xml><?xml version="1.0" encoding="utf-8"?>
+<file path=customXml/itemProps3.xml><?xml version="1.0" encoding="utf-8"?>
 <ds:datastoreItem xmlns:ds="http://schemas.openxmlformats.org/officeDocument/2006/customXml" ds:itemID="{913DAD98-33B1-4D3E-9720-0EF97849D385}">
   <ds:schemaRefs>
     <ds:schemaRef ds:uri="http://schemas.microsoft.com/office/2006/metadata/contentType"/>
@@ -17475,29 +17750,4 @@
     <ds:schemaRef ds:uri="http://schemas.microsoft.com/internal/obd"/>
   </ds:schemaRefs>
 </ds:datastoreItem>
-</file>
-
-<file path=customXml/itemProps2.xml><?xml version="1.0" encoding="utf-8"?>
-<ds:datastoreItem xmlns:ds="http://schemas.openxmlformats.org/officeDocument/2006/customXml" ds:itemID="{C789930F-4919-4017-8038-D3ADC3BB80B1}">
-  <ds:schemaRefs>
-    <ds:schemaRef ds:uri="http://schemas.microsoft.com/sharepoint/v3/contenttype/forms"/>
-  </ds:schemaRefs>
-</ds:datastoreItem>
-</file>
-
-<file path=customXml/itemProps3.xml><?xml version="1.0" encoding="utf-8"?>
-<ds:datastoreItem xmlns:ds="http://schemas.openxmlformats.org/officeDocument/2006/customXml" ds:itemID="{CB15E116-BD27-4B83-9379-B22A911FE43D}">
-  <ds:schemaRefs>
-    <ds:schemaRef ds:uri="http://purl.org/dc/terms/"/>
-    <ds:schemaRef ds:uri="5cad2852-fd11-4253-a5dd-38f1c2375401"/>
-    <ds:schemaRef ds:uri="http://purl.org/dc/elements/1.1/"/>
-    <ds:schemaRef ds:uri="http://schemas.openxmlformats.org/package/2006/metadata/core-properties"/>
-    <ds:schemaRef ds:uri="http://schemas.microsoft.com/office/2006/metadata/properties"/>
-    <ds:schemaRef ds:uri="http://schemas.microsoft.com/office/2006/documentManagement/types"/>
-    <ds:schemaRef ds:uri="http://schemas.microsoft.com/office/infopath/2007/PartnerControls"/>
-    <ds:schemaRef ds:uri="d67fce5f-2f04-4f7c-8e45-1ec614d56b91"/>
-    <ds:schemaRef ds:uri="http://www.w3.org/XML/1998/namespace"/>
-    <ds:schemaRef ds:uri="http://purl.org/dc/dcmitype/"/>
-  </ds:schemaRefs>
-</ds:datastoreItem>
 </file>